--- a/ProjectPresentation.pptx
+++ b/ProjectPresentation.pptx
@@ -2,16 +2,16 @@
 <file path=ppt/presentation.xml><?xml version="1.0" encoding="utf-8"?>
 <p:presentation xmlns:a="http://schemas.openxmlformats.org/drawingml/2006/main" xmlns:r="http://schemas.openxmlformats.org/officeDocument/2006/relationships" xmlns:p="http://schemas.openxmlformats.org/presentationml/2006/main" saveSubsetFonts="1">
   <p:sldMasterIdLst>
-    <p:sldMasterId id="2147483648" r:id="rId1"/>
+    <p:sldMasterId id="2147483732" r:id="rId1"/>
   </p:sldMasterIdLst>
   <p:sldIdLst>
     <p:sldId id="256" r:id="rId2"/>
     <p:sldId id="257" r:id="rId3"/>
-    <p:sldId id="258" r:id="rId4"/>
-    <p:sldId id="259" r:id="rId5"/>
-    <p:sldId id="261" r:id="rId6"/>
-    <p:sldId id="262" r:id="rId7"/>
-    <p:sldId id="263" r:id="rId8"/>
+    <p:sldId id="264" r:id="rId4"/>
+    <p:sldId id="258" r:id="rId5"/>
+    <p:sldId id="259" r:id="rId6"/>
+    <p:sldId id="263" r:id="rId7"/>
+    <p:sldId id="265" r:id="rId8"/>
     <p:sldId id="260" r:id="rId9"/>
   </p:sldIdLst>
   <p:sldSz cx="12192000" cy="6858000"/>
@@ -111,6 +111,11 @@
       </a:defRPr>
     </a:lvl9pPr>
   </p:defaultTextStyle>
+  <p:extLst>
+    <p:ext uri="{EFAFB233-063F-42B5-8137-9DF3F51BA10A}">
+      <p15:sldGuideLst xmlns:p15="http://schemas.microsoft.com/office/powerpoint/2012/main"/>
+    </p:ext>
+  </p:extLst>
 </p:presentation>
 </file>
 
@@ -143,15 +148,17 @@
         </p:nvSpPr>
         <p:spPr>
           <a:xfrm>
-            <a:off x="1524000" y="1122363"/>
-            <a:ext cx="9144000" cy="2387600"/>
+            <a:off x="1595269" y="1122363"/>
+            <a:ext cx="9001462" cy="2387600"/>
           </a:xfrm>
         </p:spPr>
         <p:txBody>
-          <a:bodyPr anchor="b"/>
+          <a:bodyPr anchor="b">
+            <a:normAutofit/>
+          </a:bodyPr>
           <a:lstStyle>
             <a:lvl1pPr algn="ctr">
-              <a:defRPr sz="6000"/>
+              <a:defRPr sz="4800"/>
             </a:lvl1pPr>
           </a:lstStyle>
           <a:p>
@@ -159,7 +166,7 @@
               <a:rPr lang="en-US" smtClean="0"/>
               <a:t>Click to edit Master title style</a:t>
             </a:r>
-            <a:endParaRPr lang="en-US"/>
+            <a:endParaRPr lang="en-US" dirty="0"/>
           </a:p>
         </p:txBody>
       </p:sp>
@@ -175,8 +182,8 @@
         </p:nvSpPr>
         <p:spPr>
           <a:xfrm>
-            <a:off x="1524000" y="3602038"/>
-            <a:ext cx="9144000" cy="1655762"/>
+            <a:off x="1595269" y="3602038"/>
+            <a:ext cx="9001462" cy="1655762"/>
           </a:xfrm>
         </p:spPr>
         <p:txBody>
@@ -224,7 +231,7 @@
               <a:rPr lang="en-US" smtClean="0"/>
               <a:t>Click to edit Master subtitle style</a:t>
             </a:r>
-            <a:endParaRPr lang="en-US"/>
+            <a:endParaRPr lang="en-US" dirty="0"/>
           </a:p>
         </p:txBody>
       </p:sp>
@@ -245,7 +252,7 @@
           <a:p>
             <a:fld id="{AA7BB193-768F-4CA7-B187-2D2BE19D21C3}" type="datetimeFigureOut">
               <a:rPr lang="en-US" smtClean="0"/>
-              <a:t>12/13/2016</a:t>
+              <a:t>12/20/2016</a:t>
             </a:fld>
             <a:endParaRPr lang="en-US"/>
           </a:p>
@@ -296,7 +303,7 @@
     </p:spTree>
     <p:extLst>
       <p:ext uri="{BB962C8B-B14F-4D97-AF65-F5344CB8AC3E}">
-        <p14:creationId xmlns:p14="http://schemas.microsoft.com/office/powerpoint/2010/main" val="4071093759"/>
+        <p14:creationId xmlns:p14="http://schemas.microsoft.com/office/powerpoint/2010/main" val="1520939169"/>
       </p:ext>
     </p:extLst>
   </p:cSld>
@@ -307,6 +314,2556 @@
 </file>
 
 <file path=ppt/slideLayouts/slideLayout10.xml><?xml version="1.0" encoding="utf-8"?>
+<p:sldLayout xmlns:a="http://schemas.openxmlformats.org/drawingml/2006/main" xmlns:r="http://schemas.openxmlformats.org/officeDocument/2006/relationships" xmlns:p="http://schemas.openxmlformats.org/presentationml/2006/main" preserve="1">
+  <p:cSld name="Panoramic Picture with Caption">
+    <p:spTree>
+      <p:nvGrpSpPr>
+        <p:cNvPr id="1" name=""/>
+        <p:cNvGrpSpPr/>
+        <p:nvPr/>
+      </p:nvGrpSpPr>
+      <p:grpSpPr>
+        <a:xfrm>
+          <a:off x="0" y="0"/>
+          <a:ext cx="0" cy="0"/>
+          <a:chOff x="0" y="0"/>
+          <a:chExt cx="0" cy="0"/>
+        </a:xfrm>
+      </p:grpSpPr>
+      <p:sp>
+        <p:nvSpPr>
+          <p:cNvPr id="2" name="Title 1"/>
+          <p:cNvSpPr>
+            <a:spLocks noGrp="1"/>
+          </p:cNvSpPr>
+          <p:nvPr>
+            <p:ph type="title"/>
+          </p:nvPr>
+        </p:nvSpPr>
+        <p:spPr>
+          <a:xfrm>
+            <a:off x="913806" y="4289372"/>
+            <a:ext cx="10367564" cy="819355"/>
+          </a:xfrm>
+        </p:spPr>
+        <p:txBody>
+          <a:bodyPr anchor="b">
+            <a:normAutofit/>
+          </a:bodyPr>
+          <a:lstStyle>
+            <a:lvl1pPr>
+              <a:defRPr sz="2800"/>
+            </a:lvl1pPr>
+          </a:lstStyle>
+          <a:p>
+            <a:r>
+              <a:rPr lang="en-US" smtClean="0"/>
+              <a:t>Click to edit Master title style</a:t>
+            </a:r>
+            <a:endParaRPr lang="en-US" dirty="0"/>
+          </a:p>
+        </p:txBody>
+      </p:sp>
+      <p:sp>
+        <p:nvSpPr>
+          <p:cNvPr id="3" name="Picture Placeholder 2"/>
+          <p:cNvSpPr>
+            <a:spLocks noGrp="1" noChangeAspect="1"/>
+          </p:cNvSpPr>
+          <p:nvPr>
+            <p:ph type="pic" idx="1"/>
+          </p:nvPr>
+        </p:nvSpPr>
+        <p:spPr>
+          <a:xfrm>
+            <a:off x="913806" y="621321"/>
+            <a:ext cx="10367564" cy="3379735"/>
+          </a:xfrm>
+          <a:noFill/>
+          <a:ln w="190500" cap="sq">
+            <a:solidFill>
+              <a:srgbClr val="FFFFFF"/>
+            </a:solidFill>
+            <a:miter lim="800000"/>
+          </a:ln>
+          <a:effectLst>
+            <a:outerShdw blurRad="55000" dist="18000" dir="5400000" algn="tl" rotWithShape="0">
+              <a:srgbClr val="000000">
+                <a:alpha val="40000"/>
+              </a:srgbClr>
+            </a:outerShdw>
+          </a:effectLst>
+          <a:scene3d>
+            <a:camera prst="orthographicFront"/>
+            <a:lightRig rig="twoPt" dir="t">
+              <a:rot lat="0" lon="0" rev="7200000"/>
+            </a:lightRig>
+          </a:scene3d>
+          <a:sp3d>
+            <a:bevelT w="25400" h="19050"/>
+            <a:contourClr>
+              <a:srgbClr val="FFFFFF"/>
+            </a:contourClr>
+          </a:sp3d>
+        </p:spPr>
+        <p:txBody>
+          <a:bodyPr anchor="t"/>
+          <a:lstStyle>
+            <a:lvl1pPr marL="0" indent="0" algn="ctr">
+              <a:buNone/>
+              <a:defRPr sz="3200"/>
+            </a:lvl1pPr>
+            <a:lvl2pPr marL="457200" indent="0">
+              <a:buNone/>
+              <a:defRPr sz="2800"/>
+            </a:lvl2pPr>
+            <a:lvl3pPr marL="914400" indent="0">
+              <a:buNone/>
+              <a:defRPr sz="2400"/>
+            </a:lvl3pPr>
+            <a:lvl4pPr marL="1371600" indent="0">
+              <a:buNone/>
+              <a:defRPr sz="2000"/>
+            </a:lvl4pPr>
+            <a:lvl5pPr marL="1828800" indent="0">
+              <a:buNone/>
+              <a:defRPr sz="2000"/>
+            </a:lvl5pPr>
+            <a:lvl6pPr marL="2286000" indent="0">
+              <a:buNone/>
+              <a:defRPr sz="2000"/>
+            </a:lvl6pPr>
+            <a:lvl7pPr marL="2743200" indent="0">
+              <a:buNone/>
+              <a:defRPr sz="2000"/>
+            </a:lvl7pPr>
+            <a:lvl8pPr marL="3200400" indent="0">
+              <a:buNone/>
+              <a:defRPr sz="2000"/>
+            </a:lvl8pPr>
+            <a:lvl9pPr marL="3657600" indent="0">
+              <a:buNone/>
+              <a:defRPr sz="2000"/>
+            </a:lvl9pPr>
+          </a:lstStyle>
+          <a:p>
+            <a:r>
+              <a:rPr lang="en-US" smtClean="0"/>
+              <a:t>Click icon to add picture</a:t>
+            </a:r>
+            <a:endParaRPr lang="en-US" dirty="0"/>
+          </a:p>
+        </p:txBody>
+      </p:sp>
+      <p:sp>
+        <p:nvSpPr>
+          <p:cNvPr id="4" name="Text Placeholder 3"/>
+          <p:cNvSpPr>
+            <a:spLocks noGrp="1"/>
+          </p:cNvSpPr>
+          <p:nvPr>
+            <p:ph type="body" sz="half" idx="2"/>
+          </p:nvPr>
+        </p:nvSpPr>
+        <p:spPr>
+          <a:xfrm>
+            <a:off x="913795" y="5108728"/>
+            <a:ext cx="10365998" cy="682472"/>
+          </a:xfrm>
+        </p:spPr>
+        <p:txBody>
+          <a:bodyPr>
+            <a:normAutofit/>
+          </a:bodyPr>
+          <a:lstStyle>
+            <a:lvl1pPr marL="0" indent="0" algn="ctr">
+              <a:buNone/>
+              <a:defRPr sz="1800"/>
+            </a:lvl1pPr>
+            <a:lvl2pPr marL="457200" indent="0">
+              <a:buNone/>
+              <a:defRPr sz="1400"/>
+            </a:lvl2pPr>
+            <a:lvl3pPr marL="914400" indent="0">
+              <a:buNone/>
+              <a:defRPr sz="1200"/>
+            </a:lvl3pPr>
+            <a:lvl4pPr marL="1371600" indent="0">
+              <a:buNone/>
+              <a:defRPr sz="1000"/>
+            </a:lvl4pPr>
+            <a:lvl5pPr marL="1828800" indent="0">
+              <a:buNone/>
+              <a:defRPr sz="1000"/>
+            </a:lvl5pPr>
+            <a:lvl6pPr marL="2286000" indent="0">
+              <a:buNone/>
+              <a:defRPr sz="1000"/>
+            </a:lvl6pPr>
+            <a:lvl7pPr marL="2743200" indent="0">
+              <a:buNone/>
+              <a:defRPr sz="1000"/>
+            </a:lvl7pPr>
+            <a:lvl8pPr marL="3200400" indent="0">
+              <a:buNone/>
+              <a:defRPr sz="1000"/>
+            </a:lvl8pPr>
+            <a:lvl9pPr marL="3657600" indent="0">
+              <a:buNone/>
+              <a:defRPr sz="1000"/>
+            </a:lvl9pPr>
+          </a:lstStyle>
+          <a:p>
+            <a:pPr lvl="0"/>
+            <a:r>
+              <a:rPr lang="en-US" smtClean="0"/>
+              <a:t>Click to edit Master text styles</a:t>
+            </a:r>
+          </a:p>
+        </p:txBody>
+      </p:sp>
+      <p:sp>
+        <p:nvSpPr>
+          <p:cNvPr id="5" name="Date Placeholder 4"/>
+          <p:cNvSpPr>
+            <a:spLocks noGrp="1"/>
+          </p:cNvSpPr>
+          <p:nvPr>
+            <p:ph type="dt" sz="half" idx="10"/>
+          </p:nvPr>
+        </p:nvSpPr>
+        <p:spPr/>
+        <p:txBody>
+          <a:bodyPr/>
+          <a:lstStyle/>
+          <a:p>
+            <a:fld id="{AA7BB193-768F-4CA7-B187-2D2BE19D21C3}" type="datetimeFigureOut">
+              <a:rPr lang="en-US" smtClean="0"/>
+              <a:t>12/20/2016</a:t>
+            </a:fld>
+            <a:endParaRPr lang="en-US"/>
+          </a:p>
+        </p:txBody>
+      </p:sp>
+      <p:sp>
+        <p:nvSpPr>
+          <p:cNvPr id="6" name="Footer Placeholder 5"/>
+          <p:cNvSpPr>
+            <a:spLocks noGrp="1"/>
+          </p:cNvSpPr>
+          <p:nvPr>
+            <p:ph type="ftr" sz="quarter" idx="11"/>
+          </p:nvPr>
+        </p:nvSpPr>
+        <p:spPr/>
+        <p:txBody>
+          <a:bodyPr/>
+          <a:lstStyle/>
+          <a:p>
+            <a:endParaRPr lang="en-US"/>
+          </a:p>
+        </p:txBody>
+      </p:sp>
+      <p:sp>
+        <p:nvSpPr>
+          <p:cNvPr id="7" name="Slide Number Placeholder 6"/>
+          <p:cNvSpPr>
+            <a:spLocks noGrp="1"/>
+          </p:cNvSpPr>
+          <p:nvPr>
+            <p:ph type="sldNum" sz="quarter" idx="12"/>
+          </p:nvPr>
+        </p:nvSpPr>
+        <p:spPr/>
+        <p:txBody>
+          <a:bodyPr/>
+          <a:lstStyle/>
+          <a:p>
+            <a:fld id="{B376502B-1283-4956-86E6-9BB2B04C50CC}" type="slidenum">
+              <a:rPr lang="en-US" smtClean="0"/>
+              <a:t>‹#›</a:t>
+            </a:fld>
+            <a:endParaRPr lang="en-US"/>
+          </a:p>
+        </p:txBody>
+      </p:sp>
+    </p:spTree>
+    <p:extLst>
+      <p:ext uri="{BB962C8B-B14F-4D97-AF65-F5344CB8AC3E}">
+        <p14:creationId xmlns:p14="http://schemas.microsoft.com/office/powerpoint/2010/main" val="3909121983"/>
+      </p:ext>
+    </p:extLst>
+  </p:cSld>
+  <p:clrMapOvr>
+    <a:masterClrMapping/>
+  </p:clrMapOvr>
+</p:sldLayout>
+</file>
+
+<file path=ppt/slideLayouts/slideLayout11.xml><?xml version="1.0" encoding="utf-8"?>
+<p:sldLayout xmlns:a="http://schemas.openxmlformats.org/drawingml/2006/main" xmlns:r="http://schemas.openxmlformats.org/officeDocument/2006/relationships" xmlns:p="http://schemas.openxmlformats.org/presentationml/2006/main" preserve="1">
+  <p:cSld name="Title and Caption">
+    <p:spTree>
+      <p:nvGrpSpPr>
+        <p:cNvPr id="1" name=""/>
+        <p:cNvGrpSpPr/>
+        <p:nvPr/>
+      </p:nvGrpSpPr>
+      <p:grpSpPr>
+        <a:xfrm>
+          <a:off x="0" y="0"/>
+          <a:ext cx="0" cy="0"/>
+          <a:chOff x="0" y="0"/>
+          <a:chExt cx="0" cy="0"/>
+        </a:xfrm>
+      </p:grpSpPr>
+      <p:sp>
+        <p:nvSpPr>
+          <p:cNvPr id="2" name="Title 1"/>
+          <p:cNvSpPr>
+            <a:spLocks noGrp="1"/>
+          </p:cNvSpPr>
+          <p:nvPr>
+            <p:ph type="title"/>
+          </p:nvPr>
+        </p:nvSpPr>
+        <p:spPr>
+          <a:xfrm>
+            <a:off x="913795" y="609600"/>
+            <a:ext cx="10353762" cy="3424859"/>
+          </a:xfrm>
+        </p:spPr>
+        <p:txBody>
+          <a:bodyPr anchor="ctr"/>
+          <a:lstStyle>
+            <a:lvl1pPr>
+              <a:defRPr sz="3200"/>
+            </a:lvl1pPr>
+          </a:lstStyle>
+          <a:p>
+            <a:r>
+              <a:rPr lang="en-US" smtClean="0"/>
+              <a:t>Click to edit Master title style</a:t>
+            </a:r>
+            <a:endParaRPr lang="en-US" dirty="0"/>
+          </a:p>
+        </p:txBody>
+      </p:sp>
+      <p:sp>
+        <p:nvSpPr>
+          <p:cNvPr id="4" name="Text Placeholder 3"/>
+          <p:cNvSpPr>
+            <a:spLocks noGrp="1"/>
+          </p:cNvSpPr>
+          <p:nvPr>
+            <p:ph type="body" sz="half" idx="2"/>
+          </p:nvPr>
+        </p:nvSpPr>
+        <p:spPr>
+          <a:xfrm>
+            <a:off x="913795" y="4204820"/>
+            <a:ext cx="10353761" cy="1592186"/>
+          </a:xfrm>
+        </p:spPr>
+        <p:txBody>
+          <a:bodyPr anchor="ctr"/>
+          <a:lstStyle>
+            <a:lvl1pPr marL="0" indent="0" algn="ctr">
+              <a:buNone/>
+              <a:defRPr sz="1600"/>
+            </a:lvl1pPr>
+            <a:lvl2pPr marL="457200" indent="0">
+              <a:buNone/>
+              <a:defRPr sz="1400"/>
+            </a:lvl2pPr>
+            <a:lvl3pPr marL="914400" indent="0">
+              <a:buNone/>
+              <a:defRPr sz="1200"/>
+            </a:lvl3pPr>
+            <a:lvl4pPr marL="1371600" indent="0">
+              <a:buNone/>
+              <a:defRPr sz="1000"/>
+            </a:lvl4pPr>
+            <a:lvl5pPr marL="1828800" indent="0">
+              <a:buNone/>
+              <a:defRPr sz="1000"/>
+            </a:lvl5pPr>
+            <a:lvl6pPr marL="2286000" indent="0">
+              <a:buNone/>
+              <a:defRPr sz="1000"/>
+            </a:lvl6pPr>
+            <a:lvl7pPr marL="2743200" indent="0">
+              <a:buNone/>
+              <a:defRPr sz="1000"/>
+            </a:lvl7pPr>
+            <a:lvl8pPr marL="3200400" indent="0">
+              <a:buNone/>
+              <a:defRPr sz="1000"/>
+            </a:lvl8pPr>
+            <a:lvl9pPr marL="3657600" indent="0">
+              <a:buNone/>
+              <a:defRPr sz="1000"/>
+            </a:lvl9pPr>
+          </a:lstStyle>
+          <a:p>
+            <a:pPr lvl="0"/>
+            <a:r>
+              <a:rPr lang="en-US" smtClean="0"/>
+              <a:t>Click to edit Master text styles</a:t>
+            </a:r>
+          </a:p>
+        </p:txBody>
+      </p:sp>
+      <p:sp>
+        <p:nvSpPr>
+          <p:cNvPr id="5" name="Date Placeholder 4"/>
+          <p:cNvSpPr>
+            <a:spLocks noGrp="1"/>
+          </p:cNvSpPr>
+          <p:nvPr>
+            <p:ph type="dt" sz="half" idx="10"/>
+          </p:nvPr>
+        </p:nvSpPr>
+        <p:spPr/>
+        <p:txBody>
+          <a:bodyPr/>
+          <a:lstStyle/>
+          <a:p>
+            <a:fld id="{AA7BB193-768F-4CA7-B187-2D2BE19D21C3}" type="datetimeFigureOut">
+              <a:rPr lang="en-US" smtClean="0"/>
+              <a:t>12/20/2016</a:t>
+            </a:fld>
+            <a:endParaRPr lang="en-US"/>
+          </a:p>
+        </p:txBody>
+      </p:sp>
+      <p:sp>
+        <p:nvSpPr>
+          <p:cNvPr id="6" name="Footer Placeholder 5"/>
+          <p:cNvSpPr>
+            <a:spLocks noGrp="1"/>
+          </p:cNvSpPr>
+          <p:nvPr>
+            <p:ph type="ftr" sz="quarter" idx="11"/>
+          </p:nvPr>
+        </p:nvSpPr>
+        <p:spPr/>
+        <p:txBody>
+          <a:bodyPr/>
+          <a:lstStyle/>
+          <a:p>
+            <a:endParaRPr lang="en-US"/>
+          </a:p>
+        </p:txBody>
+      </p:sp>
+      <p:sp>
+        <p:nvSpPr>
+          <p:cNvPr id="7" name="Slide Number Placeholder 6"/>
+          <p:cNvSpPr>
+            <a:spLocks noGrp="1"/>
+          </p:cNvSpPr>
+          <p:nvPr>
+            <p:ph type="sldNum" sz="quarter" idx="12"/>
+          </p:nvPr>
+        </p:nvSpPr>
+        <p:spPr/>
+        <p:txBody>
+          <a:bodyPr/>
+          <a:lstStyle/>
+          <a:p>
+            <a:fld id="{B376502B-1283-4956-86E6-9BB2B04C50CC}" type="slidenum">
+              <a:rPr lang="en-US" smtClean="0"/>
+              <a:t>‹#›</a:t>
+            </a:fld>
+            <a:endParaRPr lang="en-US"/>
+          </a:p>
+        </p:txBody>
+      </p:sp>
+    </p:spTree>
+    <p:extLst>
+      <p:ext uri="{BB962C8B-B14F-4D97-AF65-F5344CB8AC3E}">
+        <p14:creationId xmlns:p14="http://schemas.microsoft.com/office/powerpoint/2010/main" val="613342909"/>
+      </p:ext>
+    </p:extLst>
+  </p:cSld>
+  <p:clrMapOvr>
+    <a:masterClrMapping/>
+  </p:clrMapOvr>
+</p:sldLayout>
+</file>
+
+<file path=ppt/slideLayouts/slideLayout12.xml><?xml version="1.0" encoding="utf-8"?>
+<p:sldLayout xmlns:a="http://schemas.openxmlformats.org/drawingml/2006/main" xmlns:r="http://schemas.openxmlformats.org/officeDocument/2006/relationships" xmlns:p="http://schemas.openxmlformats.org/presentationml/2006/main" preserve="1">
+  <p:cSld name="Quote with Caption">
+    <p:spTree>
+      <p:nvGrpSpPr>
+        <p:cNvPr id="1" name=""/>
+        <p:cNvGrpSpPr/>
+        <p:nvPr/>
+      </p:nvGrpSpPr>
+      <p:grpSpPr>
+        <a:xfrm>
+          <a:off x="0" y="0"/>
+          <a:ext cx="0" cy="0"/>
+          <a:chOff x="0" y="0"/>
+          <a:chExt cx="0" cy="0"/>
+        </a:xfrm>
+      </p:grpSpPr>
+      <p:sp>
+        <p:nvSpPr>
+          <p:cNvPr id="2" name="Title 1"/>
+          <p:cNvSpPr>
+            <a:spLocks noGrp="1"/>
+          </p:cNvSpPr>
+          <p:nvPr>
+            <p:ph type="title"/>
+          </p:nvPr>
+        </p:nvSpPr>
+        <p:spPr>
+          <a:xfrm>
+            <a:off x="1446212" y="609600"/>
+            <a:ext cx="9302752" cy="2992904"/>
+          </a:xfrm>
+        </p:spPr>
+        <p:txBody>
+          <a:bodyPr anchor="ctr"/>
+          <a:lstStyle>
+            <a:lvl1pPr>
+              <a:defRPr sz="3200"/>
+            </a:lvl1pPr>
+          </a:lstStyle>
+          <a:p>
+            <a:r>
+              <a:rPr lang="en-US" smtClean="0"/>
+              <a:t>Click to edit Master title style</a:t>
+            </a:r>
+            <a:endParaRPr lang="en-US" dirty="0"/>
+          </a:p>
+        </p:txBody>
+      </p:sp>
+      <p:sp>
+        <p:nvSpPr>
+          <p:cNvPr id="12" name="Text Placeholder 3"/>
+          <p:cNvSpPr>
+            <a:spLocks noGrp="1"/>
+          </p:cNvSpPr>
+          <p:nvPr>
+            <p:ph type="body" sz="half" idx="13"/>
+          </p:nvPr>
+        </p:nvSpPr>
+        <p:spPr>
+          <a:xfrm>
+            <a:off x="1720644" y="3610032"/>
+            <a:ext cx="8752299" cy="426812"/>
+          </a:xfrm>
+        </p:spPr>
+        <p:txBody>
+          <a:bodyPr anchor="t">
+            <a:normAutofit/>
+          </a:bodyPr>
+          <a:lstStyle>
+            <a:lvl1pPr marL="0" indent="0" algn="r">
+              <a:buNone/>
+              <a:defRPr sz="1400"/>
+            </a:lvl1pPr>
+            <a:lvl2pPr marL="457200" indent="0">
+              <a:buNone/>
+              <a:defRPr sz="1400"/>
+            </a:lvl2pPr>
+            <a:lvl3pPr marL="914400" indent="0">
+              <a:buNone/>
+              <a:defRPr sz="1200"/>
+            </a:lvl3pPr>
+            <a:lvl4pPr marL="1371600" indent="0">
+              <a:buNone/>
+              <a:defRPr sz="1000"/>
+            </a:lvl4pPr>
+            <a:lvl5pPr marL="1828800" indent="0">
+              <a:buNone/>
+              <a:defRPr sz="1000"/>
+            </a:lvl5pPr>
+            <a:lvl6pPr marL="2286000" indent="0">
+              <a:buNone/>
+              <a:defRPr sz="1000"/>
+            </a:lvl6pPr>
+            <a:lvl7pPr marL="2743200" indent="0">
+              <a:buNone/>
+              <a:defRPr sz="1000"/>
+            </a:lvl7pPr>
+            <a:lvl8pPr marL="3200400" indent="0">
+              <a:buNone/>
+              <a:defRPr sz="1000"/>
+            </a:lvl8pPr>
+            <a:lvl9pPr marL="3657600" indent="0">
+              <a:buNone/>
+              <a:defRPr sz="1000"/>
+            </a:lvl9pPr>
+          </a:lstStyle>
+          <a:p>
+            <a:pPr lvl="0"/>
+            <a:r>
+              <a:rPr lang="en-US" smtClean="0"/>
+              <a:t>Click to edit Master text styles</a:t>
+            </a:r>
+          </a:p>
+        </p:txBody>
+      </p:sp>
+      <p:sp>
+        <p:nvSpPr>
+          <p:cNvPr id="4" name="Text Placeholder 3"/>
+          <p:cNvSpPr>
+            <a:spLocks noGrp="1"/>
+          </p:cNvSpPr>
+          <p:nvPr>
+            <p:ph type="body" sz="half" idx="2"/>
+          </p:nvPr>
+        </p:nvSpPr>
+        <p:spPr>
+          <a:xfrm>
+            <a:off x="913794" y="4204821"/>
+            <a:ext cx="10353762" cy="1586380"/>
+          </a:xfrm>
+        </p:spPr>
+        <p:txBody>
+          <a:bodyPr anchor="ctr">
+            <a:normAutofit/>
+          </a:bodyPr>
+          <a:lstStyle>
+            <a:lvl1pPr marL="0" indent="0" algn="ctr">
+              <a:buNone/>
+              <a:defRPr sz="1600"/>
+            </a:lvl1pPr>
+            <a:lvl2pPr marL="457200" indent="0">
+              <a:buNone/>
+              <a:defRPr sz="1400"/>
+            </a:lvl2pPr>
+            <a:lvl3pPr marL="914400" indent="0">
+              <a:buNone/>
+              <a:defRPr sz="1200"/>
+            </a:lvl3pPr>
+            <a:lvl4pPr marL="1371600" indent="0">
+              <a:buNone/>
+              <a:defRPr sz="1000"/>
+            </a:lvl4pPr>
+            <a:lvl5pPr marL="1828800" indent="0">
+              <a:buNone/>
+              <a:defRPr sz="1000"/>
+            </a:lvl5pPr>
+            <a:lvl6pPr marL="2286000" indent="0">
+              <a:buNone/>
+              <a:defRPr sz="1000"/>
+            </a:lvl6pPr>
+            <a:lvl7pPr marL="2743200" indent="0">
+              <a:buNone/>
+              <a:defRPr sz="1000"/>
+            </a:lvl7pPr>
+            <a:lvl8pPr marL="3200400" indent="0">
+              <a:buNone/>
+              <a:defRPr sz="1000"/>
+            </a:lvl8pPr>
+            <a:lvl9pPr marL="3657600" indent="0">
+              <a:buNone/>
+              <a:defRPr sz="1000"/>
+            </a:lvl9pPr>
+          </a:lstStyle>
+          <a:p>
+            <a:pPr lvl="0"/>
+            <a:r>
+              <a:rPr lang="en-US" smtClean="0"/>
+              <a:t>Click to edit Master text styles</a:t>
+            </a:r>
+          </a:p>
+        </p:txBody>
+      </p:sp>
+      <p:sp>
+        <p:nvSpPr>
+          <p:cNvPr id="5" name="Date Placeholder 4"/>
+          <p:cNvSpPr>
+            <a:spLocks noGrp="1"/>
+          </p:cNvSpPr>
+          <p:nvPr>
+            <p:ph type="dt" sz="half" idx="10"/>
+          </p:nvPr>
+        </p:nvSpPr>
+        <p:spPr/>
+        <p:txBody>
+          <a:bodyPr/>
+          <a:lstStyle/>
+          <a:p>
+            <a:fld id="{AA7BB193-768F-4CA7-B187-2D2BE19D21C3}" type="datetimeFigureOut">
+              <a:rPr lang="en-US" smtClean="0"/>
+              <a:t>12/20/2016</a:t>
+            </a:fld>
+            <a:endParaRPr lang="en-US"/>
+          </a:p>
+        </p:txBody>
+      </p:sp>
+      <p:sp>
+        <p:nvSpPr>
+          <p:cNvPr id="6" name="Footer Placeholder 5"/>
+          <p:cNvSpPr>
+            <a:spLocks noGrp="1"/>
+          </p:cNvSpPr>
+          <p:nvPr>
+            <p:ph type="ftr" sz="quarter" idx="11"/>
+          </p:nvPr>
+        </p:nvSpPr>
+        <p:spPr/>
+        <p:txBody>
+          <a:bodyPr/>
+          <a:lstStyle/>
+          <a:p>
+            <a:endParaRPr lang="en-US"/>
+          </a:p>
+        </p:txBody>
+      </p:sp>
+      <p:sp>
+        <p:nvSpPr>
+          <p:cNvPr id="7" name="Slide Number Placeholder 6"/>
+          <p:cNvSpPr>
+            <a:spLocks noGrp="1"/>
+          </p:cNvSpPr>
+          <p:nvPr>
+            <p:ph type="sldNum" sz="quarter" idx="12"/>
+          </p:nvPr>
+        </p:nvSpPr>
+        <p:spPr/>
+        <p:txBody>
+          <a:bodyPr/>
+          <a:lstStyle/>
+          <a:p>
+            <a:fld id="{B376502B-1283-4956-86E6-9BB2B04C50CC}" type="slidenum">
+              <a:rPr lang="en-US" smtClean="0"/>
+              <a:t>‹#›</a:t>
+            </a:fld>
+            <a:endParaRPr lang="en-US"/>
+          </a:p>
+        </p:txBody>
+      </p:sp>
+      <p:sp>
+        <p:nvSpPr>
+          <p:cNvPr id="11" name="TextBox 10"/>
+          <p:cNvSpPr txBox="1"/>
+          <p:nvPr/>
+        </p:nvSpPr>
+        <p:spPr>
+          <a:xfrm>
+            <a:off x="836612" y="735241"/>
+            <a:ext cx="609600" cy="584776"/>
+          </a:xfrm>
+          <a:prstGeom prst="rect">
+            <a:avLst/>
+          </a:prstGeom>
+        </p:spPr>
+        <p:txBody>
+          <a:bodyPr vert="horz" lIns="91440" tIns="45720" rIns="91440" bIns="45720" rtlCol="0" anchor="ctr">
+            <a:noAutofit/>
+          </a:bodyPr>
+          <a:lstStyle>
+            <a:lvl1pPr>
+              <a:spcBef>
+                <a:spcPct val="0"/>
+              </a:spcBef>
+              <a:buNone/>
+              <a:defRPr sz="3200" b="0" cap="all">
+                <a:ln w="3175" cmpd="sng">
+                  <a:noFill/>
+                </a:ln>
+                <a:effectLst>
+                  <a:glow rad="38100">
+                    <a:schemeClr val="bg1">
+                      <a:lumMod val="65000"/>
+                      <a:lumOff val="35000"/>
+                      <a:alpha val="40000"/>
+                    </a:schemeClr>
+                  </a:glow>
+                  <a:outerShdw blurRad="28575" dist="38100" dir="14040000" algn="tl" rotWithShape="0">
+                    <a:srgbClr val="000000">
+                      <a:alpha val="25000"/>
+                    </a:srgbClr>
+                  </a:outerShdw>
+                </a:effectLst>
+              </a:defRPr>
+            </a:lvl1pPr>
+            <a:lvl2pPr>
+              <a:defRPr>
+                <a:solidFill>
+                  <a:schemeClr val="tx2"/>
+                </a:solidFill>
+              </a:defRPr>
+            </a:lvl2pPr>
+            <a:lvl3pPr>
+              <a:defRPr>
+                <a:solidFill>
+                  <a:schemeClr val="tx2"/>
+                </a:solidFill>
+              </a:defRPr>
+            </a:lvl3pPr>
+            <a:lvl4pPr>
+              <a:defRPr>
+                <a:solidFill>
+                  <a:schemeClr val="tx2"/>
+                </a:solidFill>
+              </a:defRPr>
+            </a:lvl4pPr>
+            <a:lvl5pPr>
+              <a:defRPr>
+                <a:solidFill>
+                  <a:schemeClr val="tx2"/>
+                </a:solidFill>
+              </a:defRPr>
+            </a:lvl5pPr>
+            <a:lvl6pPr>
+              <a:defRPr>
+                <a:solidFill>
+                  <a:schemeClr val="tx2"/>
+                </a:solidFill>
+              </a:defRPr>
+            </a:lvl6pPr>
+            <a:lvl7pPr>
+              <a:defRPr>
+                <a:solidFill>
+                  <a:schemeClr val="tx2"/>
+                </a:solidFill>
+              </a:defRPr>
+            </a:lvl7pPr>
+            <a:lvl8pPr>
+              <a:defRPr>
+                <a:solidFill>
+                  <a:schemeClr val="tx2"/>
+                </a:solidFill>
+              </a:defRPr>
+            </a:lvl8pPr>
+            <a:lvl9pPr>
+              <a:defRPr>
+                <a:solidFill>
+                  <a:schemeClr val="tx2"/>
+                </a:solidFill>
+              </a:defRPr>
+            </a:lvl9pPr>
+          </a:lstStyle>
+          <a:p>
+            <a:pPr lvl="0"/>
+            <a:r>
+              <a:rPr lang="en-US" sz="8000" dirty="0">
+                <a:solidFill>
+                  <a:schemeClr val="tx1"/>
+                </a:solidFill>
+                <a:effectLst/>
+              </a:rPr>
+              <a:t>“</a:t>
+            </a:r>
+          </a:p>
+        </p:txBody>
+      </p:sp>
+      <p:sp>
+        <p:nvSpPr>
+          <p:cNvPr id="13" name="TextBox 12"/>
+          <p:cNvSpPr txBox="1"/>
+          <p:nvPr/>
+        </p:nvSpPr>
+        <p:spPr>
+          <a:xfrm>
+            <a:off x="10657956" y="2972093"/>
+            <a:ext cx="609600" cy="584776"/>
+          </a:xfrm>
+          <a:prstGeom prst="rect">
+            <a:avLst/>
+          </a:prstGeom>
+        </p:spPr>
+        <p:txBody>
+          <a:bodyPr vert="horz" lIns="91440" tIns="45720" rIns="91440" bIns="45720" rtlCol="0" anchor="ctr">
+            <a:noAutofit/>
+          </a:bodyPr>
+          <a:lstStyle>
+            <a:lvl1pPr>
+              <a:spcBef>
+                <a:spcPct val="0"/>
+              </a:spcBef>
+              <a:buNone/>
+              <a:defRPr sz="3200" b="0" cap="all">
+                <a:ln w="3175" cmpd="sng">
+                  <a:noFill/>
+                </a:ln>
+                <a:effectLst>
+                  <a:glow rad="38100">
+                    <a:schemeClr val="bg1">
+                      <a:lumMod val="65000"/>
+                      <a:lumOff val="35000"/>
+                      <a:alpha val="40000"/>
+                    </a:schemeClr>
+                  </a:glow>
+                  <a:outerShdw blurRad="28575" dist="38100" dir="14040000" algn="tl" rotWithShape="0">
+                    <a:srgbClr val="000000">
+                      <a:alpha val="25000"/>
+                    </a:srgbClr>
+                  </a:outerShdw>
+                </a:effectLst>
+              </a:defRPr>
+            </a:lvl1pPr>
+            <a:lvl2pPr>
+              <a:defRPr>
+                <a:solidFill>
+                  <a:schemeClr val="tx2"/>
+                </a:solidFill>
+              </a:defRPr>
+            </a:lvl2pPr>
+            <a:lvl3pPr>
+              <a:defRPr>
+                <a:solidFill>
+                  <a:schemeClr val="tx2"/>
+                </a:solidFill>
+              </a:defRPr>
+            </a:lvl3pPr>
+            <a:lvl4pPr>
+              <a:defRPr>
+                <a:solidFill>
+                  <a:schemeClr val="tx2"/>
+                </a:solidFill>
+              </a:defRPr>
+            </a:lvl4pPr>
+            <a:lvl5pPr>
+              <a:defRPr>
+                <a:solidFill>
+                  <a:schemeClr val="tx2"/>
+                </a:solidFill>
+              </a:defRPr>
+            </a:lvl5pPr>
+            <a:lvl6pPr>
+              <a:defRPr>
+                <a:solidFill>
+                  <a:schemeClr val="tx2"/>
+                </a:solidFill>
+              </a:defRPr>
+            </a:lvl6pPr>
+            <a:lvl7pPr>
+              <a:defRPr>
+                <a:solidFill>
+                  <a:schemeClr val="tx2"/>
+                </a:solidFill>
+              </a:defRPr>
+            </a:lvl7pPr>
+            <a:lvl8pPr>
+              <a:defRPr>
+                <a:solidFill>
+                  <a:schemeClr val="tx2"/>
+                </a:solidFill>
+              </a:defRPr>
+            </a:lvl8pPr>
+            <a:lvl9pPr>
+              <a:defRPr>
+                <a:solidFill>
+                  <a:schemeClr val="tx2"/>
+                </a:solidFill>
+              </a:defRPr>
+            </a:lvl9pPr>
+          </a:lstStyle>
+          <a:p>
+            <a:pPr lvl="0" algn="r"/>
+            <a:r>
+              <a:rPr lang="en-US" sz="8000" dirty="0">
+                <a:solidFill>
+                  <a:schemeClr val="tx1"/>
+                </a:solidFill>
+                <a:effectLst/>
+              </a:rPr>
+              <a:t>”</a:t>
+            </a:r>
+          </a:p>
+        </p:txBody>
+      </p:sp>
+    </p:spTree>
+    <p:extLst>
+      <p:ext uri="{BB962C8B-B14F-4D97-AF65-F5344CB8AC3E}">
+        <p14:creationId xmlns:p14="http://schemas.microsoft.com/office/powerpoint/2010/main" val="3432886303"/>
+      </p:ext>
+    </p:extLst>
+  </p:cSld>
+  <p:clrMapOvr>
+    <a:masterClrMapping/>
+  </p:clrMapOvr>
+</p:sldLayout>
+</file>
+
+<file path=ppt/slideLayouts/slideLayout13.xml><?xml version="1.0" encoding="utf-8"?>
+<p:sldLayout xmlns:a="http://schemas.openxmlformats.org/drawingml/2006/main" xmlns:r="http://schemas.openxmlformats.org/officeDocument/2006/relationships" xmlns:p="http://schemas.openxmlformats.org/presentationml/2006/main" preserve="1">
+  <p:cSld name="Name Card">
+    <p:spTree>
+      <p:nvGrpSpPr>
+        <p:cNvPr id="1" name=""/>
+        <p:cNvGrpSpPr/>
+        <p:nvPr/>
+      </p:nvGrpSpPr>
+      <p:grpSpPr>
+        <a:xfrm>
+          <a:off x="0" y="0"/>
+          <a:ext cx="0" cy="0"/>
+          <a:chOff x="0" y="0"/>
+          <a:chExt cx="0" cy="0"/>
+        </a:xfrm>
+      </p:grpSpPr>
+      <p:sp>
+        <p:nvSpPr>
+          <p:cNvPr id="2" name="Title 1"/>
+          <p:cNvSpPr>
+            <a:spLocks noGrp="1"/>
+          </p:cNvSpPr>
+          <p:nvPr>
+            <p:ph type="title"/>
+          </p:nvPr>
+        </p:nvSpPr>
+        <p:spPr>
+          <a:xfrm>
+            <a:off x="913806" y="2126942"/>
+            <a:ext cx="10355327" cy="2511835"/>
+          </a:xfrm>
+        </p:spPr>
+        <p:txBody>
+          <a:bodyPr anchor="b"/>
+          <a:lstStyle>
+            <a:lvl1pPr>
+              <a:defRPr sz="3200"/>
+            </a:lvl1pPr>
+          </a:lstStyle>
+          <a:p>
+            <a:r>
+              <a:rPr lang="en-US" smtClean="0"/>
+              <a:t>Click to edit Master title style</a:t>
+            </a:r>
+            <a:endParaRPr lang="en-US" dirty="0"/>
+          </a:p>
+        </p:txBody>
+      </p:sp>
+      <p:sp>
+        <p:nvSpPr>
+          <p:cNvPr id="4" name="Text Placeholder 3"/>
+          <p:cNvSpPr>
+            <a:spLocks noGrp="1"/>
+          </p:cNvSpPr>
+          <p:nvPr>
+            <p:ph type="body" sz="half" idx="2"/>
+          </p:nvPr>
+        </p:nvSpPr>
+        <p:spPr>
+          <a:xfrm>
+            <a:off x="913794" y="4650556"/>
+            <a:ext cx="10353763" cy="1140644"/>
+          </a:xfrm>
+        </p:spPr>
+        <p:txBody>
+          <a:bodyPr anchor="t"/>
+          <a:lstStyle>
+            <a:lvl1pPr marL="0" indent="0" algn="ctr">
+              <a:buNone/>
+              <a:defRPr sz="1600"/>
+            </a:lvl1pPr>
+            <a:lvl2pPr marL="457200" indent="0">
+              <a:buNone/>
+              <a:defRPr sz="1400"/>
+            </a:lvl2pPr>
+            <a:lvl3pPr marL="914400" indent="0">
+              <a:buNone/>
+              <a:defRPr sz="1200"/>
+            </a:lvl3pPr>
+            <a:lvl4pPr marL="1371600" indent="0">
+              <a:buNone/>
+              <a:defRPr sz="1000"/>
+            </a:lvl4pPr>
+            <a:lvl5pPr marL="1828800" indent="0">
+              <a:buNone/>
+              <a:defRPr sz="1000"/>
+            </a:lvl5pPr>
+            <a:lvl6pPr marL="2286000" indent="0">
+              <a:buNone/>
+              <a:defRPr sz="1000"/>
+            </a:lvl6pPr>
+            <a:lvl7pPr marL="2743200" indent="0">
+              <a:buNone/>
+              <a:defRPr sz="1000"/>
+            </a:lvl7pPr>
+            <a:lvl8pPr marL="3200400" indent="0">
+              <a:buNone/>
+              <a:defRPr sz="1000"/>
+            </a:lvl8pPr>
+            <a:lvl9pPr marL="3657600" indent="0">
+              <a:buNone/>
+              <a:defRPr sz="1000"/>
+            </a:lvl9pPr>
+          </a:lstStyle>
+          <a:p>
+            <a:pPr lvl="0"/>
+            <a:r>
+              <a:rPr lang="en-US" smtClean="0"/>
+              <a:t>Click to edit Master text styles</a:t>
+            </a:r>
+          </a:p>
+        </p:txBody>
+      </p:sp>
+      <p:sp>
+        <p:nvSpPr>
+          <p:cNvPr id="5" name="Date Placeholder 4"/>
+          <p:cNvSpPr>
+            <a:spLocks noGrp="1"/>
+          </p:cNvSpPr>
+          <p:nvPr>
+            <p:ph type="dt" sz="half" idx="10"/>
+          </p:nvPr>
+        </p:nvSpPr>
+        <p:spPr/>
+        <p:txBody>
+          <a:bodyPr/>
+          <a:lstStyle/>
+          <a:p>
+            <a:fld id="{AA7BB193-768F-4CA7-B187-2D2BE19D21C3}" type="datetimeFigureOut">
+              <a:rPr lang="en-US" smtClean="0"/>
+              <a:t>12/20/2016</a:t>
+            </a:fld>
+            <a:endParaRPr lang="en-US"/>
+          </a:p>
+        </p:txBody>
+      </p:sp>
+      <p:sp>
+        <p:nvSpPr>
+          <p:cNvPr id="6" name="Footer Placeholder 5"/>
+          <p:cNvSpPr>
+            <a:spLocks noGrp="1"/>
+          </p:cNvSpPr>
+          <p:nvPr>
+            <p:ph type="ftr" sz="quarter" idx="11"/>
+          </p:nvPr>
+        </p:nvSpPr>
+        <p:spPr/>
+        <p:txBody>
+          <a:bodyPr/>
+          <a:lstStyle/>
+          <a:p>
+            <a:endParaRPr lang="en-US"/>
+          </a:p>
+        </p:txBody>
+      </p:sp>
+      <p:sp>
+        <p:nvSpPr>
+          <p:cNvPr id="7" name="Slide Number Placeholder 6"/>
+          <p:cNvSpPr>
+            <a:spLocks noGrp="1"/>
+          </p:cNvSpPr>
+          <p:nvPr>
+            <p:ph type="sldNum" sz="quarter" idx="12"/>
+          </p:nvPr>
+        </p:nvSpPr>
+        <p:spPr/>
+        <p:txBody>
+          <a:bodyPr/>
+          <a:lstStyle/>
+          <a:p>
+            <a:fld id="{B376502B-1283-4956-86E6-9BB2B04C50CC}" type="slidenum">
+              <a:rPr lang="en-US" smtClean="0"/>
+              <a:t>‹#›</a:t>
+            </a:fld>
+            <a:endParaRPr lang="en-US"/>
+          </a:p>
+        </p:txBody>
+      </p:sp>
+    </p:spTree>
+    <p:extLst>
+      <p:ext uri="{BB962C8B-B14F-4D97-AF65-F5344CB8AC3E}">
+        <p14:creationId xmlns:p14="http://schemas.microsoft.com/office/powerpoint/2010/main" val="29792503"/>
+      </p:ext>
+    </p:extLst>
+  </p:cSld>
+  <p:clrMapOvr>
+    <a:masterClrMapping/>
+  </p:clrMapOvr>
+</p:sldLayout>
+</file>
+
+<file path=ppt/slideLayouts/slideLayout14.xml><?xml version="1.0" encoding="utf-8"?>
+<p:sldLayout xmlns:a="http://schemas.openxmlformats.org/drawingml/2006/main" xmlns:r="http://schemas.openxmlformats.org/officeDocument/2006/relationships" xmlns:p="http://schemas.openxmlformats.org/presentationml/2006/main" preserve="1">
+  <p:cSld name="3 Column">
+    <p:spTree>
+      <p:nvGrpSpPr>
+        <p:cNvPr id="1" name=""/>
+        <p:cNvGrpSpPr/>
+        <p:nvPr/>
+      </p:nvGrpSpPr>
+      <p:grpSpPr>
+        <a:xfrm>
+          <a:off x="0" y="0"/>
+          <a:ext cx="0" cy="0"/>
+          <a:chOff x="0" y="0"/>
+          <a:chExt cx="0" cy="0"/>
+        </a:xfrm>
+      </p:grpSpPr>
+      <p:sp>
+        <p:nvSpPr>
+          <p:cNvPr id="15" name="Title 1"/>
+          <p:cNvSpPr>
+            <a:spLocks noGrp="1"/>
+          </p:cNvSpPr>
+          <p:nvPr>
+            <p:ph type="title"/>
+          </p:nvPr>
+        </p:nvSpPr>
+        <p:spPr>
+          <a:xfrm>
+            <a:off x="913794" y="609600"/>
+            <a:ext cx="10353762" cy="1325563"/>
+          </a:xfrm>
+        </p:spPr>
+        <p:txBody>
+          <a:bodyPr/>
+          <a:lstStyle/>
+          <a:p>
+            <a:r>
+              <a:rPr lang="en-US" smtClean="0"/>
+              <a:t>Click to edit Master title style</a:t>
+            </a:r>
+            <a:endParaRPr lang="en-US" dirty="0"/>
+          </a:p>
+        </p:txBody>
+      </p:sp>
+      <p:sp>
+        <p:nvSpPr>
+          <p:cNvPr id="7" name="Text Placeholder 2"/>
+          <p:cNvSpPr>
+            <a:spLocks noGrp="1"/>
+          </p:cNvSpPr>
+          <p:nvPr>
+            <p:ph type="body" idx="1"/>
+          </p:nvPr>
+        </p:nvSpPr>
+        <p:spPr>
+          <a:xfrm>
+            <a:off x="913794" y="2088319"/>
+            <a:ext cx="3298956" cy="823305"/>
+          </a:xfrm>
+        </p:spPr>
+        <p:txBody>
+          <a:bodyPr anchor="b">
+            <a:noAutofit/>
+          </a:bodyPr>
+          <a:lstStyle>
+            <a:lvl1pPr marL="0" indent="0" algn="ctr">
+              <a:lnSpc>
+                <a:spcPct val="100000"/>
+              </a:lnSpc>
+              <a:buNone/>
+              <a:defRPr sz="2400" b="0">
+                <a:solidFill>
+                  <a:schemeClr val="tx1"/>
+                </a:solidFill>
+              </a:defRPr>
+            </a:lvl1pPr>
+            <a:lvl2pPr marL="457200" indent="0">
+              <a:buNone/>
+              <a:defRPr sz="2000" b="1"/>
+            </a:lvl2pPr>
+            <a:lvl3pPr marL="914400" indent="0">
+              <a:buNone/>
+              <a:defRPr sz="1800" b="1"/>
+            </a:lvl3pPr>
+            <a:lvl4pPr marL="1371600" indent="0">
+              <a:buNone/>
+              <a:defRPr sz="1600" b="1"/>
+            </a:lvl4pPr>
+            <a:lvl5pPr marL="1828800" indent="0">
+              <a:buNone/>
+              <a:defRPr sz="1600" b="1"/>
+            </a:lvl5pPr>
+            <a:lvl6pPr marL="2286000" indent="0">
+              <a:buNone/>
+              <a:defRPr sz="1600" b="1"/>
+            </a:lvl6pPr>
+            <a:lvl7pPr marL="2743200" indent="0">
+              <a:buNone/>
+              <a:defRPr sz="1600" b="1"/>
+            </a:lvl7pPr>
+            <a:lvl8pPr marL="3200400" indent="0">
+              <a:buNone/>
+              <a:defRPr sz="1600" b="1"/>
+            </a:lvl8pPr>
+            <a:lvl9pPr marL="3657600" indent="0">
+              <a:buNone/>
+              <a:defRPr sz="1600" b="1"/>
+            </a:lvl9pPr>
+          </a:lstStyle>
+          <a:p>
+            <a:pPr lvl="0"/>
+            <a:r>
+              <a:rPr lang="en-US" smtClean="0"/>
+              <a:t>Click to edit Master text styles</a:t>
+            </a:r>
+          </a:p>
+        </p:txBody>
+      </p:sp>
+      <p:sp>
+        <p:nvSpPr>
+          <p:cNvPr id="8" name="Text Placeholder 3"/>
+          <p:cNvSpPr>
+            <a:spLocks noGrp="1"/>
+          </p:cNvSpPr>
+          <p:nvPr>
+            <p:ph type="body" sz="half" idx="15"/>
+          </p:nvPr>
+        </p:nvSpPr>
+        <p:spPr>
+          <a:xfrm>
+            <a:off x="913794" y="2911624"/>
+            <a:ext cx="3298956" cy="2879576"/>
+          </a:xfrm>
+        </p:spPr>
+        <p:txBody>
+          <a:bodyPr anchor="t">
+            <a:normAutofit/>
+          </a:bodyPr>
+          <a:lstStyle>
+            <a:lvl1pPr marL="0" indent="0" algn="ctr">
+              <a:buNone/>
+              <a:defRPr sz="1400"/>
+            </a:lvl1pPr>
+            <a:lvl2pPr marL="457200" indent="0">
+              <a:buNone/>
+              <a:defRPr sz="1200"/>
+            </a:lvl2pPr>
+            <a:lvl3pPr marL="914400" indent="0">
+              <a:buNone/>
+              <a:defRPr sz="1000"/>
+            </a:lvl3pPr>
+            <a:lvl4pPr marL="1371600" indent="0">
+              <a:buNone/>
+              <a:defRPr sz="900"/>
+            </a:lvl4pPr>
+            <a:lvl5pPr marL="1828800" indent="0">
+              <a:buNone/>
+              <a:defRPr sz="900"/>
+            </a:lvl5pPr>
+            <a:lvl6pPr marL="2286000" indent="0">
+              <a:buNone/>
+              <a:defRPr sz="900"/>
+            </a:lvl6pPr>
+            <a:lvl7pPr marL="2743200" indent="0">
+              <a:buNone/>
+              <a:defRPr sz="900"/>
+            </a:lvl7pPr>
+            <a:lvl8pPr marL="3200400" indent="0">
+              <a:buNone/>
+              <a:defRPr sz="900"/>
+            </a:lvl8pPr>
+            <a:lvl9pPr marL="3657600" indent="0">
+              <a:buNone/>
+              <a:defRPr sz="900"/>
+            </a:lvl9pPr>
+          </a:lstStyle>
+          <a:p>
+            <a:pPr lvl="0"/>
+            <a:r>
+              <a:rPr lang="en-US" smtClean="0"/>
+              <a:t>Click to edit Master text styles</a:t>
+            </a:r>
+          </a:p>
+        </p:txBody>
+      </p:sp>
+      <p:sp>
+        <p:nvSpPr>
+          <p:cNvPr id="9" name="Text Placeholder 4"/>
+          <p:cNvSpPr>
+            <a:spLocks noGrp="1"/>
+          </p:cNvSpPr>
+          <p:nvPr>
+            <p:ph type="body" sz="quarter" idx="3"/>
+          </p:nvPr>
+        </p:nvSpPr>
+        <p:spPr>
+          <a:xfrm>
+            <a:off x="4444878" y="2088320"/>
+            <a:ext cx="3298558" cy="823304"/>
+          </a:xfrm>
+        </p:spPr>
+        <p:txBody>
+          <a:bodyPr anchor="b">
+            <a:noAutofit/>
+          </a:bodyPr>
+          <a:lstStyle>
+            <a:lvl1pPr marL="0" indent="0" algn="ctr">
+              <a:lnSpc>
+                <a:spcPct val="100000"/>
+              </a:lnSpc>
+              <a:buNone/>
+              <a:defRPr sz="2400" b="0">
+                <a:solidFill>
+                  <a:schemeClr val="tx1"/>
+                </a:solidFill>
+              </a:defRPr>
+            </a:lvl1pPr>
+            <a:lvl2pPr marL="457200" indent="0">
+              <a:buNone/>
+              <a:defRPr sz="2000" b="1"/>
+            </a:lvl2pPr>
+            <a:lvl3pPr marL="914400" indent="0">
+              <a:buNone/>
+              <a:defRPr sz="1800" b="1"/>
+            </a:lvl3pPr>
+            <a:lvl4pPr marL="1371600" indent="0">
+              <a:buNone/>
+              <a:defRPr sz="1600" b="1"/>
+            </a:lvl4pPr>
+            <a:lvl5pPr marL="1828800" indent="0">
+              <a:buNone/>
+              <a:defRPr sz="1600" b="1"/>
+            </a:lvl5pPr>
+            <a:lvl6pPr marL="2286000" indent="0">
+              <a:buNone/>
+              <a:defRPr sz="1600" b="1"/>
+            </a:lvl6pPr>
+            <a:lvl7pPr marL="2743200" indent="0">
+              <a:buNone/>
+              <a:defRPr sz="1600" b="1"/>
+            </a:lvl7pPr>
+            <a:lvl8pPr marL="3200400" indent="0">
+              <a:buNone/>
+              <a:defRPr sz="1600" b="1"/>
+            </a:lvl8pPr>
+            <a:lvl9pPr marL="3657600" indent="0">
+              <a:buNone/>
+              <a:defRPr sz="1600" b="1"/>
+            </a:lvl9pPr>
+          </a:lstStyle>
+          <a:p>
+            <a:pPr lvl="0"/>
+            <a:r>
+              <a:rPr lang="en-US" smtClean="0"/>
+              <a:t>Click to edit Master text styles</a:t>
+            </a:r>
+          </a:p>
+        </p:txBody>
+      </p:sp>
+      <p:sp>
+        <p:nvSpPr>
+          <p:cNvPr id="10" name="Text Placeholder 3"/>
+          <p:cNvSpPr>
+            <a:spLocks noGrp="1"/>
+          </p:cNvSpPr>
+          <p:nvPr>
+            <p:ph type="body" sz="half" idx="16"/>
+          </p:nvPr>
+        </p:nvSpPr>
+        <p:spPr>
+          <a:xfrm>
+            <a:off x="4444878" y="2911624"/>
+            <a:ext cx="3299821" cy="2879576"/>
+          </a:xfrm>
+        </p:spPr>
+        <p:txBody>
+          <a:bodyPr anchor="t">
+            <a:normAutofit/>
+          </a:bodyPr>
+          <a:lstStyle>
+            <a:lvl1pPr marL="0" indent="0" algn="ctr">
+              <a:buNone/>
+              <a:defRPr sz="1400"/>
+            </a:lvl1pPr>
+            <a:lvl2pPr marL="457200" indent="0">
+              <a:buNone/>
+              <a:defRPr sz="1200"/>
+            </a:lvl2pPr>
+            <a:lvl3pPr marL="914400" indent="0">
+              <a:buNone/>
+              <a:defRPr sz="1000"/>
+            </a:lvl3pPr>
+            <a:lvl4pPr marL="1371600" indent="0">
+              <a:buNone/>
+              <a:defRPr sz="900"/>
+            </a:lvl4pPr>
+            <a:lvl5pPr marL="1828800" indent="0">
+              <a:buNone/>
+              <a:defRPr sz="900"/>
+            </a:lvl5pPr>
+            <a:lvl6pPr marL="2286000" indent="0">
+              <a:buNone/>
+              <a:defRPr sz="900"/>
+            </a:lvl6pPr>
+            <a:lvl7pPr marL="2743200" indent="0">
+              <a:buNone/>
+              <a:defRPr sz="900"/>
+            </a:lvl7pPr>
+            <a:lvl8pPr marL="3200400" indent="0">
+              <a:buNone/>
+              <a:defRPr sz="900"/>
+            </a:lvl8pPr>
+            <a:lvl9pPr marL="3657600" indent="0">
+              <a:buNone/>
+              <a:defRPr sz="900"/>
+            </a:lvl9pPr>
+          </a:lstStyle>
+          <a:p>
+            <a:pPr lvl="0"/>
+            <a:r>
+              <a:rPr lang="en-US" smtClean="0"/>
+              <a:t>Click to edit Master text styles</a:t>
+            </a:r>
+          </a:p>
+        </p:txBody>
+      </p:sp>
+      <p:sp>
+        <p:nvSpPr>
+          <p:cNvPr id="11" name="Text Placeholder 4"/>
+          <p:cNvSpPr>
+            <a:spLocks noGrp="1"/>
+          </p:cNvSpPr>
+          <p:nvPr>
+            <p:ph type="body" sz="quarter" idx="13"/>
+          </p:nvPr>
+        </p:nvSpPr>
+        <p:spPr>
+          <a:xfrm>
+            <a:off x="7973298" y="2088320"/>
+            <a:ext cx="3291211" cy="823304"/>
+          </a:xfrm>
+        </p:spPr>
+        <p:txBody>
+          <a:bodyPr anchor="b">
+            <a:noAutofit/>
+          </a:bodyPr>
+          <a:lstStyle>
+            <a:lvl1pPr marL="0" indent="0" algn="ctr">
+              <a:lnSpc>
+                <a:spcPct val="100000"/>
+              </a:lnSpc>
+              <a:buNone/>
+              <a:defRPr sz="2400" b="0">
+                <a:solidFill>
+                  <a:schemeClr val="tx1"/>
+                </a:solidFill>
+              </a:defRPr>
+            </a:lvl1pPr>
+            <a:lvl2pPr marL="457200" indent="0">
+              <a:buNone/>
+              <a:defRPr sz="2000" b="1"/>
+            </a:lvl2pPr>
+            <a:lvl3pPr marL="914400" indent="0">
+              <a:buNone/>
+              <a:defRPr sz="1800" b="1"/>
+            </a:lvl3pPr>
+            <a:lvl4pPr marL="1371600" indent="0">
+              <a:buNone/>
+              <a:defRPr sz="1600" b="1"/>
+            </a:lvl4pPr>
+            <a:lvl5pPr marL="1828800" indent="0">
+              <a:buNone/>
+              <a:defRPr sz="1600" b="1"/>
+            </a:lvl5pPr>
+            <a:lvl6pPr marL="2286000" indent="0">
+              <a:buNone/>
+              <a:defRPr sz="1600" b="1"/>
+            </a:lvl6pPr>
+            <a:lvl7pPr marL="2743200" indent="0">
+              <a:buNone/>
+              <a:defRPr sz="1600" b="1"/>
+            </a:lvl7pPr>
+            <a:lvl8pPr marL="3200400" indent="0">
+              <a:buNone/>
+              <a:defRPr sz="1600" b="1"/>
+            </a:lvl8pPr>
+            <a:lvl9pPr marL="3657600" indent="0">
+              <a:buNone/>
+              <a:defRPr sz="1600" b="1"/>
+            </a:lvl9pPr>
+          </a:lstStyle>
+          <a:p>
+            <a:pPr lvl="0"/>
+            <a:r>
+              <a:rPr lang="en-US" smtClean="0"/>
+              <a:t>Click to edit Master text styles</a:t>
+            </a:r>
+          </a:p>
+        </p:txBody>
+      </p:sp>
+      <p:sp>
+        <p:nvSpPr>
+          <p:cNvPr id="12" name="Text Placeholder 3"/>
+          <p:cNvSpPr>
+            <a:spLocks noGrp="1"/>
+          </p:cNvSpPr>
+          <p:nvPr>
+            <p:ph type="body" sz="half" idx="17"/>
+          </p:nvPr>
+        </p:nvSpPr>
+        <p:spPr>
+          <a:xfrm>
+            <a:off x="7976346" y="2911624"/>
+            <a:ext cx="3291211" cy="2879576"/>
+          </a:xfrm>
+        </p:spPr>
+        <p:txBody>
+          <a:bodyPr anchor="t">
+            <a:normAutofit/>
+          </a:bodyPr>
+          <a:lstStyle>
+            <a:lvl1pPr marL="0" indent="0" algn="ctr">
+              <a:buNone/>
+              <a:defRPr sz="1400"/>
+            </a:lvl1pPr>
+            <a:lvl2pPr marL="457200" indent="0">
+              <a:buNone/>
+              <a:defRPr sz="1200"/>
+            </a:lvl2pPr>
+            <a:lvl3pPr marL="914400" indent="0">
+              <a:buNone/>
+              <a:defRPr sz="1000"/>
+            </a:lvl3pPr>
+            <a:lvl4pPr marL="1371600" indent="0">
+              <a:buNone/>
+              <a:defRPr sz="900"/>
+            </a:lvl4pPr>
+            <a:lvl5pPr marL="1828800" indent="0">
+              <a:buNone/>
+              <a:defRPr sz="900"/>
+            </a:lvl5pPr>
+            <a:lvl6pPr marL="2286000" indent="0">
+              <a:buNone/>
+              <a:defRPr sz="900"/>
+            </a:lvl6pPr>
+            <a:lvl7pPr marL="2743200" indent="0">
+              <a:buNone/>
+              <a:defRPr sz="900"/>
+            </a:lvl7pPr>
+            <a:lvl8pPr marL="3200400" indent="0">
+              <a:buNone/>
+              <a:defRPr sz="900"/>
+            </a:lvl8pPr>
+            <a:lvl9pPr marL="3657600" indent="0">
+              <a:buNone/>
+              <a:defRPr sz="900"/>
+            </a:lvl9pPr>
+          </a:lstStyle>
+          <a:p>
+            <a:pPr lvl="0"/>
+            <a:r>
+              <a:rPr lang="en-US" smtClean="0"/>
+              <a:t>Click to edit Master text styles</a:t>
+            </a:r>
+          </a:p>
+        </p:txBody>
+      </p:sp>
+      <p:sp>
+        <p:nvSpPr>
+          <p:cNvPr id="3" name="Date Placeholder 2"/>
+          <p:cNvSpPr>
+            <a:spLocks noGrp="1"/>
+          </p:cNvSpPr>
+          <p:nvPr>
+            <p:ph type="dt" sz="half" idx="10"/>
+          </p:nvPr>
+        </p:nvSpPr>
+        <p:spPr/>
+        <p:txBody>
+          <a:bodyPr/>
+          <a:lstStyle/>
+          <a:p>
+            <a:fld id="{AA7BB193-768F-4CA7-B187-2D2BE19D21C3}" type="datetimeFigureOut">
+              <a:rPr lang="en-US" smtClean="0"/>
+              <a:t>12/20/2016</a:t>
+            </a:fld>
+            <a:endParaRPr lang="en-US"/>
+          </a:p>
+        </p:txBody>
+      </p:sp>
+      <p:sp>
+        <p:nvSpPr>
+          <p:cNvPr id="4" name="Footer Placeholder 3"/>
+          <p:cNvSpPr>
+            <a:spLocks noGrp="1"/>
+          </p:cNvSpPr>
+          <p:nvPr>
+            <p:ph type="ftr" sz="quarter" idx="11"/>
+          </p:nvPr>
+        </p:nvSpPr>
+        <p:spPr/>
+        <p:txBody>
+          <a:bodyPr/>
+          <a:lstStyle/>
+          <a:p>
+            <a:endParaRPr lang="en-US"/>
+          </a:p>
+        </p:txBody>
+      </p:sp>
+      <p:sp>
+        <p:nvSpPr>
+          <p:cNvPr id="5" name="Slide Number Placeholder 4"/>
+          <p:cNvSpPr>
+            <a:spLocks noGrp="1"/>
+          </p:cNvSpPr>
+          <p:nvPr>
+            <p:ph type="sldNum" sz="quarter" idx="12"/>
+          </p:nvPr>
+        </p:nvSpPr>
+        <p:spPr/>
+        <p:txBody>
+          <a:bodyPr/>
+          <a:lstStyle/>
+          <a:p>
+            <a:fld id="{B376502B-1283-4956-86E6-9BB2B04C50CC}" type="slidenum">
+              <a:rPr lang="en-US" smtClean="0"/>
+              <a:t>‹#›</a:t>
+            </a:fld>
+            <a:endParaRPr lang="en-US"/>
+          </a:p>
+        </p:txBody>
+      </p:sp>
+    </p:spTree>
+    <p:extLst>
+      <p:ext uri="{BB962C8B-B14F-4D97-AF65-F5344CB8AC3E}">
+        <p14:creationId xmlns:p14="http://schemas.microsoft.com/office/powerpoint/2010/main" val="3571691320"/>
+      </p:ext>
+    </p:extLst>
+  </p:cSld>
+  <p:clrMapOvr>
+    <a:masterClrMapping/>
+  </p:clrMapOvr>
+</p:sldLayout>
+</file>
+
+<file path=ppt/slideLayouts/slideLayout15.xml><?xml version="1.0" encoding="utf-8"?>
+<p:sldLayout xmlns:a="http://schemas.openxmlformats.org/drawingml/2006/main" xmlns:r="http://schemas.openxmlformats.org/officeDocument/2006/relationships" xmlns:p="http://schemas.openxmlformats.org/presentationml/2006/main" preserve="1">
+  <p:cSld name="3 Picture Column">
+    <p:spTree>
+      <p:nvGrpSpPr>
+        <p:cNvPr id="1" name=""/>
+        <p:cNvGrpSpPr/>
+        <p:nvPr/>
+      </p:nvGrpSpPr>
+      <p:grpSpPr>
+        <a:xfrm>
+          <a:off x="0" y="0"/>
+          <a:ext cx="0" cy="0"/>
+          <a:chOff x="0" y="0"/>
+          <a:chExt cx="0" cy="0"/>
+        </a:xfrm>
+      </p:grpSpPr>
+      <p:sp>
+        <p:nvSpPr>
+          <p:cNvPr id="30" name="Title 1"/>
+          <p:cNvSpPr>
+            <a:spLocks noGrp="1"/>
+          </p:cNvSpPr>
+          <p:nvPr>
+            <p:ph type="title"/>
+          </p:nvPr>
+        </p:nvSpPr>
+        <p:spPr>
+          <a:xfrm>
+            <a:off x="913795" y="609600"/>
+            <a:ext cx="10353762" cy="1325563"/>
+          </a:xfrm>
+        </p:spPr>
+        <p:txBody>
+          <a:bodyPr/>
+          <a:lstStyle/>
+          <a:p>
+            <a:r>
+              <a:rPr lang="en-US" smtClean="0"/>
+              <a:t>Click to edit Master title style</a:t>
+            </a:r>
+            <a:endParaRPr lang="en-US" dirty="0"/>
+          </a:p>
+        </p:txBody>
+      </p:sp>
+      <p:sp>
+        <p:nvSpPr>
+          <p:cNvPr id="19" name="Text Placeholder 2"/>
+          <p:cNvSpPr>
+            <a:spLocks noGrp="1"/>
+          </p:cNvSpPr>
+          <p:nvPr>
+            <p:ph type="body" idx="1"/>
+          </p:nvPr>
+        </p:nvSpPr>
+        <p:spPr>
+          <a:xfrm>
+            <a:off x="913795" y="4195899"/>
+            <a:ext cx="3298955" cy="576262"/>
+          </a:xfrm>
+        </p:spPr>
+        <p:txBody>
+          <a:bodyPr anchor="b">
+            <a:noAutofit/>
+          </a:bodyPr>
+          <a:lstStyle>
+            <a:lvl1pPr marL="0" indent="0" algn="ctr">
+              <a:lnSpc>
+                <a:spcPct val="100000"/>
+              </a:lnSpc>
+              <a:buNone/>
+              <a:defRPr sz="2000" b="0">
+                <a:solidFill>
+                  <a:schemeClr val="tx1"/>
+                </a:solidFill>
+              </a:defRPr>
+            </a:lvl1pPr>
+            <a:lvl2pPr marL="457200" indent="0">
+              <a:buNone/>
+              <a:defRPr sz="2000" b="1"/>
+            </a:lvl2pPr>
+            <a:lvl3pPr marL="914400" indent="0">
+              <a:buNone/>
+              <a:defRPr sz="1800" b="1"/>
+            </a:lvl3pPr>
+            <a:lvl4pPr marL="1371600" indent="0">
+              <a:buNone/>
+              <a:defRPr sz="1600" b="1"/>
+            </a:lvl4pPr>
+            <a:lvl5pPr marL="1828800" indent="0">
+              <a:buNone/>
+              <a:defRPr sz="1600" b="1"/>
+            </a:lvl5pPr>
+            <a:lvl6pPr marL="2286000" indent="0">
+              <a:buNone/>
+              <a:defRPr sz="1600" b="1"/>
+            </a:lvl6pPr>
+            <a:lvl7pPr marL="2743200" indent="0">
+              <a:buNone/>
+              <a:defRPr sz="1600" b="1"/>
+            </a:lvl7pPr>
+            <a:lvl8pPr marL="3200400" indent="0">
+              <a:buNone/>
+              <a:defRPr sz="1600" b="1"/>
+            </a:lvl8pPr>
+            <a:lvl9pPr marL="3657600" indent="0">
+              <a:buNone/>
+              <a:defRPr sz="1600" b="1"/>
+            </a:lvl9pPr>
+          </a:lstStyle>
+          <a:p>
+            <a:pPr lvl="0"/>
+            <a:r>
+              <a:rPr lang="en-US" smtClean="0"/>
+              <a:t>Click to edit Master text styles</a:t>
+            </a:r>
+          </a:p>
+        </p:txBody>
+      </p:sp>
+      <p:sp>
+        <p:nvSpPr>
+          <p:cNvPr id="20" name="Picture Placeholder 2"/>
+          <p:cNvSpPr>
+            <a:spLocks noGrp="1" noChangeAspect="1"/>
+          </p:cNvSpPr>
+          <p:nvPr>
+            <p:ph type="pic" idx="15"/>
+          </p:nvPr>
+        </p:nvSpPr>
+        <p:spPr>
+          <a:xfrm>
+            <a:off x="1092020" y="2298987"/>
+            <a:ext cx="2940050" cy="1524000"/>
+          </a:xfrm>
+          <a:prstGeom prst="roundRect">
+            <a:avLst>
+              <a:gd name="adj" fmla="val 0"/>
+            </a:avLst>
+          </a:prstGeom>
+          <a:noFill/>
+          <a:ln w="146050" cap="sq">
+            <a:solidFill>
+              <a:srgbClr val="FFFFFF"/>
+            </a:solidFill>
+            <a:miter lim="800000"/>
+          </a:ln>
+          <a:effectLst>
+            <a:outerShdw blurRad="55000" dist="18000" dir="5400000" algn="tl" rotWithShape="0">
+              <a:srgbClr val="000000">
+                <a:alpha val="40000"/>
+              </a:srgbClr>
+            </a:outerShdw>
+          </a:effectLst>
+          <a:scene3d>
+            <a:camera prst="orthographicFront"/>
+            <a:lightRig rig="twoPt" dir="t">
+              <a:rot lat="0" lon="0" rev="7200000"/>
+            </a:lightRig>
+          </a:scene3d>
+          <a:sp3d>
+            <a:bevelT w="25400" h="19050"/>
+            <a:contourClr>
+              <a:srgbClr val="FFFFFF"/>
+            </a:contourClr>
+          </a:sp3d>
+        </p:spPr>
+        <p:txBody>
+          <a:bodyPr anchor="t">
+            <a:normAutofit/>
+          </a:bodyPr>
+          <a:lstStyle>
+            <a:lvl1pPr marL="0" indent="0" algn="ctr">
+              <a:buNone/>
+              <a:defRPr sz="1600"/>
+            </a:lvl1pPr>
+            <a:lvl2pPr marL="457200" indent="0">
+              <a:buNone/>
+              <a:defRPr sz="1600"/>
+            </a:lvl2pPr>
+            <a:lvl3pPr marL="914400" indent="0">
+              <a:buNone/>
+              <a:defRPr sz="1600"/>
+            </a:lvl3pPr>
+            <a:lvl4pPr marL="1371600" indent="0">
+              <a:buNone/>
+              <a:defRPr sz="1600"/>
+            </a:lvl4pPr>
+            <a:lvl5pPr marL="1828800" indent="0">
+              <a:buNone/>
+              <a:defRPr sz="1600"/>
+            </a:lvl5pPr>
+            <a:lvl6pPr marL="2286000" indent="0">
+              <a:buNone/>
+              <a:defRPr sz="1600"/>
+            </a:lvl6pPr>
+            <a:lvl7pPr marL="2743200" indent="0">
+              <a:buNone/>
+              <a:defRPr sz="1600"/>
+            </a:lvl7pPr>
+            <a:lvl8pPr marL="3200400" indent="0">
+              <a:buNone/>
+              <a:defRPr sz="1600"/>
+            </a:lvl8pPr>
+            <a:lvl9pPr marL="3657600" indent="0">
+              <a:buNone/>
+              <a:defRPr sz="1600"/>
+            </a:lvl9pPr>
+          </a:lstStyle>
+          <a:p>
+            <a:r>
+              <a:rPr lang="en-US" smtClean="0"/>
+              <a:t>Click icon to add picture</a:t>
+            </a:r>
+            <a:endParaRPr lang="en-US" dirty="0"/>
+          </a:p>
+        </p:txBody>
+      </p:sp>
+      <p:sp>
+        <p:nvSpPr>
+          <p:cNvPr id="21" name="Text Placeholder 3"/>
+          <p:cNvSpPr>
+            <a:spLocks noGrp="1"/>
+          </p:cNvSpPr>
+          <p:nvPr>
+            <p:ph type="body" sz="half" idx="18"/>
+          </p:nvPr>
+        </p:nvSpPr>
+        <p:spPr>
+          <a:xfrm>
+            <a:off x="913795" y="4772161"/>
+            <a:ext cx="3298955" cy="1019038"/>
+          </a:xfrm>
+        </p:spPr>
+        <p:txBody>
+          <a:bodyPr anchor="t">
+            <a:normAutofit/>
+          </a:bodyPr>
+          <a:lstStyle>
+            <a:lvl1pPr marL="0" indent="0" algn="ctr">
+              <a:buNone/>
+              <a:defRPr sz="1400"/>
+            </a:lvl1pPr>
+            <a:lvl2pPr marL="457200" indent="0">
+              <a:buNone/>
+              <a:defRPr sz="1200"/>
+            </a:lvl2pPr>
+            <a:lvl3pPr marL="914400" indent="0">
+              <a:buNone/>
+              <a:defRPr sz="1000"/>
+            </a:lvl3pPr>
+            <a:lvl4pPr marL="1371600" indent="0">
+              <a:buNone/>
+              <a:defRPr sz="900"/>
+            </a:lvl4pPr>
+            <a:lvl5pPr marL="1828800" indent="0">
+              <a:buNone/>
+              <a:defRPr sz="900"/>
+            </a:lvl5pPr>
+            <a:lvl6pPr marL="2286000" indent="0">
+              <a:buNone/>
+              <a:defRPr sz="900"/>
+            </a:lvl6pPr>
+            <a:lvl7pPr marL="2743200" indent="0">
+              <a:buNone/>
+              <a:defRPr sz="900"/>
+            </a:lvl7pPr>
+            <a:lvl8pPr marL="3200400" indent="0">
+              <a:buNone/>
+              <a:defRPr sz="900"/>
+            </a:lvl8pPr>
+            <a:lvl9pPr marL="3657600" indent="0">
+              <a:buNone/>
+              <a:defRPr sz="900"/>
+            </a:lvl9pPr>
+          </a:lstStyle>
+          <a:p>
+            <a:pPr lvl="0"/>
+            <a:r>
+              <a:rPr lang="en-US" smtClean="0"/>
+              <a:t>Click to edit Master text styles</a:t>
+            </a:r>
+          </a:p>
+        </p:txBody>
+      </p:sp>
+      <p:sp>
+        <p:nvSpPr>
+          <p:cNvPr id="22" name="Text Placeholder 4"/>
+          <p:cNvSpPr>
+            <a:spLocks noGrp="1"/>
+          </p:cNvSpPr>
+          <p:nvPr>
+            <p:ph type="body" sz="quarter" idx="3"/>
+          </p:nvPr>
+        </p:nvSpPr>
+        <p:spPr>
+          <a:xfrm>
+            <a:off x="4442701" y="4195899"/>
+            <a:ext cx="3298983" cy="576262"/>
+          </a:xfrm>
+        </p:spPr>
+        <p:txBody>
+          <a:bodyPr anchor="b">
+            <a:noAutofit/>
+          </a:bodyPr>
+          <a:lstStyle>
+            <a:lvl1pPr marL="0" indent="0" algn="ctr">
+              <a:lnSpc>
+                <a:spcPct val="100000"/>
+              </a:lnSpc>
+              <a:buNone/>
+              <a:defRPr sz="2000" b="0">
+                <a:solidFill>
+                  <a:schemeClr val="tx1"/>
+                </a:solidFill>
+              </a:defRPr>
+            </a:lvl1pPr>
+            <a:lvl2pPr marL="457200" indent="0">
+              <a:buNone/>
+              <a:defRPr sz="2000" b="1"/>
+            </a:lvl2pPr>
+            <a:lvl3pPr marL="914400" indent="0">
+              <a:buNone/>
+              <a:defRPr sz="1800" b="1"/>
+            </a:lvl3pPr>
+            <a:lvl4pPr marL="1371600" indent="0">
+              <a:buNone/>
+              <a:defRPr sz="1600" b="1"/>
+            </a:lvl4pPr>
+            <a:lvl5pPr marL="1828800" indent="0">
+              <a:buNone/>
+              <a:defRPr sz="1600" b="1"/>
+            </a:lvl5pPr>
+            <a:lvl6pPr marL="2286000" indent="0">
+              <a:buNone/>
+              <a:defRPr sz="1600" b="1"/>
+            </a:lvl6pPr>
+            <a:lvl7pPr marL="2743200" indent="0">
+              <a:buNone/>
+              <a:defRPr sz="1600" b="1"/>
+            </a:lvl7pPr>
+            <a:lvl8pPr marL="3200400" indent="0">
+              <a:buNone/>
+              <a:defRPr sz="1600" b="1"/>
+            </a:lvl8pPr>
+            <a:lvl9pPr marL="3657600" indent="0">
+              <a:buNone/>
+              <a:defRPr sz="1600" b="1"/>
+            </a:lvl9pPr>
+          </a:lstStyle>
+          <a:p>
+            <a:pPr lvl="0"/>
+            <a:r>
+              <a:rPr lang="en-US" smtClean="0"/>
+              <a:t>Click to edit Master text styles</a:t>
+            </a:r>
+          </a:p>
+        </p:txBody>
+      </p:sp>
+      <p:sp>
+        <p:nvSpPr>
+          <p:cNvPr id="23" name="Picture Placeholder 2"/>
+          <p:cNvSpPr>
+            <a:spLocks noGrp="1" noChangeAspect="1"/>
+          </p:cNvSpPr>
+          <p:nvPr>
+            <p:ph type="pic" idx="21"/>
+          </p:nvPr>
+        </p:nvSpPr>
+        <p:spPr>
+          <a:xfrm>
+            <a:off x="4568996" y="2298987"/>
+            <a:ext cx="2930525" cy="1524000"/>
+          </a:xfrm>
+          <a:prstGeom prst="roundRect">
+            <a:avLst>
+              <a:gd name="adj" fmla="val 0"/>
+            </a:avLst>
+          </a:prstGeom>
+          <a:noFill/>
+          <a:ln w="146050" cap="sq">
+            <a:solidFill>
+              <a:srgbClr val="FFFFFF"/>
+            </a:solidFill>
+            <a:miter lim="800000"/>
+          </a:ln>
+          <a:effectLst>
+            <a:outerShdw blurRad="55000" dist="18000" dir="5400000" algn="tl" rotWithShape="0">
+              <a:srgbClr val="000000">
+                <a:alpha val="40000"/>
+              </a:srgbClr>
+            </a:outerShdw>
+          </a:effectLst>
+          <a:scene3d>
+            <a:camera prst="orthographicFront"/>
+            <a:lightRig rig="twoPt" dir="t">
+              <a:rot lat="0" lon="0" rev="7200000"/>
+            </a:lightRig>
+          </a:scene3d>
+          <a:sp3d>
+            <a:bevelT w="25400" h="19050"/>
+            <a:contourClr>
+              <a:srgbClr val="FFFFFF"/>
+            </a:contourClr>
+          </a:sp3d>
+        </p:spPr>
+        <p:txBody>
+          <a:bodyPr anchor="t">
+            <a:normAutofit/>
+          </a:bodyPr>
+          <a:lstStyle>
+            <a:lvl1pPr marL="0" indent="0" algn="ctr">
+              <a:buNone/>
+              <a:defRPr sz="1600"/>
+            </a:lvl1pPr>
+            <a:lvl2pPr marL="457200" indent="0">
+              <a:buNone/>
+              <a:defRPr sz="1600"/>
+            </a:lvl2pPr>
+            <a:lvl3pPr marL="914400" indent="0">
+              <a:buNone/>
+              <a:defRPr sz="1600"/>
+            </a:lvl3pPr>
+            <a:lvl4pPr marL="1371600" indent="0">
+              <a:buNone/>
+              <a:defRPr sz="1600"/>
+            </a:lvl4pPr>
+            <a:lvl5pPr marL="1828800" indent="0">
+              <a:buNone/>
+              <a:defRPr sz="1600"/>
+            </a:lvl5pPr>
+            <a:lvl6pPr marL="2286000" indent="0">
+              <a:buNone/>
+              <a:defRPr sz="1600"/>
+            </a:lvl6pPr>
+            <a:lvl7pPr marL="2743200" indent="0">
+              <a:buNone/>
+              <a:defRPr sz="1600"/>
+            </a:lvl7pPr>
+            <a:lvl8pPr marL="3200400" indent="0">
+              <a:buNone/>
+              <a:defRPr sz="1600"/>
+            </a:lvl8pPr>
+            <a:lvl9pPr marL="3657600" indent="0">
+              <a:buNone/>
+              <a:defRPr sz="1600"/>
+            </a:lvl9pPr>
+          </a:lstStyle>
+          <a:p>
+            <a:r>
+              <a:rPr lang="en-US" smtClean="0"/>
+              <a:t>Click icon to add picture</a:t>
+            </a:r>
+            <a:endParaRPr lang="en-US" dirty="0"/>
+          </a:p>
+        </p:txBody>
+      </p:sp>
+      <p:sp>
+        <p:nvSpPr>
+          <p:cNvPr id="24" name="Text Placeholder 3"/>
+          <p:cNvSpPr>
+            <a:spLocks noGrp="1"/>
+          </p:cNvSpPr>
+          <p:nvPr>
+            <p:ph type="body" sz="half" idx="19"/>
+          </p:nvPr>
+        </p:nvSpPr>
+        <p:spPr>
+          <a:xfrm>
+            <a:off x="4441348" y="4772160"/>
+            <a:ext cx="3300336" cy="1019038"/>
+          </a:xfrm>
+        </p:spPr>
+        <p:txBody>
+          <a:bodyPr anchor="t">
+            <a:normAutofit/>
+          </a:bodyPr>
+          <a:lstStyle>
+            <a:lvl1pPr marL="0" indent="0" algn="ctr">
+              <a:buNone/>
+              <a:defRPr sz="1400"/>
+            </a:lvl1pPr>
+            <a:lvl2pPr marL="457200" indent="0">
+              <a:buNone/>
+              <a:defRPr sz="1200"/>
+            </a:lvl2pPr>
+            <a:lvl3pPr marL="914400" indent="0">
+              <a:buNone/>
+              <a:defRPr sz="1000"/>
+            </a:lvl3pPr>
+            <a:lvl4pPr marL="1371600" indent="0">
+              <a:buNone/>
+              <a:defRPr sz="900"/>
+            </a:lvl4pPr>
+            <a:lvl5pPr marL="1828800" indent="0">
+              <a:buNone/>
+              <a:defRPr sz="900"/>
+            </a:lvl5pPr>
+            <a:lvl6pPr marL="2286000" indent="0">
+              <a:buNone/>
+              <a:defRPr sz="900"/>
+            </a:lvl6pPr>
+            <a:lvl7pPr marL="2743200" indent="0">
+              <a:buNone/>
+              <a:defRPr sz="900"/>
+            </a:lvl7pPr>
+            <a:lvl8pPr marL="3200400" indent="0">
+              <a:buNone/>
+              <a:defRPr sz="900"/>
+            </a:lvl8pPr>
+            <a:lvl9pPr marL="3657600" indent="0">
+              <a:buNone/>
+              <a:defRPr sz="900"/>
+            </a:lvl9pPr>
+          </a:lstStyle>
+          <a:p>
+            <a:pPr lvl="0"/>
+            <a:r>
+              <a:rPr lang="en-US" smtClean="0"/>
+              <a:t>Click to edit Master text styles</a:t>
+            </a:r>
+          </a:p>
+        </p:txBody>
+      </p:sp>
+      <p:sp>
+        <p:nvSpPr>
+          <p:cNvPr id="25" name="Text Placeholder 4"/>
+          <p:cNvSpPr>
+            <a:spLocks noGrp="1"/>
+          </p:cNvSpPr>
+          <p:nvPr>
+            <p:ph type="body" sz="quarter" idx="13"/>
+          </p:nvPr>
+        </p:nvSpPr>
+        <p:spPr>
+          <a:xfrm>
+            <a:off x="7973423" y="4195899"/>
+            <a:ext cx="3289900" cy="576262"/>
+          </a:xfrm>
+        </p:spPr>
+        <p:txBody>
+          <a:bodyPr anchor="b">
+            <a:noAutofit/>
+          </a:bodyPr>
+          <a:lstStyle>
+            <a:lvl1pPr marL="0" indent="0" algn="ctr">
+              <a:lnSpc>
+                <a:spcPct val="100000"/>
+              </a:lnSpc>
+              <a:buNone/>
+              <a:defRPr sz="2000" b="0">
+                <a:solidFill>
+                  <a:schemeClr val="tx1"/>
+                </a:solidFill>
+              </a:defRPr>
+            </a:lvl1pPr>
+            <a:lvl2pPr marL="457200" indent="0">
+              <a:buNone/>
+              <a:defRPr sz="2000" b="1"/>
+            </a:lvl2pPr>
+            <a:lvl3pPr marL="914400" indent="0">
+              <a:buNone/>
+              <a:defRPr sz="1800" b="1"/>
+            </a:lvl3pPr>
+            <a:lvl4pPr marL="1371600" indent="0">
+              <a:buNone/>
+              <a:defRPr sz="1600" b="1"/>
+            </a:lvl4pPr>
+            <a:lvl5pPr marL="1828800" indent="0">
+              <a:buNone/>
+              <a:defRPr sz="1600" b="1"/>
+            </a:lvl5pPr>
+            <a:lvl6pPr marL="2286000" indent="0">
+              <a:buNone/>
+              <a:defRPr sz="1600" b="1"/>
+            </a:lvl6pPr>
+            <a:lvl7pPr marL="2743200" indent="0">
+              <a:buNone/>
+              <a:defRPr sz="1600" b="1"/>
+            </a:lvl7pPr>
+            <a:lvl8pPr marL="3200400" indent="0">
+              <a:buNone/>
+              <a:defRPr sz="1600" b="1"/>
+            </a:lvl8pPr>
+            <a:lvl9pPr marL="3657600" indent="0">
+              <a:buNone/>
+              <a:defRPr sz="1600" b="1"/>
+            </a:lvl9pPr>
+          </a:lstStyle>
+          <a:p>
+            <a:pPr lvl="0"/>
+            <a:r>
+              <a:rPr lang="en-US" smtClean="0"/>
+              <a:t>Click to edit Master text styles</a:t>
+            </a:r>
+          </a:p>
+        </p:txBody>
+      </p:sp>
+      <p:sp>
+        <p:nvSpPr>
+          <p:cNvPr id="26" name="Picture Placeholder 2"/>
+          <p:cNvSpPr>
+            <a:spLocks noGrp="1" noChangeAspect="1"/>
+          </p:cNvSpPr>
+          <p:nvPr>
+            <p:ph type="pic" idx="22"/>
+          </p:nvPr>
+        </p:nvSpPr>
+        <p:spPr>
+          <a:xfrm>
+            <a:off x="8152803" y="2298987"/>
+            <a:ext cx="2932113" cy="1524000"/>
+          </a:xfrm>
+          <a:prstGeom prst="roundRect">
+            <a:avLst>
+              <a:gd name="adj" fmla="val 0"/>
+            </a:avLst>
+          </a:prstGeom>
+          <a:noFill/>
+          <a:ln w="146050" cap="sq">
+            <a:solidFill>
+              <a:srgbClr val="FFFFFF"/>
+            </a:solidFill>
+            <a:miter lim="800000"/>
+          </a:ln>
+          <a:effectLst>
+            <a:outerShdw blurRad="55000" dist="18000" dir="5400000" algn="tl" rotWithShape="0">
+              <a:srgbClr val="000000">
+                <a:alpha val="40000"/>
+              </a:srgbClr>
+            </a:outerShdw>
+          </a:effectLst>
+          <a:scene3d>
+            <a:camera prst="orthographicFront"/>
+            <a:lightRig rig="twoPt" dir="t">
+              <a:rot lat="0" lon="0" rev="7200000"/>
+            </a:lightRig>
+          </a:scene3d>
+          <a:sp3d>
+            <a:bevelT w="25400" h="19050"/>
+            <a:contourClr>
+              <a:srgbClr val="FFFFFF"/>
+            </a:contourClr>
+          </a:sp3d>
+        </p:spPr>
+        <p:txBody>
+          <a:bodyPr anchor="t">
+            <a:normAutofit/>
+          </a:bodyPr>
+          <a:lstStyle>
+            <a:lvl1pPr marL="0" indent="0" algn="ctr">
+              <a:buNone/>
+              <a:defRPr sz="1600"/>
+            </a:lvl1pPr>
+            <a:lvl2pPr marL="457200" indent="0">
+              <a:buNone/>
+              <a:defRPr sz="1600"/>
+            </a:lvl2pPr>
+            <a:lvl3pPr marL="914400" indent="0">
+              <a:buNone/>
+              <a:defRPr sz="1600"/>
+            </a:lvl3pPr>
+            <a:lvl4pPr marL="1371600" indent="0">
+              <a:buNone/>
+              <a:defRPr sz="1600"/>
+            </a:lvl4pPr>
+            <a:lvl5pPr marL="1828800" indent="0">
+              <a:buNone/>
+              <a:defRPr sz="1600"/>
+            </a:lvl5pPr>
+            <a:lvl6pPr marL="2286000" indent="0">
+              <a:buNone/>
+              <a:defRPr sz="1600"/>
+            </a:lvl6pPr>
+            <a:lvl7pPr marL="2743200" indent="0">
+              <a:buNone/>
+              <a:defRPr sz="1600"/>
+            </a:lvl7pPr>
+            <a:lvl8pPr marL="3200400" indent="0">
+              <a:buNone/>
+              <a:defRPr sz="1600"/>
+            </a:lvl8pPr>
+            <a:lvl9pPr marL="3657600" indent="0">
+              <a:buNone/>
+              <a:defRPr sz="1600"/>
+            </a:lvl9pPr>
+          </a:lstStyle>
+          <a:p>
+            <a:r>
+              <a:rPr lang="en-US" smtClean="0"/>
+              <a:t>Click icon to add picture</a:t>
+            </a:r>
+            <a:endParaRPr lang="en-US" dirty="0"/>
+          </a:p>
+        </p:txBody>
+      </p:sp>
+      <p:sp>
+        <p:nvSpPr>
+          <p:cNvPr id="27" name="Text Placeholder 3"/>
+          <p:cNvSpPr>
+            <a:spLocks noGrp="1"/>
+          </p:cNvSpPr>
+          <p:nvPr>
+            <p:ph type="body" sz="half" idx="20"/>
+          </p:nvPr>
+        </p:nvSpPr>
+        <p:spPr>
+          <a:xfrm>
+            <a:off x="7973298" y="4772161"/>
+            <a:ext cx="3294258" cy="1019037"/>
+          </a:xfrm>
+        </p:spPr>
+        <p:txBody>
+          <a:bodyPr anchor="t">
+            <a:normAutofit/>
+          </a:bodyPr>
+          <a:lstStyle>
+            <a:lvl1pPr marL="0" indent="0" algn="ctr">
+              <a:buNone/>
+              <a:defRPr sz="1400"/>
+            </a:lvl1pPr>
+            <a:lvl2pPr marL="457200" indent="0">
+              <a:buNone/>
+              <a:defRPr sz="1200"/>
+            </a:lvl2pPr>
+            <a:lvl3pPr marL="914400" indent="0">
+              <a:buNone/>
+              <a:defRPr sz="1000"/>
+            </a:lvl3pPr>
+            <a:lvl4pPr marL="1371600" indent="0">
+              <a:buNone/>
+              <a:defRPr sz="900"/>
+            </a:lvl4pPr>
+            <a:lvl5pPr marL="1828800" indent="0">
+              <a:buNone/>
+              <a:defRPr sz="900"/>
+            </a:lvl5pPr>
+            <a:lvl6pPr marL="2286000" indent="0">
+              <a:buNone/>
+              <a:defRPr sz="900"/>
+            </a:lvl6pPr>
+            <a:lvl7pPr marL="2743200" indent="0">
+              <a:buNone/>
+              <a:defRPr sz="900"/>
+            </a:lvl7pPr>
+            <a:lvl8pPr marL="3200400" indent="0">
+              <a:buNone/>
+              <a:defRPr sz="900"/>
+            </a:lvl8pPr>
+            <a:lvl9pPr marL="3657600" indent="0">
+              <a:buNone/>
+              <a:defRPr sz="900"/>
+            </a:lvl9pPr>
+          </a:lstStyle>
+          <a:p>
+            <a:pPr lvl="0"/>
+            <a:r>
+              <a:rPr lang="en-US" smtClean="0"/>
+              <a:t>Click to edit Master text styles</a:t>
+            </a:r>
+          </a:p>
+        </p:txBody>
+      </p:sp>
+      <p:sp>
+        <p:nvSpPr>
+          <p:cNvPr id="3" name="Date Placeholder 2"/>
+          <p:cNvSpPr>
+            <a:spLocks noGrp="1"/>
+          </p:cNvSpPr>
+          <p:nvPr>
+            <p:ph type="dt" sz="half" idx="10"/>
+          </p:nvPr>
+        </p:nvSpPr>
+        <p:spPr/>
+        <p:txBody>
+          <a:bodyPr/>
+          <a:lstStyle/>
+          <a:p>
+            <a:fld id="{AA7BB193-768F-4CA7-B187-2D2BE19D21C3}" type="datetimeFigureOut">
+              <a:rPr lang="en-US" smtClean="0"/>
+              <a:t>12/20/2016</a:t>
+            </a:fld>
+            <a:endParaRPr lang="en-US"/>
+          </a:p>
+        </p:txBody>
+      </p:sp>
+      <p:sp>
+        <p:nvSpPr>
+          <p:cNvPr id="4" name="Footer Placeholder 3"/>
+          <p:cNvSpPr>
+            <a:spLocks noGrp="1"/>
+          </p:cNvSpPr>
+          <p:nvPr>
+            <p:ph type="ftr" sz="quarter" idx="11"/>
+          </p:nvPr>
+        </p:nvSpPr>
+        <p:spPr/>
+        <p:txBody>
+          <a:bodyPr/>
+          <a:lstStyle/>
+          <a:p>
+            <a:endParaRPr lang="en-US"/>
+          </a:p>
+        </p:txBody>
+      </p:sp>
+      <p:sp>
+        <p:nvSpPr>
+          <p:cNvPr id="5" name="Slide Number Placeholder 4"/>
+          <p:cNvSpPr>
+            <a:spLocks noGrp="1"/>
+          </p:cNvSpPr>
+          <p:nvPr>
+            <p:ph type="sldNum" sz="quarter" idx="12"/>
+          </p:nvPr>
+        </p:nvSpPr>
+        <p:spPr/>
+        <p:txBody>
+          <a:bodyPr/>
+          <a:lstStyle/>
+          <a:p>
+            <a:fld id="{B376502B-1283-4956-86E6-9BB2B04C50CC}" type="slidenum">
+              <a:rPr lang="en-US" smtClean="0"/>
+              <a:t>‹#›</a:t>
+            </a:fld>
+            <a:endParaRPr lang="en-US"/>
+          </a:p>
+        </p:txBody>
+      </p:sp>
+    </p:spTree>
+    <p:extLst>
+      <p:ext uri="{BB962C8B-B14F-4D97-AF65-F5344CB8AC3E}">
+        <p14:creationId xmlns:p14="http://schemas.microsoft.com/office/powerpoint/2010/main" val="3325597534"/>
+      </p:ext>
+    </p:extLst>
+  </p:cSld>
+  <p:clrMapOvr>
+    <a:masterClrMapping/>
+  </p:clrMapOvr>
+</p:sldLayout>
+</file>
+
+<file path=ppt/slideLayouts/slideLayout16.xml><?xml version="1.0" encoding="utf-8"?>
 <p:sldLayout xmlns:a="http://schemas.openxmlformats.org/drawingml/2006/main" xmlns:r="http://schemas.openxmlformats.org/officeDocument/2006/relationships" xmlns:p="http://schemas.openxmlformats.org/presentationml/2006/main" type="vertTx" preserve="1">
   <p:cSld name="Title and Vertical Text">
     <p:spTree>
@@ -342,7 +2899,7 @@
               <a:rPr lang="en-US" smtClean="0"/>
               <a:t>Click to edit Master title style</a:t>
             </a:r>
-            <a:endParaRPr lang="en-US"/>
+            <a:endParaRPr lang="en-US" dirty="0"/>
           </a:p>
         </p:txBody>
       </p:sp>
@@ -394,7 +2951,7 @@
               <a:rPr lang="en-US" smtClean="0"/>
               <a:t>Fifth level</a:t>
             </a:r>
-            <a:endParaRPr lang="en-US"/>
+            <a:endParaRPr lang="en-US" dirty="0"/>
           </a:p>
         </p:txBody>
       </p:sp>
@@ -415,7 +2972,7 @@
           <a:p>
             <a:fld id="{AA7BB193-768F-4CA7-B187-2D2BE19D21C3}" type="datetimeFigureOut">
               <a:rPr lang="en-US" smtClean="0"/>
-              <a:t>12/13/2016</a:t>
+              <a:t>12/20/2016</a:t>
             </a:fld>
             <a:endParaRPr lang="en-US"/>
           </a:p>
@@ -466,7 +3023,7 @@
     </p:spTree>
     <p:extLst>
       <p:ext uri="{BB962C8B-B14F-4D97-AF65-F5344CB8AC3E}">
-        <p14:creationId xmlns:p14="http://schemas.microsoft.com/office/powerpoint/2010/main" val="3532117324"/>
+        <p14:creationId xmlns:p14="http://schemas.microsoft.com/office/powerpoint/2010/main" val="3565816911"/>
       </p:ext>
     </p:extLst>
   </p:cSld>
@@ -476,7 +3033,7 @@
 </p:sldLayout>
 </file>
 
-<file path=ppt/slideLayouts/slideLayout11.xml><?xml version="1.0" encoding="utf-8"?>
+<file path=ppt/slideLayouts/slideLayout17.xml><?xml version="1.0" encoding="utf-8"?>
 <p:sldLayout xmlns:a="http://schemas.openxmlformats.org/drawingml/2006/main" xmlns:r="http://schemas.openxmlformats.org/officeDocument/2006/relationships" xmlns:p="http://schemas.openxmlformats.org/presentationml/2006/main" type="vertTitleAndTx" preserve="1">
   <p:cSld name="Vertical Title and Text">
     <p:spTree>
@@ -505,19 +3062,23 @@
         </p:nvSpPr>
         <p:spPr>
           <a:xfrm>
-            <a:off x="8724900" y="365125"/>
-            <a:ext cx="2628900" cy="5811838"/>
+            <a:off x="8724900" y="609599"/>
+            <a:ext cx="2542657" cy="5181601"/>
           </a:xfrm>
         </p:spPr>
         <p:txBody>
           <a:bodyPr vert="eaVert"/>
-          <a:lstStyle/>
+          <a:lstStyle>
+            <a:lvl1pPr algn="l">
+              <a:defRPr/>
+            </a:lvl1pPr>
+          </a:lstStyle>
           <a:p>
             <a:r>
               <a:rPr lang="en-US" smtClean="0"/>
               <a:t>Click to edit Master title style</a:t>
             </a:r>
-            <a:endParaRPr lang="en-US"/>
+            <a:endParaRPr lang="en-US" dirty="0"/>
           </a:p>
         </p:txBody>
       </p:sp>
@@ -533,8 +3094,8 @@
         </p:nvSpPr>
         <p:spPr>
           <a:xfrm>
-            <a:off x="838200" y="365125"/>
-            <a:ext cx="7734300" cy="5811838"/>
+            <a:off x="913794" y="609599"/>
+            <a:ext cx="7658705" cy="5181601"/>
           </a:xfrm>
         </p:spPr>
         <p:txBody>
@@ -574,7 +3135,7 @@
               <a:rPr lang="en-US" smtClean="0"/>
               <a:t>Fifth level</a:t>
             </a:r>
-            <a:endParaRPr lang="en-US"/>
+            <a:endParaRPr lang="en-US" dirty="0"/>
           </a:p>
         </p:txBody>
       </p:sp>
@@ -595,7 +3156,7 @@
           <a:p>
             <a:fld id="{AA7BB193-768F-4CA7-B187-2D2BE19D21C3}" type="datetimeFigureOut">
               <a:rPr lang="en-US" smtClean="0"/>
-              <a:t>12/13/2016</a:t>
+              <a:t>12/20/2016</a:t>
             </a:fld>
             <a:endParaRPr lang="en-US"/>
           </a:p>
@@ -646,7 +3207,7 @@
     </p:spTree>
     <p:extLst>
       <p:ext uri="{BB962C8B-B14F-4D97-AF65-F5344CB8AC3E}">
-        <p14:creationId xmlns:p14="http://schemas.microsoft.com/office/powerpoint/2010/main" val="1821694464"/>
+        <p14:creationId xmlns:p14="http://schemas.microsoft.com/office/powerpoint/2010/main" val="3780109301"/>
       </p:ext>
     </p:extLst>
   </p:cSld>
@@ -692,7 +3253,7 @@
               <a:rPr lang="en-US" smtClean="0"/>
               <a:t>Click to edit Master title style</a:t>
             </a:r>
-            <a:endParaRPr lang="en-US"/>
+            <a:endParaRPr lang="en-US" dirty="0"/>
           </a:p>
         </p:txBody>
       </p:sp>
@@ -744,7 +3305,7 @@
               <a:rPr lang="en-US" smtClean="0"/>
               <a:t>Fifth level</a:t>
             </a:r>
-            <a:endParaRPr lang="en-US"/>
+            <a:endParaRPr lang="en-US" dirty="0"/>
           </a:p>
         </p:txBody>
       </p:sp>
@@ -765,7 +3326,7 @@
           <a:p>
             <a:fld id="{AA7BB193-768F-4CA7-B187-2D2BE19D21C3}" type="datetimeFigureOut">
               <a:rPr lang="en-US" smtClean="0"/>
-              <a:t>12/13/2016</a:t>
+              <a:t>12/20/2016</a:t>
             </a:fld>
             <a:endParaRPr lang="en-US"/>
           </a:p>
@@ -816,7 +3377,7 @@
     </p:spTree>
     <p:extLst>
       <p:ext uri="{BB962C8B-B14F-4D97-AF65-F5344CB8AC3E}">
-        <p14:creationId xmlns:p14="http://schemas.microsoft.com/office/powerpoint/2010/main" val="4082652353"/>
+        <p14:creationId xmlns:p14="http://schemas.microsoft.com/office/powerpoint/2010/main" val="3838992369"/>
       </p:ext>
     </p:extLst>
   </p:cSld>
@@ -855,15 +3416,17 @@
         </p:nvSpPr>
         <p:spPr>
           <a:xfrm>
-            <a:off x="831850" y="1709738"/>
-            <a:ext cx="10515600" cy="2852737"/>
+            <a:off x="1229244" y="657226"/>
+            <a:ext cx="9733512" cy="2852737"/>
           </a:xfrm>
         </p:spPr>
         <p:txBody>
-          <a:bodyPr anchor="b"/>
+          <a:bodyPr anchor="b">
+            <a:normAutofit/>
+          </a:bodyPr>
           <a:lstStyle>
             <a:lvl1pPr>
-              <a:defRPr sz="6000"/>
+              <a:defRPr sz="3400"/>
             </a:lvl1pPr>
           </a:lstStyle>
           <a:p>
@@ -871,7 +3434,7 @@
               <a:rPr lang="en-US" smtClean="0"/>
               <a:t>Click to edit Master title style</a:t>
             </a:r>
-            <a:endParaRPr lang="en-US"/>
+            <a:endParaRPr lang="en-US" dirty="0"/>
           </a:p>
         </p:txBody>
       </p:sp>
@@ -887,14 +3450,14 @@
         </p:nvSpPr>
         <p:spPr>
           <a:xfrm>
-            <a:off x="831850" y="4589463"/>
-            <a:ext cx="10515600" cy="1500187"/>
+            <a:off x="1229244" y="3602038"/>
+            <a:ext cx="9733512" cy="1500187"/>
           </a:xfrm>
         </p:spPr>
         <p:txBody>
           <a:bodyPr/>
           <a:lstStyle>
-            <a:lvl1pPr marL="0" indent="0">
+            <a:lvl1pPr marL="0" indent="0" algn="ctr">
               <a:buNone/>
               <a:defRPr sz="2400">
                 <a:solidFill>
@@ -1011,7 +3574,7 @@
           <a:p>
             <a:fld id="{AA7BB193-768F-4CA7-B187-2D2BE19D21C3}" type="datetimeFigureOut">
               <a:rPr lang="en-US" smtClean="0"/>
-              <a:t>12/13/2016</a:t>
+              <a:t>12/20/2016</a:t>
             </a:fld>
             <a:endParaRPr lang="en-US"/>
           </a:p>
@@ -1062,7 +3625,7 @@
     </p:spTree>
     <p:extLst>
       <p:ext uri="{BB962C8B-B14F-4D97-AF65-F5344CB8AC3E}">
-        <p14:creationId xmlns:p14="http://schemas.microsoft.com/office/powerpoint/2010/main" val="2613267613"/>
+        <p14:creationId xmlns:p14="http://schemas.microsoft.com/office/powerpoint/2010/main" val="1155819364"/>
       </p:ext>
     </p:extLst>
   </p:cSld>
@@ -1099,90 +3662,38 @@
             <p:ph type="title"/>
           </p:nvPr>
         </p:nvSpPr>
-        <p:spPr/>
-        <p:txBody>
-          <a:bodyPr/>
-          <a:lstStyle/>
-          <a:p>
-            <a:r>
-              <a:rPr lang="en-US" smtClean="0"/>
-              <a:t>Click to edit Master title style</a:t>
-            </a:r>
-            <a:endParaRPr lang="en-US"/>
-          </a:p>
-        </p:txBody>
-      </p:sp>
-      <p:sp>
-        <p:nvSpPr>
-          <p:cNvPr id="3" name="Content Placeholder 2"/>
-          <p:cNvSpPr>
-            <a:spLocks noGrp="1"/>
-          </p:cNvSpPr>
-          <p:nvPr>
-            <p:ph sz="half" idx="1"/>
-          </p:nvPr>
-        </p:nvSpPr>
         <p:spPr>
           <a:xfrm>
-            <a:off x="838200" y="1825625"/>
-            <a:ext cx="5181600" cy="4351338"/>
+            <a:off x="913795" y="609600"/>
+            <a:ext cx="10353761" cy="1326321"/>
           </a:xfrm>
         </p:spPr>
         <p:txBody>
           <a:bodyPr/>
           <a:lstStyle/>
           <a:p>
-            <a:pPr lvl="0"/>
-            <a:r>
-              <a:rPr lang="en-US" smtClean="0"/>
-              <a:t>Click to edit Master text styles</a:t>
-            </a:r>
-          </a:p>
-          <a:p>
-            <a:pPr lvl="1"/>
-            <a:r>
-              <a:rPr lang="en-US" smtClean="0"/>
-              <a:t>Second level</a:t>
-            </a:r>
-          </a:p>
-          <a:p>
-            <a:pPr lvl="2"/>
-            <a:r>
-              <a:rPr lang="en-US" smtClean="0"/>
-              <a:t>Third level</a:t>
-            </a:r>
-          </a:p>
-          <a:p>
-            <a:pPr lvl="3"/>
-            <a:r>
-              <a:rPr lang="en-US" smtClean="0"/>
-              <a:t>Fourth level</a:t>
-            </a:r>
-          </a:p>
-          <a:p>
-            <a:pPr lvl="4"/>
-            <a:r>
-              <a:rPr lang="en-US" smtClean="0"/>
-              <a:t>Fifth level</a:t>
-            </a:r>
-            <a:endParaRPr lang="en-US"/>
-          </a:p>
-        </p:txBody>
-      </p:sp>
-      <p:sp>
-        <p:nvSpPr>
-          <p:cNvPr id="4" name="Content Placeholder 3"/>
-          <p:cNvSpPr>
-            <a:spLocks noGrp="1"/>
-          </p:cNvSpPr>
-          <p:nvPr>
-            <p:ph sz="half" idx="2"/>
+            <a:r>
+              <a:rPr lang="en-US" smtClean="0"/>
+              <a:t>Click to edit Master title style</a:t>
+            </a:r>
+            <a:endParaRPr lang="en-US" dirty="0"/>
+          </a:p>
+        </p:txBody>
+      </p:sp>
+      <p:sp>
+        <p:nvSpPr>
+          <p:cNvPr id="3" name="Content Placeholder 2"/>
+          <p:cNvSpPr>
+            <a:spLocks noGrp="1"/>
+          </p:cNvSpPr>
+          <p:nvPr>
+            <p:ph sz="half" idx="1"/>
           </p:nvPr>
         </p:nvSpPr>
         <p:spPr>
           <a:xfrm>
-            <a:off x="6172200" y="1825625"/>
-            <a:ext cx="5181600" cy="4351338"/>
+            <a:off x="913795" y="2088319"/>
+            <a:ext cx="5106004" cy="3702881"/>
           </a:xfrm>
         </p:spPr>
         <p:txBody>
@@ -1222,7 +3733,64 @@
               <a:rPr lang="en-US" smtClean="0"/>
               <a:t>Fifth level</a:t>
             </a:r>
-            <a:endParaRPr lang="en-US"/>
+            <a:endParaRPr lang="en-US" dirty="0"/>
+          </a:p>
+        </p:txBody>
+      </p:sp>
+      <p:sp>
+        <p:nvSpPr>
+          <p:cNvPr id="4" name="Content Placeholder 3"/>
+          <p:cNvSpPr>
+            <a:spLocks noGrp="1"/>
+          </p:cNvSpPr>
+          <p:nvPr>
+            <p:ph sz="half" idx="2"/>
+          </p:nvPr>
+        </p:nvSpPr>
+        <p:spPr>
+          <a:xfrm>
+            <a:off x="6173403" y="2088319"/>
+            <a:ext cx="5094154" cy="3702881"/>
+          </a:xfrm>
+        </p:spPr>
+        <p:txBody>
+          <a:bodyPr/>
+          <a:lstStyle/>
+          <a:p>
+            <a:pPr lvl="0"/>
+            <a:r>
+              <a:rPr lang="en-US" smtClean="0"/>
+              <a:t>Click to edit Master text styles</a:t>
+            </a:r>
+          </a:p>
+          <a:p>
+            <a:pPr lvl="1"/>
+            <a:r>
+              <a:rPr lang="en-US" smtClean="0"/>
+              <a:t>Second level</a:t>
+            </a:r>
+          </a:p>
+          <a:p>
+            <a:pPr lvl="2"/>
+            <a:r>
+              <a:rPr lang="en-US" smtClean="0"/>
+              <a:t>Third level</a:t>
+            </a:r>
+          </a:p>
+          <a:p>
+            <a:pPr lvl="3"/>
+            <a:r>
+              <a:rPr lang="en-US" smtClean="0"/>
+              <a:t>Fourth level</a:t>
+            </a:r>
+          </a:p>
+          <a:p>
+            <a:pPr lvl="4"/>
+            <a:r>
+              <a:rPr lang="en-US" smtClean="0"/>
+              <a:t>Fifth level</a:t>
+            </a:r>
+            <a:endParaRPr lang="en-US" dirty="0"/>
           </a:p>
         </p:txBody>
       </p:sp>
@@ -1243,7 +3811,7 @@
           <a:p>
             <a:fld id="{AA7BB193-768F-4CA7-B187-2D2BE19D21C3}" type="datetimeFigureOut">
               <a:rPr lang="en-US" smtClean="0"/>
-              <a:t>12/13/2016</a:t>
+              <a:t>12/20/2016</a:t>
             </a:fld>
             <a:endParaRPr lang="en-US"/>
           </a:p>
@@ -1294,7 +3862,7 @@
     </p:spTree>
     <p:extLst>
       <p:ext uri="{BB962C8B-B14F-4D97-AF65-F5344CB8AC3E}">
-        <p14:creationId xmlns:p14="http://schemas.microsoft.com/office/powerpoint/2010/main" val="2963628262"/>
+        <p14:creationId xmlns:p14="http://schemas.microsoft.com/office/powerpoint/2010/main" val="3708475460"/>
       </p:ext>
     </p:extLst>
   </p:cSld>
@@ -1333,8 +3901,8 @@
         </p:nvSpPr>
         <p:spPr>
           <a:xfrm>
-            <a:off x="839788" y="365125"/>
-            <a:ext cx="10515600" cy="1325563"/>
+            <a:off x="913795" y="609600"/>
+            <a:ext cx="10353761" cy="1325563"/>
           </a:xfrm>
         </p:spPr>
         <p:txBody>
@@ -1345,7 +3913,7 @@
               <a:rPr lang="en-US" smtClean="0"/>
               <a:t>Click to edit Master title style</a:t>
             </a:r>
-            <a:endParaRPr lang="en-US"/>
+            <a:endParaRPr lang="en-US" dirty="0"/>
           </a:p>
         </p:txBody>
       </p:sp>
@@ -1361,14 +3929,17 @@
         </p:nvSpPr>
         <p:spPr>
           <a:xfrm>
-            <a:off x="839788" y="1681163"/>
-            <a:ext cx="5157787" cy="823912"/>
+            <a:off x="1141804" y="2088320"/>
+            <a:ext cx="4879199" cy="823912"/>
           </a:xfrm>
         </p:spPr>
         <p:txBody>
           <a:bodyPr anchor="b"/>
           <a:lstStyle>
             <a:lvl1pPr marL="0" indent="0">
+              <a:lnSpc>
+                <a:spcPct val="100000"/>
+              </a:lnSpc>
               <a:buNone/>
               <a:defRPr sz="2400" b="1"/>
             </a:lvl1pPr>
@@ -1426,8 +3997,8 @@
         </p:nvSpPr>
         <p:spPr>
           <a:xfrm>
-            <a:off x="839788" y="2505075"/>
-            <a:ext cx="5157787" cy="3684588"/>
+            <a:off x="913795" y="2912232"/>
+            <a:ext cx="5107208" cy="2878968"/>
           </a:xfrm>
         </p:spPr>
         <p:txBody>
@@ -1467,7 +4038,7 @@
               <a:rPr lang="en-US" smtClean="0"/>
               <a:t>Fifth level</a:t>
             </a:r>
-            <a:endParaRPr lang="en-US"/>
+            <a:endParaRPr lang="en-US" dirty="0"/>
           </a:p>
         </p:txBody>
       </p:sp>
@@ -1483,14 +4054,17 @@
         </p:nvSpPr>
         <p:spPr>
           <a:xfrm>
-            <a:off x="6172200" y="1681163"/>
-            <a:ext cx="5183188" cy="823912"/>
+            <a:off x="6402003" y="2088320"/>
+            <a:ext cx="4865554" cy="823912"/>
           </a:xfrm>
         </p:spPr>
         <p:txBody>
           <a:bodyPr anchor="b"/>
           <a:lstStyle>
             <a:lvl1pPr marL="0" indent="0">
+              <a:lnSpc>
+                <a:spcPct val="100000"/>
+              </a:lnSpc>
               <a:buNone/>
               <a:defRPr sz="2400" b="1"/>
             </a:lvl1pPr>
@@ -1548,8 +4122,8 @@
         </p:nvSpPr>
         <p:spPr>
           <a:xfrm>
-            <a:off x="6172200" y="2505075"/>
-            <a:ext cx="5183188" cy="3684588"/>
+            <a:off x="6172200" y="2912232"/>
+            <a:ext cx="5095357" cy="2878968"/>
           </a:xfrm>
         </p:spPr>
         <p:txBody>
@@ -1589,7 +4163,7 @@
               <a:rPr lang="en-US" smtClean="0"/>
               <a:t>Fifth level</a:t>
             </a:r>
-            <a:endParaRPr lang="en-US"/>
+            <a:endParaRPr lang="en-US" dirty="0"/>
           </a:p>
         </p:txBody>
       </p:sp>
@@ -1610,7 +4184,7 @@
           <a:p>
             <a:fld id="{AA7BB193-768F-4CA7-B187-2D2BE19D21C3}" type="datetimeFigureOut">
               <a:rPr lang="en-US" smtClean="0"/>
-              <a:t>12/13/2016</a:t>
+              <a:t>12/20/2016</a:t>
             </a:fld>
             <a:endParaRPr lang="en-US"/>
           </a:p>
@@ -1661,7 +4235,7 @@
     </p:spTree>
     <p:extLst>
       <p:ext uri="{BB962C8B-B14F-4D97-AF65-F5344CB8AC3E}">
-        <p14:creationId xmlns:p14="http://schemas.microsoft.com/office/powerpoint/2010/main" val="3695629546"/>
+        <p14:creationId xmlns:p14="http://schemas.microsoft.com/office/powerpoint/2010/main" val="245685812"/>
       </p:ext>
     </p:extLst>
   </p:cSld>
@@ -1707,7 +4281,7 @@
               <a:rPr lang="en-US" smtClean="0"/>
               <a:t>Click to edit Master title style</a:t>
             </a:r>
-            <a:endParaRPr lang="en-US"/>
+            <a:endParaRPr lang="en-US" dirty="0"/>
           </a:p>
         </p:txBody>
       </p:sp>
@@ -1728,7 +4302,7 @@
           <a:p>
             <a:fld id="{AA7BB193-768F-4CA7-B187-2D2BE19D21C3}" type="datetimeFigureOut">
               <a:rPr lang="en-US" smtClean="0"/>
-              <a:t>12/13/2016</a:t>
+              <a:t>12/20/2016</a:t>
             </a:fld>
             <a:endParaRPr lang="en-US"/>
           </a:p>
@@ -1779,7 +4353,7 @@
     </p:spTree>
     <p:extLst>
       <p:ext uri="{BB962C8B-B14F-4D97-AF65-F5344CB8AC3E}">
-        <p14:creationId xmlns:p14="http://schemas.microsoft.com/office/powerpoint/2010/main" val="2492149417"/>
+        <p14:creationId xmlns:p14="http://schemas.microsoft.com/office/powerpoint/2010/main" val="4214751826"/>
       </p:ext>
     </p:extLst>
   </p:cSld>
@@ -1823,7 +4397,7 @@
           <a:p>
             <a:fld id="{AA7BB193-768F-4CA7-B187-2D2BE19D21C3}" type="datetimeFigureOut">
               <a:rPr lang="en-US" smtClean="0"/>
-              <a:t>12/13/2016</a:t>
+              <a:t>12/20/2016</a:t>
             </a:fld>
             <a:endParaRPr lang="en-US"/>
           </a:p>
@@ -1874,7 +4448,7 @@
     </p:spTree>
     <p:extLst>
       <p:ext uri="{BB962C8B-B14F-4D97-AF65-F5344CB8AC3E}">
-        <p14:creationId xmlns:p14="http://schemas.microsoft.com/office/powerpoint/2010/main" val="105959404"/>
+        <p14:creationId xmlns:p14="http://schemas.microsoft.com/office/powerpoint/2010/main" val="43366919"/>
       </p:ext>
     </p:extLst>
   </p:cSld>
@@ -1913,15 +4487,17 @@
         </p:nvSpPr>
         <p:spPr>
           <a:xfrm>
-            <a:off x="839788" y="457200"/>
-            <a:ext cx="3932237" cy="1600200"/>
+            <a:off x="917228" y="609600"/>
+            <a:ext cx="3932237" cy="2362200"/>
           </a:xfrm>
         </p:spPr>
         <p:txBody>
-          <a:bodyPr anchor="b"/>
+          <a:bodyPr anchor="b">
+            <a:normAutofit/>
+          </a:bodyPr>
           <a:lstStyle>
             <a:lvl1pPr>
-              <a:defRPr sz="3200"/>
+              <a:defRPr sz="2800"/>
             </a:lvl1pPr>
           </a:lstStyle>
           <a:p>
@@ -1929,7 +4505,7 @@
               <a:rPr lang="en-US" smtClean="0"/>
               <a:t>Click to edit Master title style</a:t>
             </a:r>
-            <a:endParaRPr lang="en-US"/>
+            <a:endParaRPr lang="en-US" dirty="0"/>
           </a:p>
         </p:txBody>
       </p:sp>
@@ -1945,99 +4521,71 @@
         </p:nvSpPr>
         <p:spPr>
           <a:xfrm>
-            <a:off x="5183188" y="987425"/>
-            <a:ext cx="6172200" cy="4873625"/>
+            <a:off x="5078064" y="609600"/>
+            <a:ext cx="6189492" cy="5181600"/>
           </a:xfrm>
         </p:spPr>
         <p:txBody>
+          <a:bodyPr anchor="ctr"/>
+          <a:lstStyle/>
+          <a:p>
+            <a:pPr lvl="0"/>
+            <a:r>
+              <a:rPr lang="en-US" smtClean="0"/>
+              <a:t>Click to edit Master text styles</a:t>
+            </a:r>
+          </a:p>
+          <a:p>
+            <a:pPr lvl="1"/>
+            <a:r>
+              <a:rPr lang="en-US" smtClean="0"/>
+              <a:t>Second level</a:t>
+            </a:r>
+          </a:p>
+          <a:p>
+            <a:pPr lvl="2"/>
+            <a:r>
+              <a:rPr lang="en-US" smtClean="0"/>
+              <a:t>Third level</a:t>
+            </a:r>
+          </a:p>
+          <a:p>
+            <a:pPr lvl="3"/>
+            <a:r>
+              <a:rPr lang="en-US" smtClean="0"/>
+              <a:t>Fourth level</a:t>
+            </a:r>
+          </a:p>
+          <a:p>
+            <a:pPr lvl="4"/>
+            <a:r>
+              <a:rPr lang="en-US" smtClean="0"/>
+              <a:t>Fifth level</a:t>
+            </a:r>
+            <a:endParaRPr lang="en-US" dirty="0"/>
+          </a:p>
+        </p:txBody>
+      </p:sp>
+      <p:sp>
+        <p:nvSpPr>
+          <p:cNvPr id="4" name="Text Placeholder 3"/>
+          <p:cNvSpPr>
+            <a:spLocks noGrp="1"/>
+          </p:cNvSpPr>
+          <p:nvPr>
+            <p:ph type="body" sz="half" idx="2"/>
+          </p:nvPr>
+        </p:nvSpPr>
+        <p:spPr>
+          <a:xfrm>
+            <a:off x="917228" y="2971800"/>
+            <a:ext cx="3932237" cy="2819399"/>
+          </a:xfrm>
+        </p:spPr>
+        <p:txBody>
           <a:bodyPr/>
           <a:lstStyle>
-            <a:lvl1pPr>
-              <a:defRPr sz="3200"/>
-            </a:lvl1pPr>
-            <a:lvl2pPr>
-              <a:defRPr sz="2800"/>
-            </a:lvl2pPr>
-            <a:lvl3pPr>
-              <a:defRPr sz="2400"/>
-            </a:lvl3pPr>
-            <a:lvl4pPr>
-              <a:defRPr sz="2000"/>
-            </a:lvl4pPr>
-            <a:lvl5pPr>
-              <a:defRPr sz="2000"/>
-            </a:lvl5pPr>
-            <a:lvl6pPr>
-              <a:defRPr sz="2000"/>
-            </a:lvl6pPr>
-            <a:lvl7pPr>
-              <a:defRPr sz="2000"/>
-            </a:lvl7pPr>
-            <a:lvl8pPr>
-              <a:defRPr sz="2000"/>
-            </a:lvl8pPr>
-            <a:lvl9pPr>
-              <a:defRPr sz="2000"/>
-            </a:lvl9pPr>
-          </a:lstStyle>
-          <a:p>
-            <a:pPr lvl="0"/>
-            <a:r>
-              <a:rPr lang="en-US" smtClean="0"/>
-              <a:t>Click to edit Master text styles</a:t>
-            </a:r>
-          </a:p>
-          <a:p>
-            <a:pPr lvl="1"/>
-            <a:r>
-              <a:rPr lang="en-US" smtClean="0"/>
-              <a:t>Second level</a:t>
-            </a:r>
-          </a:p>
-          <a:p>
-            <a:pPr lvl="2"/>
-            <a:r>
-              <a:rPr lang="en-US" smtClean="0"/>
-              <a:t>Third level</a:t>
-            </a:r>
-          </a:p>
-          <a:p>
-            <a:pPr lvl="3"/>
-            <a:r>
-              <a:rPr lang="en-US" smtClean="0"/>
-              <a:t>Fourth level</a:t>
-            </a:r>
-          </a:p>
-          <a:p>
-            <a:pPr lvl="4"/>
-            <a:r>
-              <a:rPr lang="en-US" smtClean="0"/>
-              <a:t>Fifth level</a:t>
-            </a:r>
-            <a:endParaRPr lang="en-US"/>
-          </a:p>
-        </p:txBody>
-      </p:sp>
-      <p:sp>
-        <p:nvSpPr>
-          <p:cNvPr id="4" name="Text Placeholder 3"/>
-          <p:cNvSpPr>
-            <a:spLocks noGrp="1"/>
-          </p:cNvSpPr>
-          <p:nvPr>
-            <p:ph type="body" sz="half" idx="2"/>
-          </p:nvPr>
-        </p:nvSpPr>
-        <p:spPr>
-          <a:xfrm>
-            <a:off x="839788" y="2057400"/>
-            <a:ext cx="3932237" cy="3811588"/>
-          </a:xfrm>
-        </p:spPr>
-        <p:txBody>
-          <a:bodyPr/>
-          <a:lstStyle>
-            <a:lvl1pPr marL="0" indent="0">
+            <a:lvl1pPr marL="0" indent="0" algn="ctr">
               <a:buNone/>
               <a:defRPr sz="1600"/>
             </a:lvl1pPr>
@@ -2100,7 +4648,7 @@
           <a:p>
             <a:fld id="{AA7BB193-768F-4CA7-B187-2D2BE19D21C3}" type="datetimeFigureOut">
               <a:rPr lang="en-US" smtClean="0"/>
-              <a:t>12/13/2016</a:t>
+              <a:t>12/20/2016</a:t>
             </a:fld>
             <a:endParaRPr lang="en-US"/>
           </a:p>
@@ -2151,7 +4699,7 @@
     </p:spTree>
     <p:extLst>
       <p:ext uri="{BB962C8B-B14F-4D97-AF65-F5344CB8AC3E}">
-        <p14:creationId xmlns:p14="http://schemas.microsoft.com/office/powerpoint/2010/main" val="2246508918"/>
+        <p14:creationId xmlns:p14="http://schemas.microsoft.com/office/powerpoint/2010/main" val="966066833"/>
       </p:ext>
     </p:extLst>
   </p:cSld>
@@ -2190,12 +4738,14 @@
         </p:nvSpPr>
         <p:spPr>
           <a:xfrm>
-            <a:off x="839788" y="457200"/>
-            <a:ext cx="3932237" cy="1600200"/>
+            <a:off x="917227" y="609600"/>
+            <a:ext cx="5929773" cy="2362200"/>
           </a:xfrm>
         </p:spPr>
         <p:txBody>
-          <a:bodyPr anchor="b"/>
+          <a:bodyPr anchor="b">
+            <a:normAutofit/>
+          </a:bodyPr>
           <a:lstStyle>
             <a:lvl1pPr>
               <a:defRPr sz="3200"/>
@@ -2206,7 +4756,7 @@
               <a:rPr lang="en-US" smtClean="0"/>
               <a:t>Click to edit Master title style</a:t>
             </a:r>
-            <a:endParaRPr lang="en-US"/>
+            <a:endParaRPr lang="en-US" dirty="0"/>
           </a:p>
         </p:txBody>
       </p:sp>
@@ -2214,7 +4764,7 @@
         <p:nvSpPr>
           <p:cNvPr id="3" name="Picture Placeholder 2"/>
           <p:cNvSpPr>
-            <a:spLocks noGrp="1"/>
+            <a:spLocks noGrp="1" noChangeAspect="1"/>
           </p:cNvSpPr>
           <p:nvPr>
             <p:ph type="pic" idx="1"/>
@@ -2222,14 +4772,40 @@
         </p:nvSpPr>
         <p:spPr>
           <a:xfrm>
-            <a:off x="5183188" y="987425"/>
-            <a:ext cx="6172200" cy="4873625"/>
+            <a:off x="7424804" y="758881"/>
+            <a:ext cx="3255356" cy="4883038"/>
           </a:xfrm>
+          <a:noFill/>
+          <a:ln w="190500" cap="sq">
+            <a:solidFill>
+              <a:srgbClr val="FFFFFF"/>
+            </a:solidFill>
+            <a:miter lim="800000"/>
+          </a:ln>
+          <a:effectLst>
+            <a:outerShdw blurRad="55000" dist="18000" dir="5400000" algn="tl" rotWithShape="0">
+              <a:srgbClr val="000000">
+                <a:alpha val="40000"/>
+              </a:srgbClr>
+            </a:outerShdw>
+          </a:effectLst>
+          <a:scene3d>
+            <a:camera prst="orthographicFront"/>
+            <a:lightRig rig="twoPt" dir="t">
+              <a:rot lat="0" lon="0" rev="7200000"/>
+            </a:lightRig>
+          </a:scene3d>
+          <a:sp3d>
+            <a:bevelT w="25400" h="19050"/>
+            <a:contourClr>
+              <a:srgbClr val="FFFFFF"/>
+            </a:contourClr>
+          </a:sp3d>
         </p:spPr>
         <p:txBody>
-          <a:bodyPr/>
+          <a:bodyPr anchor="t"/>
           <a:lstStyle>
-            <a:lvl1pPr marL="0" indent="0">
+            <a:lvl1pPr marL="0" indent="0" algn="ctr">
               <a:buNone/>
               <a:defRPr sz="3200"/>
             </a:lvl1pPr>
@@ -2267,7 +4843,11 @@
             </a:lvl9pPr>
           </a:lstStyle>
           <a:p>
-            <a:endParaRPr lang="en-US"/>
+            <a:r>
+              <a:rPr lang="en-US" smtClean="0"/>
+              <a:t>Click icon to add picture</a:t>
+            </a:r>
+            <a:endParaRPr lang="en-US" dirty="0"/>
           </a:p>
         </p:txBody>
       </p:sp>
@@ -2283,16 +4863,18 @@
         </p:nvSpPr>
         <p:spPr>
           <a:xfrm>
-            <a:off x="839788" y="2057400"/>
-            <a:ext cx="3932237" cy="3811588"/>
+            <a:off x="913794" y="2971800"/>
+            <a:ext cx="5934950" cy="2819400"/>
           </a:xfrm>
         </p:spPr>
         <p:txBody>
-          <a:bodyPr/>
+          <a:bodyPr>
+            <a:normAutofit/>
+          </a:bodyPr>
           <a:lstStyle>
-            <a:lvl1pPr marL="0" indent="0">
-              <a:buNone/>
-              <a:defRPr sz="1600"/>
+            <a:lvl1pPr marL="0" indent="0" algn="ctr">
+              <a:buNone/>
+              <a:defRPr sz="1800"/>
             </a:lvl1pPr>
             <a:lvl2pPr marL="457200" indent="0">
               <a:buNone/>
@@ -2353,7 +4935,7 @@
           <a:p>
             <a:fld id="{AA7BB193-768F-4CA7-B187-2D2BE19D21C3}" type="datetimeFigureOut">
               <a:rPr lang="en-US" smtClean="0"/>
-              <a:t>12/13/2016</a:t>
+              <a:t>12/20/2016</a:t>
             </a:fld>
             <a:endParaRPr lang="en-US"/>
           </a:p>
@@ -2404,7 +4986,7 @@
     </p:spTree>
     <p:extLst>
       <p:ext uri="{BB962C8B-B14F-4D97-AF65-F5344CB8AC3E}">
-        <p14:creationId xmlns:p14="http://schemas.microsoft.com/office/powerpoint/2010/main" val="1221707907"/>
+        <p14:creationId xmlns:p14="http://schemas.microsoft.com/office/powerpoint/2010/main" val="151485226"/>
       </p:ext>
     </p:extLst>
   </p:cSld>
@@ -2418,8 +5000,8 @@
 <p:sldMaster xmlns:a="http://schemas.openxmlformats.org/drawingml/2006/main" xmlns:r="http://schemas.openxmlformats.org/officeDocument/2006/relationships" xmlns:p="http://schemas.openxmlformats.org/presentationml/2006/main">
   <p:cSld>
     <p:bg>
-      <p:bgRef idx="1001">
-        <a:schemeClr val="bg1"/>
+      <p:bgRef idx="1003">
+        <a:schemeClr val="bg2"/>
       </p:bgRef>
     </p:bg>
     <p:spTree>
@@ -2448,8 +5030,8 @@
         </p:nvSpPr>
         <p:spPr>
           <a:xfrm>
-            <a:off x="838200" y="365125"/>
-            <a:ext cx="10515600" cy="1325563"/>
+            <a:off x="913795" y="609600"/>
+            <a:ext cx="10353761" cy="1326321"/>
           </a:xfrm>
           <a:prstGeom prst="rect">
             <a:avLst/>
@@ -2465,7 +5047,7 @@
               <a:rPr lang="en-US" smtClean="0"/>
               <a:t>Click to edit Master title style</a:t>
             </a:r>
-            <a:endParaRPr lang="en-US"/>
+            <a:endParaRPr lang="en-US" dirty="0"/>
           </a:p>
         </p:txBody>
       </p:sp>
@@ -2481,8 +5063,8 @@
         </p:nvSpPr>
         <p:spPr>
           <a:xfrm>
-            <a:off x="838200" y="1825625"/>
-            <a:ext cx="10515600" cy="4351338"/>
+            <a:off x="913795" y="2096064"/>
+            <a:ext cx="10353762" cy="3695136"/>
           </a:xfrm>
           <a:prstGeom prst="rect">
             <a:avLst/>
@@ -2527,7 +5109,7 @@
               <a:rPr lang="en-US" smtClean="0"/>
               <a:t>Fifth level</a:t>
             </a:r>
-            <a:endParaRPr lang="en-US"/>
+            <a:endParaRPr lang="en-US" dirty="0"/>
           </a:p>
         </p:txBody>
       </p:sp>
@@ -2543,7 +5125,7 @@
         </p:nvSpPr>
         <p:spPr>
           <a:xfrm>
-            <a:off x="838200" y="6356350"/>
+            <a:off x="7678736" y="5883275"/>
             <a:ext cx="2743200" cy="365125"/>
           </a:xfrm>
           <a:prstGeom prst="rect">
@@ -2553,8 +5135,8 @@
         <p:txBody>
           <a:bodyPr vert="horz" lIns="91440" tIns="45720" rIns="91440" bIns="45720" rtlCol="0" anchor="ctr"/>
           <a:lstStyle>
-            <a:lvl1pPr algn="l">
-              <a:defRPr sz="1200">
+            <a:lvl1pPr algn="r">
+              <a:defRPr sz="1000">
                 <a:solidFill>
                   <a:schemeClr val="tx1">
                     <a:tint val="75000"/>
@@ -2566,7 +5148,7 @@
           <a:p>
             <a:fld id="{AA7BB193-768F-4CA7-B187-2D2BE19D21C3}" type="datetimeFigureOut">
               <a:rPr lang="en-US" smtClean="0"/>
-              <a:t>12/13/2016</a:t>
+              <a:t>12/20/2016</a:t>
             </a:fld>
             <a:endParaRPr lang="en-US"/>
           </a:p>
@@ -2584,8 +5166,8 @@
         </p:nvSpPr>
         <p:spPr>
           <a:xfrm>
-            <a:off x="4038600" y="6356350"/>
-            <a:ext cx="4114800" cy="365125"/>
+            <a:off x="913794" y="5883275"/>
+            <a:ext cx="6672865" cy="365125"/>
           </a:xfrm>
           <a:prstGeom prst="rect">
             <a:avLst/>
@@ -2594,8 +5176,8 @@
         <p:txBody>
           <a:bodyPr vert="horz" lIns="91440" tIns="45720" rIns="91440" bIns="45720" rtlCol="0" anchor="ctr"/>
           <a:lstStyle>
-            <a:lvl1pPr algn="ctr">
-              <a:defRPr sz="1200">
+            <a:lvl1pPr algn="l">
+              <a:defRPr sz="1000">
                 <a:solidFill>
                   <a:schemeClr val="tx1">
                     <a:tint val="75000"/>
@@ -2621,8 +5203,8 @@
         </p:nvSpPr>
         <p:spPr>
           <a:xfrm>
-            <a:off x="8610600" y="6356350"/>
-            <a:ext cx="2743200" cy="365125"/>
+            <a:off x="10514011" y="5883275"/>
+            <a:ext cx="753545" cy="365125"/>
           </a:xfrm>
           <a:prstGeom prst="rect">
             <a:avLst/>
@@ -2632,7 +5214,7 @@
           <a:bodyPr vert="horz" lIns="91440" tIns="45720" rIns="91440" bIns="45720" rtlCol="0" anchor="ctr"/>
           <a:lstStyle>
             <a:lvl1pPr algn="r">
-              <a:defRPr sz="1200">
+              <a:defRPr sz="1000">
                 <a:solidFill>
                   <a:schemeClr val="tx1">
                     <a:tint val="75000"/>
@@ -2653,27 +5235,33 @@
     </p:spTree>
     <p:extLst>
       <p:ext uri="{BB962C8B-B14F-4D97-AF65-F5344CB8AC3E}">
-        <p14:creationId xmlns:p14="http://schemas.microsoft.com/office/powerpoint/2010/main" val="1481041816"/>
+        <p14:creationId xmlns:p14="http://schemas.microsoft.com/office/powerpoint/2010/main" val="1465200737"/>
       </p:ext>
     </p:extLst>
   </p:cSld>
-  <p:clrMap bg1="lt1" tx1="dk1" bg2="lt2" tx2="dk2" accent1="accent1" accent2="accent2" accent3="accent3" accent4="accent4" accent5="accent5" accent6="accent6" hlink="hlink" folHlink="folHlink"/>
+  <p:clrMap bg1="dk1" tx1="lt1" bg2="dk2" tx2="lt2" accent1="accent1" accent2="accent2" accent3="accent3" accent4="accent4" accent5="accent5" accent6="accent6" hlink="hlink" folHlink="folHlink"/>
   <p:sldLayoutIdLst>
-    <p:sldLayoutId id="2147483649" r:id="rId1"/>
-    <p:sldLayoutId id="2147483650" r:id="rId2"/>
-    <p:sldLayoutId id="2147483651" r:id="rId3"/>
-    <p:sldLayoutId id="2147483652" r:id="rId4"/>
-    <p:sldLayoutId id="2147483653" r:id="rId5"/>
-    <p:sldLayoutId id="2147483654" r:id="rId6"/>
-    <p:sldLayoutId id="2147483655" r:id="rId7"/>
-    <p:sldLayoutId id="2147483656" r:id="rId8"/>
-    <p:sldLayoutId id="2147483657" r:id="rId9"/>
-    <p:sldLayoutId id="2147483658" r:id="rId10"/>
-    <p:sldLayoutId id="2147483659" r:id="rId11"/>
+    <p:sldLayoutId id="2147483733" r:id="rId1"/>
+    <p:sldLayoutId id="2147483734" r:id="rId2"/>
+    <p:sldLayoutId id="2147483735" r:id="rId3"/>
+    <p:sldLayoutId id="2147483736" r:id="rId4"/>
+    <p:sldLayoutId id="2147483737" r:id="rId5"/>
+    <p:sldLayoutId id="2147483738" r:id="rId6"/>
+    <p:sldLayoutId id="2147483739" r:id="rId7"/>
+    <p:sldLayoutId id="2147483740" r:id="rId8"/>
+    <p:sldLayoutId id="2147483741" r:id="rId9"/>
+    <p:sldLayoutId id="2147483742" r:id="rId10"/>
+    <p:sldLayoutId id="2147483743" r:id="rId11"/>
+    <p:sldLayoutId id="2147483744" r:id="rId12"/>
+    <p:sldLayoutId id="2147483745" r:id="rId13"/>
+    <p:sldLayoutId id="2147483746" r:id="rId14"/>
+    <p:sldLayoutId id="2147483747" r:id="rId15"/>
+    <p:sldLayoutId id="2147483748" r:id="rId16"/>
+    <p:sldLayoutId id="2147483749" r:id="rId17"/>
   </p:sldLayoutIdLst>
   <p:txStyles>
     <p:titleStyle>
-      <a:lvl1pPr algn="l" defTabSz="914400" rtl="0" eaLnBrk="1" latinLnBrk="0" hangingPunct="1">
+      <a:lvl1pPr algn="ctr" defTabSz="914400" rtl="0" eaLnBrk="1" latinLnBrk="0" hangingPunct="1">
         <a:lnSpc>
           <a:spcPct val="90000"/>
         </a:lnSpc>
@@ -2681,10 +5269,17 @@
           <a:spcPct val="0"/>
         </a:spcBef>
         <a:buNone/>
-        <a:defRPr sz="4400" kern="1200">
+        <a:defRPr sz="3400" b="1" i="0" kern="1200" cap="all">
           <a:solidFill>
             <a:schemeClr val="tx1"/>
           </a:solidFill>
+          <a:effectLst>
+            <a:outerShdw blurRad="50800" dist="63500" dir="2700000" algn="tl" rotWithShape="0">
+              <a:srgbClr val="000000">
+                <a:alpha val="48000"/>
+              </a:srgbClr>
+            </a:outerShdw>
+          </a:effectLst>
           <a:latin typeface="+mj-lt"/>
           <a:ea typeface="+mj-ea"/>
           <a:cs typeface="+mj-cs"/>
@@ -2694,17 +5289,24 @@
     <p:bodyStyle>
       <a:lvl1pPr marL="228600" indent="-228600" algn="l" defTabSz="914400" rtl="0" eaLnBrk="1" latinLnBrk="0" hangingPunct="1">
         <a:lnSpc>
-          <a:spcPct val="90000"/>
+          <a:spcPct val="120000"/>
         </a:lnSpc>
         <a:spcBef>
           <a:spcPts val="1000"/>
         </a:spcBef>
         <a:buFont typeface="Arial" panose="020B0604020202020204" pitchFamily="34" charset="0"/>
         <a:buChar char="•"/>
-        <a:defRPr sz="2800" kern="1200">
+        <a:defRPr sz="2000" kern="1200">
           <a:solidFill>
             <a:schemeClr val="tx1"/>
           </a:solidFill>
+          <a:effectLst>
+            <a:outerShdw blurRad="50800" dist="38100" dir="2700000" algn="tl" rotWithShape="0">
+              <a:srgbClr val="000000">
+                <a:alpha val="48000"/>
+              </a:srgbClr>
+            </a:outerShdw>
+          </a:effectLst>
           <a:latin typeface="+mn-lt"/>
           <a:ea typeface="+mn-ea"/>
           <a:cs typeface="+mn-cs"/>
@@ -2712,43 +5314,7 @@
       </a:lvl1pPr>
       <a:lvl2pPr marL="685800" indent="-228600" algn="l" defTabSz="914400" rtl="0" eaLnBrk="1" latinLnBrk="0" hangingPunct="1">
         <a:lnSpc>
-          <a:spcPct val="90000"/>
-        </a:lnSpc>
-        <a:spcBef>
-          <a:spcPts val="500"/>
-        </a:spcBef>
-        <a:buFont typeface="Arial" panose="020B0604020202020204" pitchFamily="34" charset="0"/>
-        <a:buChar char="•"/>
-        <a:defRPr sz="2400" kern="1200">
-          <a:solidFill>
-            <a:schemeClr val="tx1"/>
-          </a:solidFill>
-          <a:latin typeface="+mn-lt"/>
-          <a:ea typeface="+mn-ea"/>
-          <a:cs typeface="+mn-cs"/>
-        </a:defRPr>
-      </a:lvl2pPr>
-      <a:lvl3pPr marL="1143000" indent="-228600" algn="l" defTabSz="914400" rtl="0" eaLnBrk="1" latinLnBrk="0" hangingPunct="1">
-        <a:lnSpc>
-          <a:spcPct val="90000"/>
-        </a:lnSpc>
-        <a:spcBef>
-          <a:spcPts val="500"/>
-        </a:spcBef>
-        <a:buFont typeface="Arial" panose="020B0604020202020204" pitchFamily="34" charset="0"/>
-        <a:buChar char="•"/>
-        <a:defRPr sz="2000" kern="1200">
-          <a:solidFill>
-            <a:schemeClr val="tx1"/>
-          </a:solidFill>
-          <a:latin typeface="+mn-lt"/>
-          <a:ea typeface="+mn-ea"/>
-          <a:cs typeface="+mn-cs"/>
-        </a:defRPr>
-      </a:lvl3pPr>
-      <a:lvl4pPr marL="1600200" indent="-228600" algn="l" defTabSz="914400" rtl="0" eaLnBrk="1" latinLnBrk="0" hangingPunct="1">
-        <a:lnSpc>
-          <a:spcPct val="90000"/>
+          <a:spcPct val="120000"/>
         </a:lnSpc>
         <a:spcBef>
           <a:spcPts val="500"/>
@@ -2759,6 +5325,63 @@
           <a:solidFill>
             <a:schemeClr val="tx1"/>
           </a:solidFill>
+          <a:effectLst>
+            <a:outerShdw blurRad="50800" dist="38100" dir="2700000" algn="tl" rotWithShape="0">
+              <a:srgbClr val="000000">
+                <a:alpha val="48000"/>
+              </a:srgbClr>
+            </a:outerShdw>
+          </a:effectLst>
+          <a:latin typeface="+mn-lt"/>
+          <a:ea typeface="+mn-ea"/>
+          <a:cs typeface="+mn-cs"/>
+        </a:defRPr>
+      </a:lvl2pPr>
+      <a:lvl3pPr marL="1143000" indent="-228600" algn="l" defTabSz="914400" rtl="0" eaLnBrk="1" latinLnBrk="0" hangingPunct="1">
+        <a:lnSpc>
+          <a:spcPct val="120000"/>
+        </a:lnSpc>
+        <a:spcBef>
+          <a:spcPts val="500"/>
+        </a:spcBef>
+        <a:buFont typeface="Arial" panose="020B0604020202020204" pitchFamily="34" charset="0"/>
+        <a:buChar char="•"/>
+        <a:defRPr sz="1600" kern="1200">
+          <a:solidFill>
+            <a:schemeClr val="tx1"/>
+          </a:solidFill>
+          <a:effectLst>
+            <a:outerShdw blurRad="50800" dist="38100" dir="2700000" algn="tl" rotWithShape="0">
+              <a:srgbClr val="000000">
+                <a:alpha val="48000"/>
+              </a:srgbClr>
+            </a:outerShdw>
+          </a:effectLst>
+          <a:latin typeface="+mn-lt"/>
+          <a:ea typeface="+mn-ea"/>
+          <a:cs typeface="+mn-cs"/>
+        </a:defRPr>
+      </a:lvl3pPr>
+      <a:lvl4pPr marL="1600200" indent="-228600" algn="l" defTabSz="914400" rtl="0" eaLnBrk="1" latinLnBrk="0" hangingPunct="1">
+        <a:lnSpc>
+          <a:spcPct val="120000"/>
+        </a:lnSpc>
+        <a:spcBef>
+          <a:spcPts val="500"/>
+        </a:spcBef>
+        <a:buFont typeface="Arial" panose="020B0604020202020204" pitchFamily="34" charset="0"/>
+        <a:buChar char="•"/>
+        <a:defRPr sz="1400" kern="1200">
+          <a:solidFill>
+            <a:schemeClr val="tx1"/>
+          </a:solidFill>
+          <a:effectLst>
+            <a:outerShdw blurRad="50800" dist="38100" dir="2700000" algn="tl" rotWithShape="0">
+              <a:srgbClr val="000000">
+                <a:alpha val="48000"/>
+              </a:srgbClr>
+            </a:outerShdw>
+          </a:effectLst>
           <a:latin typeface="+mn-lt"/>
           <a:ea typeface="+mn-ea"/>
           <a:cs typeface="+mn-cs"/>
@@ -2766,17 +5389,24 @@
       </a:lvl4pPr>
       <a:lvl5pPr marL="2057400" indent="-228600" algn="l" defTabSz="914400" rtl="0" eaLnBrk="1" latinLnBrk="0" hangingPunct="1">
         <a:lnSpc>
-          <a:spcPct val="90000"/>
+          <a:spcPct val="120000"/>
         </a:lnSpc>
         <a:spcBef>
           <a:spcPts val="500"/>
         </a:spcBef>
         <a:buFont typeface="Arial" panose="020B0604020202020204" pitchFamily="34" charset="0"/>
         <a:buChar char="•"/>
-        <a:defRPr sz="1800" kern="1200">
+        <a:defRPr sz="1200" kern="1200">
           <a:solidFill>
             <a:schemeClr val="tx1"/>
           </a:solidFill>
+          <a:effectLst>
+            <a:outerShdw blurRad="50800" dist="38100" dir="2700000" algn="tl" rotWithShape="0">
+              <a:srgbClr val="000000">
+                <a:alpha val="48000"/>
+              </a:srgbClr>
+            </a:outerShdw>
+          </a:effectLst>
           <a:latin typeface="+mn-lt"/>
           <a:ea typeface="+mn-ea"/>
           <a:cs typeface="+mn-cs"/>
@@ -2784,17 +5414,24 @@
       </a:lvl5pPr>
       <a:lvl6pPr marL="2514600" indent="-228600" algn="l" defTabSz="914400" rtl="0" eaLnBrk="1" latinLnBrk="0" hangingPunct="1">
         <a:lnSpc>
-          <a:spcPct val="90000"/>
+          <a:spcPct val="120000"/>
         </a:lnSpc>
         <a:spcBef>
           <a:spcPts val="500"/>
         </a:spcBef>
         <a:buFont typeface="Arial" panose="020B0604020202020204" pitchFamily="34" charset="0"/>
         <a:buChar char="•"/>
-        <a:defRPr sz="1800" kern="1200">
+        <a:defRPr sz="1200" kern="1200">
           <a:solidFill>
             <a:schemeClr val="tx1"/>
           </a:solidFill>
+          <a:effectLst>
+            <a:outerShdw blurRad="50800" dist="38100" dir="2700000" algn="tl" rotWithShape="0">
+              <a:srgbClr val="000000">
+                <a:alpha val="48000"/>
+              </a:srgbClr>
+            </a:outerShdw>
+          </a:effectLst>
           <a:latin typeface="+mn-lt"/>
           <a:ea typeface="+mn-ea"/>
           <a:cs typeface="+mn-cs"/>
@@ -2802,17 +5439,24 @@
       </a:lvl6pPr>
       <a:lvl7pPr marL="2971800" indent="-228600" algn="l" defTabSz="914400" rtl="0" eaLnBrk="1" latinLnBrk="0" hangingPunct="1">
         <a:lnSpc>
-          <a:spcPct val="90000"/>
+          <a:spcPct val="120000"/>
         </a:lnSpc>
         <a:spcBef>
           <a:spcPts val="500"/>
         </a:spcBef>
         <a:buFont typeface="Arial" panose="020B0604020202020204" pitchFamily="34" charset="0"/>
         <a:buChar char="•"/>
-        <a:defRPr sz="1800" kern="1200">
+        <a:defRPr sz="1200" kern="1200">
           <a:solidFill>
             <a:schemeClr val="tx1"/>
           </a:solidFill>
+          <a:effectLst>
+            <a:outerShdw blurRad="50800" dist="38100" dir="2700000" algn="tl" rotWithShape="0">
+              <a:srgbClr val="000000">
+                <a:alpha val="48000"/>
+              </a:srgbClr>
+            </a:outerShdw>
+          </a:effectLst>
           <a:latin typeface="+mn-lt"/>
           <a:ea typeface="+mn-ea"/>
           <a:cs typeface="+mn-cs"/>
@@ -2820,17 +5464,24 @@
       </a:lvl7pPr>
       <a:lvl8pPr marL="3429000" indent="-228600" algn="l" defTabSz="914400" rtl="0" eaLnBrk="1" latinLnBrk="0" hangingPunct="1">
         <a:lnSpc>
-          <a:spcPct val="90000"/>
+          <a:spcPct val="120000"/>
         </a:lnSpc>
         <a:spcBef>
           <a:spcPts val="500"/>
         </a:spcBef>
         <a:buFont typeface="Arial" panose="020B0604020202020204" pitchFamily="34" charset="0"/>
         <a:buChar char="•"/>
-        <a:defRPr sz="1800" kern="1200">
+        <a:defRPr sz="1200" kern="1200">
           <a:solidFill>
             <a:schemeClr val="tx1"/>
           </a:solidFill>
+          <a:effectLst>
+            <a:outerShdw blurRad="50800" dist="38100" dir="2700000" algn="tl" rotWithShape="0">
+              <a:srgbClr val="000000">
+                <a:alpha val="48000"/>
+              </a:srgbClr>
+            </a:outerShdw>
+          </a:effectLst>
           <a:latin typeface="+mn-lt"/>
           <a:ea typeface="+mn-ea"/>
           <a:cs typeface="+mn-cs"/>
@@ -2838,17 +5489,24 @@
       </a:lvl8pPr>
       <a:lvl9pPr marL="3886200" indent="-228600" algn="l" defTabSz="914400" rtl="0" eaLnBrk="1" latinLnBrk="0" hangingPunct="1">
         <a:lnSpc>
-          <a:spcPct val="90000"/>
+          <a:spcPct val="120000"/>
         </a:lnSpc>
         <a:spcBef>
           <a:spcPts val="500"/>
         </a:spcBef>
         <a:buFont typeface="Arial" panose="020B0604020202020204" pitchFamily="34" charset="0"/>
         <a:buChar char="•"/>
-        <a:defRPr sz="1800" kern="1200">
+        <a:defRPr sz="1200" kern="1200">
           <a:solidFill>
             <a:schemeClr val="tx1"/>
           </a:solidFill>
+          <a:effectLst>
+            <a:outerShdw blurRad="50800" dist="38100" dir="2700000" algn="tl" rotWithShape="0">
+              <a:srgbClr val="000000">
+                <a:alpha val="48000"/>
+              </a:srgbClr>
+            </a:outerShdw>
+          </a:effectLst>
           <a:latin typeface="+mn-lt"/>
           <a:ea typeface="+mn-ea"/>
           <a:cs typeface="+mn-cs"/>
@@ -2981,41 +5639,38 @@
             <p:ph type="ctrTitle"/>
           </p:nvPr>
         </p:nvSpPr>
+        <p:spPr>
+          <a:xfrm>
+            <a:off x="1595269" y="1818290"/>
+            <a:ext cx="9001462" cy="808804"/>
+          </a:xfrm>
+        </p:spPr>
+        <p:txBody>
+          <a:bodyPr/>
+          <a:lstStyle/>
+          <a:p>
+            <a:r>
+              <a:rPr lang="en-US" dirty="0" smtClean="0"/>
+              <a:t>CNMS Advising Website</a:t>
+            </a:r>
+            <a:endParaRPr lang="en-US" dirty="0"/>
+          </a:p>
+        </p:txBody>
+      </p:sp>
+      <p:sp>
+        <p:nvSpPr>
+          <p:cNvPr id="3" name="Subtitle 2"/>
+          <p:cNvSpPr>
+            <a:spLocks noGrp="1"/>
+          </p:cNvSpPr>
+          <p:nvPr>
+            <p:ph type="subTitle" idx="1"/>
+          </p:nvPr>
+        </p:nvSpPr>
         <p:spPr/>
         <p:txBody>
-          <a:bodyPr/>
-          <a:lstStyle/>
-          <a:p>
-            <a:r>
-              <a:rPr lang="en-US" dirty="0" smtClean="0"/>
-              <a:t>[</a:t>
-            </a:r>
-            <a:r>
-              <a:rPr lang="en-US" dirty="0" err="1" smtClean="0"/>
-              <a:t>Proj</a:t>
-            </a:r>
-            <a:r>
-              <a:rPr lang="en-US" dirty="0" smtClean="0"/>
-              <a:t> name]</a:t>
-            </a:r>
-            <a:endParaRPr lang="en-US" dirty="0"/>
-          </a:p>
-        </p:txBody>
-      </p:sp>
-      <p:sp>
-        <p:nvSpPr>
-          <p:cNvPr id="3" name="Subtitle 2"/>
-          <p:cNvSpPr>
-            <a:spLocks noGrp="1"/>
-          </p:cNvSpPr>
-          <p:nvPr>
-            <p:ph type="subTitle" idx="1"/>
-          </p:nvPr>
-        </p:nvSpPr>
-        <p:spPr/>
-        <p:txBody>
           <a:bodyPr>
-            <a:normAutofit fontScale="77500" lnSpcReduction="20000"/>
+            <a:normAutofit fontScale="55000" lnSpcReduction="20000"/>
           </a:bodyPr>
           <a:lstStyle/>
           <a:p>
@@ -3076,6 +5731,25 @@
   <p:clrMapOvr>
     <a:masterClrMapping/>
   </p:clrMapOvr>
+  <mc:AlternateContent xmlns:mc="http://schemas.openxmlformats.org/markup-compatibility/2006">
+    <mc:Choice xmlns:p14="http://schemas.microsoft.com/office/powerpoint/2010/main" Requires="p14">
+      <p:transition spd="slow" p14:dur="3400">
+        <p14:reveal/>
+      </p:transition>
+    </mc:Choice>
+    <mc:Fallback>
+      <p:transition spd="slow">
+        <p:fade/>
+      </p:transition>
+    </mc:Fallback>
+  </mc:AlternateContent>
+  <p:timing>
+    <p:tnLst>
+      <p:par>
+        <p:cTn id="1" dur="indefinite" restart="never" nodeType="tmRoot"/>
+      </p:par>
+    </p:tnLst>
+  </p:timing>
 </p:sld>
 </file>
 
@@ -3134,7 +5808,48 @@
           <a:bodyPr/>
           <a:lstStyle/>
           <a:p>
-            <a:endParaRPr lang="en-US"/>
+            <a:r>
+              <a:rPr lang="en-US" dirty="0"/>
+              <a:t>Use Cases</a:t>
+            </a:r>
+          </a:p>
+          <a:p>
+            <a:r>
+              <a:rPr lang="en-US" dirty="0" smtClean="0"/>
+              <a:t>Improvements</a:t>
+            </a:r>
+            <a:endParaRPr lang="en-US" dirty="0"/>
+          </a:p>
+          <a:p>
+            <a:pPr lvl="1"/>
+            <a:r>
+              <a:rPr lang="en-US" dirty="0" smtClean="0"/>
+              <a:t>On the Advisor Side</a:t>
+            </a:r>
+            <a:endParaRPr lang="en-US" dirty="0"/>
+          </a:p>
+          <a:p>
+            <a:pPr lvl="1"/>
+            <a:r>
+              <a:rPr lang="en-US" dirty="0" smtClean="0"/>
+              <a:t>On the Student Side</a:t>
+            </a:r>
+          </a:p>
+          <a:p>
+            <a:r>
+              <a:rPr lang="en-US" dirty="0" smtClean="0"/>
+              <a:t>Live Demos</a:t>
+            </a:r>
+            <a:endParaRPr lang="en-US" dirty="0"/>
+          </a:p>
+          <a:p>
+            <a:r>
+              <a:rPr lang="en-US" dirty="0"/>
+              <a:t>Questions</a:t>
+            </a:r>
+          </a:p>
+          <a:p>
+            <a:endParaRPr lang="en-US" dirty="0"/>
           </a:p>
         </p:txBody>
       </p:sp>
@@ -3148,6 +5863,25 @@
   <p:clrMapOvr>
     <a:masterClrMapping/>
   </p:clrMapOvr>
+  <mc:AlternateContent xmlns:mc="http://schemas.openxmlformats.org/markup-compatibility/2006">
+    <mc:Choice xmlns:p14="http://schemas.microsoft.com/office/powerpoint/2010/main" Requires="p14">
+      <p:transition spd="slow" p14:dur="3400">
+        <p14:reveal/>
+      </p:transition>
+    </mc:Choice>
+    <mc:Fallback>
+      <p:transition spd="slow">
+        <p:fade/>
+      </p:transition>
+    </mc:Fallback>
+  </mc:AlternateContent>
+  <p:timing>
+    <p:tnLst>
+      <p:par>
+        <p:cTn id="1" dur="indefinite" restart="never" nodeType="tmRoot"/>
+      </p:par>
+    </p:tnLst>
+  </p:timing>
 </p:sld>
 </file>
 
@@ -3168,58 +5902,52 @@
           <a:chExt cx="0" cy="0"/>
         </a:xfrm>
       </p:grpSpPr>
-      <p:sp>
-        <p:nvSpPr>
-          <p:cNvPr id="2" name="Title 1"/>
-          <p:cNvSpPr>
-            <a:spLocks noGrp="1"/>
-          </p:cNvSpPr>
-          <p:nvPr>
-            <p:ph type="title"/>
-          </p:nvPr>
-        </p:nvSpPr>
-        <p:spPr/>
-        <p:txBody>
-          <a:bodyPr/>
-          <a:lstStyle/>
-          <a:p>
-            <a:r>
-              <a:rPr lang="en-US" dirty="0" smtClean="0"/>
-              <a:t>What’s New?</a:t>
-            </a:r>
-            <a:endParaRPr lang="en-US" dirty="0"/>
-          </a:p>
-        </p:txBody>
-      </p:sp>
-      <p:sp>
-        <p:nvSpPr>
-          <p:cNvPr id="3" name="Content Placeholder 2"/>
-          <p:cNvSpPr>
-            <a:spLocks noGrp="1"/>
-          </p:cNvSpPr>
+      <p:pic>
+        <p:nvPicPr>
+          <p:cNvPr id="5" name="Content Placeholder 4"/>
+          <p:cNvPicPr>
+            <a:picLocks noGrp="1" noChangeAspect="1"/>
+          </p:cNvPicPr>
           <p:nvPr>
             <p:ph idx="1"/>
           </p:nvPr>
-        </p:nvSpPr>
-        <p:spPr/>
-        <p:txBody>
-          <a:bodyPr/>
-          <a:lstStyle/>
-          <a:p>
-            <a:endParaRPr lang="en-US"/>
-          </a:p>
-        </p:txBody>
-      </p:sp>
+        </p:nvPicPr>
+        <p:blipFill>
+          <a:blip r:embed="rId2"/>
+          <a:stretch>
+            <a:fillRect/>
+          </a:stretch>
+        </p:blipFill>
+        <p:spPr>
+          <a:xfrm>
+            <a:off x="872359" y="466783"/>
+            <a:ext cx="10552385" cy="5891976"/>
+          </a:xfrm>
+          <a:prstGeom prst="rect">
+            <a:avLst/>
+          </a:prstGeom>
+        </p:spPr>
+      </p:pic>
     </p:spTree>
     <p:extLst>
       <p:ext uri="{BB962C8B-B14F-4D97-AF65-F5344CB8AC3E}">
-        <p14:creationId xmlns:p14="http://schemas.microsoft.com/office/powerpoint/2010/main" val="2227516528"/>
+        <p14:creationId xmlns:p14="http://schemas.microsoft.com/office/powerpoint/2010/main" val="3954254754"/>
       </p:ext>
     </p:extLst>
   </p:cSld>
   <p:clrMapOvr>
     <a:masterClrMapping/>
   </p:clrMapOvr>
+  <p:transition spd="med">
+    <p:pull/>
+  </p:transition>
+  <p:timing>
+    <p:tnLst>
+      <p:par>
+        <p:cTn id="1" dur="indefinite" restart="never" nodeType="tmRoot"/>
+      </p:par>
+    </p:tnLst>
+  </p:timing>
 </p:sld>
 </file>
 
@@ -3257,7 +5985,7 @@
           <a:p>
             <a:r>
               <a:rPr lang="en-US" dirty="0" smtClean="0"/>
-              <a:t>Live Demo: [Topic of First Person]</a:t>
+              <a:t>Improvements on the Advisor Side</a:t>
             </a:r>
             <a:endParaRPr lang="en-US" dirty="0"/>
           </a:p>
@@ -3273,29 +6001,323 @@
             <p:ph idx="1"/>
           </p:nvPr>
         </p:nvSpPr>
-        <p:spPr/>
+        <p:spPr>
+          <a:xfrm>
+            <a:off x="913796" y="2096064"/>
+            <a:ext cx="4225764" cy="3695136"/>
+          </a:xfrm>
+        </p:spPr>
         <p:txBody>
           <a:bodyPr/>
           <a:lstStyle/>
           <a:p>
             <a:r>
               <a:rPr lang="en-US" dirty="0" smtClean="0"/>
-              <a:t>[Things to include in Demo]</a:t>
-            </a:r>
-            <a:endParaRPr lang="en-US" dirty="0"/>
-          </a:p>
-        </p:txBody>
-      </p:sp>
+              <a:t>Printable tables </a:t>
+            </a:r>
+            <a:r>
+              <a:rPr lang="en-US" dirty="0"/>
+              <a:t>for the </a:t>
+            </a:r>
+            <a:r>
+              <a:rPr lang="en-US" dirty="0" smtClean="0"/>
+              <a:t>meetings</a:t>
+            </a:r>
+          </a:p>
+          <a:p>
+            <a:r>
+              <a:rPr lang="en-US" dirty="0">
+                <a:effectLst/>
+              </a:rPr>
+              <a:t>Multiple ways to manage </a:t>
+            </a:r>
+            <a:r>
+              <a:rPr lang="en-US" dirty="0" smtClean="0">
+                <a:effectLst/>
+              </a:rPr>
+              <a:t>appointments</a:t>
+            </a:r>
+          </a:p>
+          <a:p>
+            <a:r>
+              <a:rPr lang="en-US" dirty="0" smtClean="0">
+                <a:effectLst/>
+              </a:rPr>
+              <a:t>Activate/Deactivate </a:t>
+            </a:r>
+            <a:r>
+              <a:rPr lang="en-US" dirty="0">
+                <a:effectLst/>
+              </a:rPr>
+              <a:t>buttons to open/close appointment creation</a:t>
+            </a:r>
+            <a:endParaRPr lang="en-US" dirty="0">
+              <a:effectLst/>
+            </a:endParaRPr>
+          </a:p>
+          <a:p>
+            <a:endParaRPr lang="en-US" dirty="0">
+              <a:effectLst/>
+            </a:endParaRPr>
+          </a:p>
+          <a:p>
+            <a:endParaRPr lang="en-US" dirty="0" smtClean="0"/>
+          </a:p>
+        </p:txBody>
+      </p:sp>
+      <p:pic>
+        <p:nvPicPr>
+          <p:cNvPr id="4" name="Picture 3"/>
+          <p:cNvPicPr>
+            <a:picLocks noChangeAspect="1"/>
+          </p:cNvPicPr>
+          <p:nvPr/>
+        </p:nvPicPr>
+        <p:blipFill>
+          <a:blip r:embed="rId2"/>
+          <a:stretch>
+            <a:fillRect/>
+          </a:stretch>
+        </p:blipFill>
+        <p:spPr>
+          <a:xfrm>
+            <a:off x="5329858" y="1602078"/>
+            <a:ext cx="6788568" cy="4578005"/>
+          </a:xfrm>
+          <a:prstGeom prst="rect">
+            <a:avLst/>
+          </a:prstGeom>
+        </p:spPr>
+      </p:pic>
     </p:spTree>
     <p:extLst>
       <p:ext uri="{BB962C8B-B14F-4D97-AF65-F5344CB8AC3E}">
-        <p14:creationId xmlns:p14="http://schemas.microsoft.com/office/powerpoint/2010/main" val="3131699352"/>
+        <p14:creationId xmlns:p14="http://schemas.microsoft.com/office/powerpoint/2010/main" val="2227516528"/>
       </p:ext>
     </p:extLst>
   </p:cSld>
   <p:clrMapOvr>
     <a:masterClrMapping/>
   </p:clrMapOvr>
+  <p:transition spd="slow">
+    <p:push dir="u"/>
+  </p:transition>
+  <p:timing>
+    <p:tnLst>
+      <p:par>
+        <p:cTn id="1" dur="indefinite" restart="never" nodeType="tmRoot">
+          <p:childTnLst>
+            <p:seq concurrent="1" nextAc="seek">
+              <p:cTn id="2" dur="indefinite" nodeType="mainSeq">
+                <p:childTnLst>
+                  <p:par>
+                    <p:cTn id="3" fill="hold">
+                      <p:stCondLst>
+                        <p:cond delay="indefinite"/>
+                      </p:stCondLst>
+                      <p:childTnLst>
+                        <p:par>
+                          <p:cTn id="4" fill="hold">
+                            <p:stCondLst>
+                              <p:cond delay="0"/>
+                            </p:stCondLst>
+                            <p:childTnLst>
+                              <p:par>
+                                <p:cTn id="5" presetID="10" presetClass="entr" presetSubtype="0" fill="hold" grpId="0" nodeType="clickEffect">
+                                  <p:stCondLst>
+                                    <p:cond delay="0"/>
+                                  </p:stCondLst>
+                                  <p:childTnLst>
+                                    <p:set>
+                                      <p:cBhvr>
+                                        <p:cTn id="6" dur="1" fill="hold">
+                                          <p:stCondLst>
+                                            <p:cond delay="0"/>
+                                          </p:stCondLst>
+                                        </p:cTn>
+                                        <p:tgtEl>
+                                          <p:spTgt spid="3">
+                                            <p:txEl>
+                                              <p:pRg st="0" end="0"/>
+                                            </p:txEl>
+                                          </p:spTgt>
+                                        </p:tgtEl>
+                                        <p:attrNameLst>
+                                          <p:attrName>style.visibility</p:attrName>
+                                        </p:attrNameLst>
+                                      </p:cBhvr>
+                                      <p:to>
+                                        <p:strVal val="visible"/>
+                                      </p:to>
+                                    </p:set>
+                                    <p:animEffect transition="in" filter="fade">
+                                      <p:cBhvr>
+                                        <p:cTn id="7" dur="500"/>
+                                        <p:tgtEl>
+                                          <p:spTgt spid="3">
+                                            <p:txEl>
+                                              <p:pRg st="0" end="0"/>
+                                            </p:txEl>
+                                          </p:spTgt>
+                                        </p:tgtEl>
+                                      </p:cBhvr>
+                                    </p:animEffect>
+                                  </p:childTnLst>
+                                </p:cTn>
+                              </p:par>
+                            </p:childTnLst>
+                          </p:cTn>
+                        </p:par>
+                      </p:childTnLst>
+                    </p:cTn>
+                  </p:par>
+                  <p:par>
+                    <p:cTn id="8" fill="hold">
+                      <p:stCondLst>
+                        <p:cond delay="indefinite"/>
+                      </p:stCondLst>
+                      <p:childTnLst>
+                        <p:par>
+                          <p:cTn id="9" fill="hold">
+                            <p:stCondLst>
+                              <p:cond delay="0"/>
+                            </p:stCondLst>
+                            <p:childTnLst>
+                              <p:par>
+                                <p:cTn id="10" presetID="10" presetClass="entr" presetSubtype="0" fill="hold" grpId="0" nodeType="clickEffect">
+                                  <p:stCondLst>
+                                    <p:cond delay="0"/>
+                                  </p:stCondLst>
+                                  <p:childTnLst>
+                                    <p:set>
+                                      <p:cBhvr>
+                                        <p:cTn id="11" dur="1" fill="hold">
+                                          <p:stCondLst>
+                                            <p:cond delay="0"/>
+                                          </p:stCondLst>
+                                        </p:cTn>
+                                        <p:tgtEl>
+                                          <p:spTgt spid="3">
+                                            <p:txEl>
+                                              <p:pRg st="1" end="1"/>
+                                            </p:txEl>
+                                          </p:spTgt>
+                                        </p:tgtEl>
+                                        <p:attrNameLst>
+                                          <p:attrName>style.visibility</p:attrName>
+                                        </p:attrNameLst>
+                                      </p:cBhvr>
+                                      <p:to>
+                                        <p:strVal val="visible"/>
+                                      </p:to>
+                                    </p:set>
+                                    <p:animEffect transition="in" filter="fade">
+                                      <p:cBhvr>
+                                        <p:cTn id="12" dur="500"/>
+                                        <p:tgtEl>
+                                          <p:spTgt spid="3">
+                                            <p:txEl>
+                                              <p:pRg st="1" end="1"/>
+                                            </p:txEl>
+                                          </p:spTgt>
+                                        </p:tgtEl>
+                                      </p:cBhvr>
+                                    </p:animEffect>
+                                  </p:childTnLst>
+                                </p:cTn>
+                              </p:par>
+                            </p:childTnLst>
+                          </p:cTn>
+                        </p:par>
+                      </p:childTnLst>
+                    </p:cTn>
+                  </p:par>
+                  <p:par>
+                    <p:cTn id="13" fill="hold">
+                      <p:stCondLst>
+                        <p:cond delay="indefinite"/>
+                      </p:stCondLst>
+                      <p:childTnLst>
+                        <p:par>
+                          <p:cTn id="14" fill="hold">
+                            <p:stCondLst>
+                              <p:cond delay="0"/>
+                            </p:stCondLst>
+                            <p:childTnLst>
+                              <p:par>
+                                <p:cTn id="15" presetID="10" presetClass="entr" presetSubtype="0" fill="hold" grpId="0" nodeType="clickEffect">
+                                  <p:stCondLst>
+                                    <p:cond delay="0"/>
+                                  </p:stCondLst>
+                                  <p:childTnLst>
+                                    <p:set>
+                                      <p:cBhvr>
+                                        <p:cTn id="16" dur="1" fill="hold">
+                                          <p:stCondLst>
+                                            <p:cond delay="0"/>
+                                          </p:stCondLst>
+                                        </p:cTn>
+                                        <p:tgtEl>
+                                          <p:spTgt spid="3">
+                                            <p:txEl>
+                                              <p:pRg st="2" end="2"/>
+                                            </p:txEl>
+                                          </p:spTgt>
+                                        </p:tgtEl>
+                                        <p:attrNameLst>
+                                          <p:attrName>style.visibility</p:attrName>
+                                        </p:attrNameLst>
+                                      </p:cBhvr>
+                                      <p:to>
+                                        <p:strVal val="visible"/>
+                                      </p:to>
+                                    </p:set>
+                                    <p:animEffect transition="in" filter="fade">
+                                      <p:cBhvr>
+                                        <p:cTn id="17" dur="500"/>
+                                        <p:tgtEl>
+                                          <p:spTgt spid="3">
+                                            <p:txEl>
+                                              <p:pRg st="2" end="2"/>
+                                            </p:txEl>
+                                          </p:spTgt>
+                                        </p:tgtEl>
+                                      </p:cBhvr>
+                                    </p:animEffect>
+                                  </p:childTnLst>
+                                </p:cTn>
+                              </p:par>
+                            </p:childTnLst>
+                          </p:cTn>
+                        </p:par>
+                      </p:childTnLst>
+                    </p:cTn>
+                  </p:par>
+                </p:childTnLst>
+              </p:cTn>
+              <p:prevCondLst>
+                <p:cond evt="onPrev" delay="0">
+                  <p:tgtEl>
+                    <p:sldTgt/>
+                  </p:tgtEl>
+                </p:cond>
+              </p:prevCondLst>
+              <p:nextCondLst>
+                <p:cond evt="onNext" delay="0">
+                  <p:tgtEl>
+                    <p:sldTgt/>
+                  </p:tgtEl>
+                </p:cond>
+              </p:nextCondLst>
+            </p:seq>
+          </p:childTnLst>
+        </p:cTn>
+      </p:par>
+    </p:tnLst>
+    <p:bldLst>
+      <p:bldP spid="3" grpId="0" build="p"/>
+    </p:bldLst>
+  </p:timing>
 </p:sld>
 </file>
 
@@ -3326,37 +6348,23 @@
             <p:ph type="title"/>
           </p:nvPr>
         </p:nvSpPr>
-        <p:spPr/>
+        <p:spPr>
+          <a:xfrm>
+            <a:off x="934815" y="2638096"/>
+            <a:ext cx="10353761" cy="1326321"/>
+          </a:xfrm>
+        </p:spPr>
         <p:txBody>
           <a:bodyPr/>
           <a:lstStyle/>
           <a:p>
             <a:r>
               <a:rPr lang="en-US" dirty="0" smtClean="0"/>
-              <a:t>Live Demo: [Topic of Second Person]</a:t>
-            </a:r>
-            <a:endParaRPr lang="en-US" dirty="0"/>
-          </a:p>
-        </p:txBody>
-      </p:sp>
-      <p:sp>
-        <p:nvSpPr>
-          <p:cNvPr id="3" name="Content Placeholder 2"/>
-          <p:cNvSpPr>
-            <a:spLocks noGrp="1"/>
-          </p:cNvSpPr>
-          <p:nvPr>
-            <p:ph idx="1"/>
-          </p:nvPr>
-        </p:nvSpPr>
-        <p:spPr/>
-        <p:txBody>
-          <a:bodyPr/>
-          <a:lstStyle/>
-          <a:p>
+              <a:t>Live </a:t>
+            </a:r>
             <a:r>
               <a:rPr lang="en-US" dirty="0" smtClean="0"/>
-              <a:t>[Things to include in Demo]</a:t>
+              <a:t>Demo</a:t>
             </a:r>
             <a:endParaRPr lang="en-US" dirty="0"/>
           </a:p>
@@ -3365,13 +6373,32 @@
     </p:spTree>
     <p:extLst>
       <p:ext uri="{BB962C8B-B14F-4D97-AF65-F5344CB8AC3E}">
-        <p14:creationId xmlns:p14="http://schemas.microsoft.com/office/powerpoint/2010/main" val="3626212024"/>
+        <p14:creationId xmlns:p14="http://schemas.microsoft.com/office/powerpoint/2010/main" val="3131699352"/>
       </p:ext>
     </p:extLst>
   </p:cSld>
   <p:clrMapOvr>
     <a:masterClrMapping/>
   </p:clrMapOvr>
+  <mc:AlternateContent xmlns:mc="http://schemas.openxmlformats.org/markup-compatibility/2006">
+    <mc:Choice xmlns:p15="http://schemas.microsoft.com/office/powerpoint/2012/main" Requires="p15">
+      <p:transition xmlns:p14="http://schemas.microsoft.com/office/powerpoint/2010/main" spd="slow" p14:dur="2000">
+        <p15:prstTrans prst="fracture"/>
+      </p:transition>
+    </mc:Choice>
+    <mc:Fallback>
+      <p:transition spd="slow">
+        <p:fade/>
+      </p:transition>
+    </mc:Fallback>
+  </mc:AlternateContent>
+  <p:timing>
+    <p:tnLst>
+      <p:par>
+        <p:cTn id="1" dur="indefinite" restart="never" nodeType="tmRoot"/>
+      </p:par>
+    </p:tnLst>
+  </p:timing>
 </p:sld>
 </file>
 
@@ -3409,7 +6436,7 @@
           <a:p>
             <a:r>
               <a:rPr lang="en-US" dirty="0" smtClean="0"/>
-              <a:t>Live Demo: [Topic of Third Person]</a:t>
+              <a:t>Improvements on the Student Side</a:t>
             </a:r>
             <a:endParaRPr lang="en-US" dirty="0"/>
           </a:p>
@@ -3425,14 +6452,91 @@
             <p:ph idx="1"/>
           </p:nvPr>
         </p:nvSpPr>
-        <p:spPr/>
-        <p:txBody>
-          <a:bodyPr/>
+        <p:spPr>
+          <a:xfrm>
+            <a:off x="913794" y="1650124"/>
+            <a:ext cx="10353762" cy="4572000"/>
+          </a:xfrm>
+        </p:spPr>
+        <p:txBody>
+          <a:bodyPr>
+            <a:normAutofit fontScale="92500" lnSpcReduction="10000"/>
+          </a:bodyPr>
           <a:lstStyle/>
           <a:p>
             <a:r>
               <a:rPr lang="en-US" dirty="0" smtClean="0"/>
-              <a:t>[Things to include in Demo]</a:t>
+              <a:t>Searching </a:t>
+            </a:r>
+            <a:r>
+              <a:rPr lang="en-US" dirty="0"/>
+              <a:t>for appointments</a:t>
+            </a:r>
+          </a:p>
+          <a:p>
+            <a:r>
+              <a:rPr lang="en-US" dirty="0" smtClean="0"/>
+              <a:t>Applying for appointments</a:t>
+            </a:r>
+          </a:p>
+          <a:p>
+            <a:r>
+              <a:rPr lang="en-US" dirty="0" smtClean="0"/>
+              <a:t>Editing Information</a:t>
+            </a:r>
+            <a:endParaRPr lang="en-US" dirty="0"/>
+          </a:p>
+          <a:p>
+            <a:r>
+              <a:rPr lang="en-US" dirty="0" smtClean="0"/>
+              <a:t>Displaying </a:t>
+            </a:r>
+            <a:r>
+              <a:rPr lang="en-US" dirty="0"/>
+              <a:t>Information for the Students’ Scheduled Appointments on Student Homepage</a:t>
+            </a:r>
+          </a:p>
+          <a:p>
+            <a:r>
+              <a:rPr lang="en-US" dirty="0" smtClean="0"/>
+              <a:t>Password Reset</a:t>
+            </a:r>
+          </a:p>
+          <a:p>
+            <a:r>
+              <a:rPr lang="en-US" dirty="0">
+                <a:effectLst/>
+              </a:rPr>
+              <a:t>Back buttons on some pages</a:t>
+            </a:r>
+            <a:endParaRPr lang="en-US" dirty="0"/>
+          </a:p>
+          <a:p>
+            <a:r>
+              <a:rPr lang="en-US" dirty="0">
+                <a:effectLst/>
+              </a:rPr>
+              <a:t>Added a preferred name field </a:t>
+            </a:r>
+            <a:endParaRPr lang="en-US" dirty="0">
+              <a:effectLst/>
+            </a:endParaRPr>
+          </a:p>
+          <a:p>
+            <a:r>
+              <a:rPr lang="en-US" dirty="0">
+                <a:effectLst/>
+              </a:rPr>
+              <a:t> Preventing a student from cancelling a meeting less than 12 hours before the appointment </a:t>
+            </a:r>
+            <a:endParaRPr lang="en-US" dirty="0">
+              <a:effectLst/>
+            </a:endParaRPr>
+          </a:p>
+          <a:p>
+            <a:r>
+              <a:rPr lang="en-US" dirty="0" smtClean="0"/>
+              <a:t>The ‘other’  major option</a:t>
             </a:r>
             <a:endParaRPr lang="en-US" dirty="0"/>
           </a:p>
@@ -3441,13 +6545,598 @@
     </p:spTree>
     <p:extLst>
       <p:ext uri="{BB962C8B-B14F-4D97-AF65-F5344CB8AC3E}">
-        <p14:creationId xmlns:p14="http://schemas.microsoft.com/office/powerpoint/2010/main" val="3870448097"/>
+        <p14:creationId xmlns:p14="http://schemas.microsoft.com/office/powerpoint/2010/main" val="3833177380"/>
       </p:ext>
     </p:extLst>
   </p:cSld>
   <p:clrMapOvr>
     <a:masterClrMapping/>
   </p:clrMapOvr>
+  <p:transition spd="med">
+    <p:pull/>
+  </p:transition>
+  <p:timing>
+    <p:tnLst>
+      <p:par>
+        <p:cTn id="1" dur="indefinite" restart="never" nodeType="tmRoot">
+          <p:childTnLst>
+            <p:seq concurrent="1" nextAc="seek">
+              <p:cTn id="2" dur="indefinite" nodeType="mainSeq">
+                <p:childTnLst>
+                  <p:par>
+                    <p:cTn id="3" fill="hold">
+                      <p:stCondLst>
+                        <p:cond delay="indefinite"/>
+                      </p:stCondLst>
+                      <p:childTnLst>
+                        <p:par>
+                          <p:cTn id="4" fill="hold">
+                            <p:stCondLst>
+                              <p:cond delay="0"/>
+                            </p:stCondLst>
+                            <p:childTnLst>
+                              <p:par>
+                                <p:cTn id="5" presetID="10" presetClass="entr" presetSubtype="0" fill="hold" grpId="0" nodeType="clickEffect">
+                                  <p:stCondLst>
+                                    <p:cond delay="0"/>
+                                  </p:stCondLst>
+                                  <p:childTnLst>
+                                    <p:set>
+                                      <p:cBhvr>
+                                        <p:cTn id="6" dur="1" fill="hold">
+                                          <p:stCondLst>
+                                            <p:cond delay="0"/>
+                                          </p:stCondLst>
+                                        </p:cTn>
+                                        <p:tgtEl>
+                                          <p:spTgt spid="3">
+                                            <p:txEl>
+                                              <p:pRg st="0" end="0"/>
+                                            </p:txEl>
+                                          </p:spTgt>
+                                        </p:tgtEl>
+                                        <p:attrNameLst>
+                                          <p:attrName>style.visibility</p:attrName>
+                                        </p:attrNameLst>
+                                      </p:cBhvr>
+                                      <p:to>
+                                        <p:strVal val="visible"/>
+                                      </p:to>
+                                    </p:set>
+                                    <p:animEffect transition="in" filter="fade">
+                                      <p:cBhvr>
+                                        <p:cTn id="7" dur="500"/>
+                                        <p:tgtEl>
+                                          <p:spTgt spid="3">
+                                            <p:txEl>
+                                              <p:pRg st="0" end="0"/>
+                                            </p:txEl>
+                                          </p:spTgt>
+                                        </p:tgtEl>
+                                      </p:cBhvr>
+                                    </p:animEffect>
+                                  </p:childTnLst>
+                                </p:cTn>
+                              </p:par>
+                            </p:childTnLst>
+                          </p:cTn>
+                        </p:par>
+                      </p:childTnLst>
+                    </p:cTn>
+                  </p:par>
+                  <p:par>
+                    <p:cTn id="8" fill="hold">
+                      <p:stCondLst>
+                        <p:cond delay="indefinite"/>
+                      </p:stCondLst>
+                      <p:childTnLst>
+                        <p:par>
+                          <p:cTn id="9" fill="hold">
+                            <p:stCondLst>
+                              <p:cond delay="0"/>
+                            </p:stCondLst>
+                            <p:childTnLst>
+                              <p:par>
+                                <p:cTn id="10" presetID="10" presetClass="entr" presetSubtype="0" fill="hold" grpId="0" nodeType="clickEffect">
+                                  <p:stCondLst>
+                                    <p:cond delay="0"/>
+                                  </p:stCondLst>
+                                  <p:childTnLst>
+                                    <p:set>
+                                      <p:cBhvr>
+                                        <p:cTn id="11" dur="1" fill="hold">
+                                          <p:stCondLst>
+                                            <p:cond delay="0"/>
+                                          </p:stCondLst>
+                                        </p:cTn>
+                                        <p:tgtEl>
+                                          <p:spTgt spid="3">
+                                            <p:txEl>
+                                              <p:pRg st="1" end="1"/>
+                                            </p:txEl>
+                                          </p:spTgt>
+                                        </p:tgtEl>
+                                        <p:attrNameLst>
+                                          <p:attrName>style.visibility</p:attrName>
+                                        </p:attrNameLst>
+                                      </p:cBhvr>
+                                      <p:to>
+                                        <p:strVal val="visible"/>
+                                      </p:to>
+                                    </p:set>
+                                    <p:animEffect transition="in" filter="fade">
+                                      <p:cBhvr>
+                                        <p:cTn id="12" dur="500"/>
+                                        <p:tgtEl>
+                                          <p:spTgt spid="3">
+                                            <p:txEl>
+                                              <p:pRg st="1" end="1"/>
+                                            </p:txEl>
+                                          </p:spTgt>
+                                        </p:tgtEl>
+                                      </p:cBhvr>
+                                    </p:animEffect>
+                                  </p:childTnLst>
+                                </p:cTn>
+                              </p:par>
+                            </p:childTnLst>
+                          </p:cTn>
+                        </p:par>
+                      </p:childTnLst>
+                    </p:cTn>
+                  </p:par>
+                  <p:par>
+                    <p:cTn id="13" fill="hold">
+                      <p:stCondLst>
+                        <p:cond delay="indefinite"/>
+                      </p:stCondLst>
+                      <p:childTnLst>
+                        <p:par>
+                          <p:cTn id="14" fill="hold">
+                            <p:stCondLst>
+                              <p:cond delay="0"/>
+                            </p:stCondLst>
+                            <p:childTnLst>
+                              <p:par>
+                                <p:cTn id="15" presetID="10" presetClass="entr" presetSubtype="0" fill="hold" grpId="0" nodeType="clickEffect">
+                                  <p:stCondLst>
+                                    <p:cond delay="0"/>
+                                  </p:stCondLst>
+                                  <p:childTnLst>
+                                    <p:set>
+                                      <p:cBhvr>
+                                        <p:cTn id="16" dur="1" fill="hold">
+                                          <p:stCondLst>
+                                            <p:cond delay="0"/>
+                                          </p:stCondLst>
+                                        </p:cTn>
+                                        <p:tgtEl>
+                                          <p:spTgt spid="3">
+                                            <p:txEl>
+                                              <p:pRg st="2" end="2"/>
+                                            </p:txEl>
+                                          </p:spTgt>
+                                        </p:tgtEl>
+                                        <p:attrNameLst>
+                                          <p:attrName>style.visibility</p:attrName>
+                                        </p:attrNameLst>
+                                      </p:cBhvr>
+                                      <p:to>
+                                        <p:strVal val="visible"/>
+                                      </p:to>
+                                    </p:set>
+                                    <p:animEffect transition="in" filter="fade">
+                                      <p:cBhvr>
+                                        <p:cTn id="17" dur="500"/>
+                                        <p:tgtEl>
+                                          <p:spTgt spid="3">
+                                            <p:txEl>
+                                              <p:pRg st="2" end="2"/>
+                                            </p:txEl>
+                                          </p:spTgt>
+                                        </p:tgtEl>
+                                      </p:cBhvr>
+                                    </p:animEffect>
+                                  </p:childTnLst>
+                                </p:cTn>
+                              </p:par>
+                            </p:childTnLst>
+                          </p:cTn>
+                        </p:par>
+                      </p:childTnLst>
+                    </p:cTn>
+                  </p:par>
+                  <p:par>
+                    <p:cTn id="18" fill="hold">
+                      <p:stCondLst>
+                        <p:cond delay="indefinite"/>
+                      </p:stCondLst>
+                      <p:childTnLst>
+                        <p:par>
+                          <p:cTn id="19" fill="hold">
+                            <p:stCondLst>
+                              <p:cond delay="0"/>
+                            </p:stCondLst>
+                            <p:childTnLst>
+                              <p:par>
+                                <p:cTn id="20" presetID="10" presetClass="entr" presetSubtype="0" fill="hold" grpId="0" nodeType="clickEffect">
+                                  <p:stCondLst>
+                                    <p:cond delay="0"/>
+                                  </p:stCondLst>
+                                  <p:childTnLst>
+                                    <p:set>
+                                      <p:cBhvr>
+                                        <p:cTn id="21" dur="1" fill="hold">
+                                          <p:stCondLst>
+                                            <p:cond delay="0"/>
+                                          </p:stCondLst>
+                                        </p:cTn>
+                                        <p:tgtEl>
+                                          <p:spTgt spid="3">
+                                            <p:txEl>
+                                              <p:pRg st="3" end="3"/>
+                                            </p:txEl>
+                                          </p:spTgt>
+                                        </p:tgtEl>
+                                        <p:attrNameLst>
+                                          <p:attrName>style.visibility</p:attrName>
+                                        </p:attrNameLst>
+                                      </p:cBhvr>
+                                      <p:to>
+                                        <p:strVal val="visible"/>
+                                      </p:to>
+                                    </p:set>
+                                    <p:animEffect transition="in" filter="fade">
+                                      <p:cBhvr>
+                                        <p:cTn id="22" dur="500"/>
+                                        <p:tgtEl>
+                                          <p:spTgt spid="3">
+                                            <p:txEl>
+                                              <p:pRg st="3" end="3"/>
+                                            </p:txEl>
+                                          </p:spTgt>
+                                        </p:tgtEl>
+                                      </p:cBhvr>
+                                    </p:animEffect>
+                                  </p:childTnLst>
+                                </p:cTn>
+                              </p:par>
+                            </p:childTnLst>
+                          </p:cTn>
+                        </p:par>
+                      </p:childTnLst>
+                    </p:cTn>
+                  </p:par>
+                  <p:par>
+                    <p:cTn id="23" fill="hold">
+                      <p:stCondLst>
+                        <p:cond delay="indefinite"/>
+                      </p:stCondLst>
+                      <p:childTnLst>
+                        <p:par>
+                          <p:cTn id="24" fill="hold">
+                            <p:stCondLst>
+                              <p:cond delay="0"/>
+                            </p:stCondLst>
+                            <p:childTnLst>
+                              <p:par>
+                                <p:cTn id="25" presetID="10" presetClass="entr" presetSubtype="0" fill="hold" grpId="0" nodeType="clickEffect">
+                                  <p:stCondLst>
+                                    <p:cond delay="0"/>
+                                  </p:stCondLst>
+                                  <p:childTnLst>
+                                    <p:set>
+                                      <p:cBhvr>
+                                        <p:cTn id="26" dur="1" fill="hold">
+                                          <p:stCondLst>
+                                            <p:cond delay="0"/>
+                                          </p:stCondLst>
+                                        </p:cTn>
+                                        <p:tgtEl>
+                                          <p:spTgt spid="3">
+                                            <p:txEl>
+                                              <p:pRg st="4" end="4"/>
+                                            </p:txEl>
+                                          </p:spTgt>
+                                        </p:tgtEl>
+                                        <p:attrNameLst>
+                                          <p:attrName>style.visibility</p:attrName>
+                                        </p:attrNameLst>
+                                      </p:cBhvr>
+                                      <p:to>
+                                        <p:strVal val="visible"/>
+                                      </p:to>
+                                    </p:set>
+                                    <p:animEffect transition="in" filter="fade">
+                                      <p:cBhvr>
+                                        <p:cTn id="27" dur="500"/>
+                                        <p:tgtEl>
+                                          <p:spTgt spid="3">
+                                            <p:txEl>
+                                              <p:pRg st="4" end="4"/>
+                                            </p:txEl>
+                                          </p:spTgt>
+                                        </p:tgtEl>
+                                      </p:cBhvr>
+                                    </p:animEffect>
+                                  </p:childTnLst>
+                                </p:cTn>
+                              </p:par>
+                            </p:childTnLst>
+                          </p:cTn>
+                        </p:par>
+                      </p:childTnLst>
+                    </p:cTn>
+                  </p:par>
+                  <p:par>
+                    <p:cTn id="28" fill="hold">
+                      <p:stCondLst>
+                        <p:cond delay="indefinite"/>
+                      </p:stCondLst>
+                      <p:childTnLst>
+                        <p:par>
+                          <p:cTn id="29" fill="hold">
+                            <p:stCondLst>
+                              <p:cond delay="0"/>
+                            </p:stCondLst>
+                            <p:childTnLst>
+                              <p:par>
+                                <p:cTn id="30" presetID="10" presetClass="entr" presetSubtype="0" fill="hold" grpId="0" nodeType="clickEffect">
+                                  <p:stCondLst>
+                                    <p:cond delay="0"/>
+                                  </p:stCondLst>
+                                  <p:childTnLst>
+                                    <p:set>
+                                      <p:cBhvr>
+                                        <p:cTn id="31" dur="1" fill="hold">
+                                          <p:stCondLst>
+                                            <p:cond delay="0"/>
+                                          </p:stCondLst>
+                                        </p:cTn>
+                                        <p:tgtEl>
+                                          <p:spTgt spid="3">
+                                            <p:txEl>
+                                              <p:pRg st="5" end="5"/>
+                                            </p:txEl>
+                                          </p:spTgt>
+                                        </p:tgtEl>
+                                        <p:attrNameLst>
+                                          <p:attrName>style.visibility</p:attrName>
+                                        </p:attrNameLst>
+                                      </p:cBhvr>
+                                      <p:to>
+                                        <p:strVal val="visible"/>
+                                      </p:to>
+                                    </p:set>
+                                    <p:animEffect transition="in" filter="fade">
+                                      <p:cBhvr>
+                                        <p:cTn id="32" dur="500"/>
+                                        <p:tgtEl>
+                                          <p:spTgt spid="3">
+                                            <p:txEl>
+                                              <p:pRg st="5" end="5"/>
+                                            </p:txEl>
+                                          </p:spTgt>
+                                        </p:tgtEl>
+                                      </p:cBhvr>
+                                    </p:animEffect>
+                                  </p:childTnLst>
+                                </p:cTn>
+                              </p:par>
+                            </p:childTnLst>
+                          </p:cTn>
+                        </p:par>
+                      </p:childTnLst>
+                    </p:cTn>
+                  </p:par>
+                  <p:par>
+                    <p:cTn id="33" fill="hold">
+                      <p:stCondLst>
+                        <p:cond delay="indefinite"/>
+                      </p:stCondLst>
+                      <p:childTnLst>
+                        <p:par>
+                          <p:cTn id="34" fill="hold">
+                            <p:stCondLst>
+                              <p:cond delay="0"/>
+                            </p:stCondLst>
+                            <p:childTnLst>
+                              <p:par>
+                                <p:cTn id="35" presetID="10" presetClass="entr" presetSubtype="0" fill="hold" grpId="0" nodeType="clickEffect">
+                                  <p:stCondLst>
+                                    <p:cond delay="0"/>
+                                  </p:stCondLst>
+                                  <p:childTnLst>
+                                    <p:set>
+                                      <p:cBhvr>
+                                        <p:cTn id="36" dur="1" fill="hold">
+                                          <p:stCondLst>
+                                            <p:cond delay="0"/>
+                                          </p:stCondLst>
+                                        </p:cTn>
+                                        <p:tgtEl>
+                                          <p:spTgt spid="3">
+                                            <p:txEl>
+                                              <p:pRg st="6" end="6"/>
+                                            </p:txEl>
+                                          </p:spTgt>
+                                        </p:tgtEl>
+                                        <p:attrNameLst>
+                                          <p:attrName>style.visibility</p:attrName>
+                                        </p:attrNameLst>
+                                      </p:cBhvr>
+                                      <p:to>
+                                        <p:strVal val="visible"/>
+                                      </p:to>
+                                    </p:set>
+                                    <p:animEffect transition="in" filter="fade">
+                                      <p:cBhvr>
+                                        <p:cTn id="37" dur="500"/>
+                                        <p:tgtEl>
+                                          <p:spTgt spid="3">
+                                            <p:txEl>
+                                              <p:pRg st="6" end="6"/>
+                                            </p:txEl>
+                                          </p:spTgt>
+                                        </p:tgtEl>
+                                      </p:cBhvr>
+                                    </p:animEffect>
+                                  </p:childTnLst>
+                                </p:cTn>
+                              </p:par>
+                            </p:childTnLst>
+                          </p:cTn>
+                        </p:par>
+                      </p:childTnLst>
+                    </p:cTn>
+                  </p:par>
+                  <p:par>
+                    <p:cTn id="38" fill="hold">
+                      <p:stCondLst>
+                        <p:cond delay="indefinite"/>
+                      </p:stCondLst>
+                      <p:childTnLst>
+                        <p:par>
+                          <p:cTn id="39" fill="hold">
+                            <p:stCondLst>
+                              <p:cond delay="0"/>
+                            </p:stCondLst>
+                            <p:childTnLst>
+                              <p:par>
+                                <p:cTn id="40" presetID="10" presetClass="entr" presetSubtype="0" fill="hold" grpId="0" nodeType="clickEffect">
+                                  <p:stCondLst>
+                                    <p:cond delay="0"/>
+                                  </p:stCondLst>
+                                  <p:childTnLst>
+                                    <p:set>
+                                      <p:cBhvr>
+                                        <p:cTn id="41" dur="1" fill="hold">
+                                          <p:stCondLst>
+                                            <p:cond delay="0"/>
+                                          </p:stCondLst>
+                                        </p:cTn>
+                                        <p:tgtEl>
+                                          <p:spTgt spid="3">
+                                            <p:txEl>
+                                              <p:pRg st="7" end="7"/>
+                                            </p:txEl>
+                                          </p:spTgt>
+                                        </p:tgtEl>
+                                        <p:attrNameLst>
+                                          <p:attrName>style.visibility</p:attrName>
+                                        </p:attrNameLst>
+                                      </p:cBhvr>
+                                      <p:to>
+                                        <p:strVal val="visible"/>
+                                      </p:to>
+                                    </p:set>
+                                    <p:animEffect transition="in" filter="fade">
+                                      <p:cBhvr>
+                                        <p:cTn id="42" dur="500"/>
+                                        <p:tgtEl>
+                                          <p:spTgt spid="3">
+                                            <p:txEl>
+                                              <p:pRg st="7" end="7"/>
+                                            </p:txEl>
+                                          </p:spTgt>
+                                        </p:tgtEl>
+                                      </p:cBhvr>
+                                    </p:animEffect>
+                                  </p:childTnLst>
+                                </p:cTn>
+                              </p:par>
+                            </p:childTnLst>
+                          </p:cTn>
+                        </p:par>
+                      </p:childTnLst>
+                    </p:cTn>
+                  </p:par>
+                  <p:par>
+                    <p:cTn id="43" fill="hold">
+                      <p:stCondLst>
+                        <p:cond delay="indefinite"/>
+                      </p:stCondLst>
+                      <p:childTnLst>
+                        <p:par>
+                          <p:cTn id="44" fill="hold">
+                            <p:stCondLst>
+                              <p:cond delay="0"/>
+                            </p:stCondLst>
+                            <p:childTnLst>
+                              <p:par>
+                                <p:cTn id="45" presetID="10" presetClass="entr" presetSubtype="0" fill="hold" grpId="0" nodeType="clickEffect">
+                                  <p:stCondLst>
+                                    <p:cond delay="0"/>
+                                  </p:stCondLst>
+                                  <p:childTnLst>
+                                    <p:set>
+                                      <p:cBhvr>
+                                        <p:cTn id="46" dur="1" fill="hold">
+                                          <p:stCondLst>
+                                            <p:cond delay="0"/>
+                                          </p:stCondLst>
+                                        </p:cTn>
+                                        <p:tgtEl>
+                                          <p:spTgt spid="3">
+                                            <p:txEl>
+                                              <p:pRg st="8" end="8"/>
+                                            </p:txEl>
+                                          </p:spTgt>
+                                        </p:tgtEl>
+                                        <p:attrNameLst>
+                                          <p:attrName>style.visibility</p:attrName>
+                                        </p:attrNameLst>
+                                      </p:cBhvr>
+                                      <p:to>
+                                        <p:strVal val="visible"/>
+                                      </p:to>
+                                    </p:set>
+                                    <p:animEffect transition="in" filter="fade">
+                                      <p:cBhvr>
+                                        <p:cTn id="47" dur="500"/>
+                                        <p:tgtEl>
+                                          <p:spTgt spid="3">
+                                            <p:txEl>
+                                              <p:pRg st="8" end="8"/>
+                                            </p:txEl>
+                                          </p:spTgt>
+                                        </p:tgtEl>
+                                      </p:cBhvr>
+                                    </p:animEffect>
+                                  </p:childTnLst>
+                                </p:cTn>
+                              </p:par>
+                            </p:childTnLst>
+                          </p:cTn>
+                        </p:par>
+                      </p:childTnLst>
+                    </p:cTn>
+                  </p:par>
+                </p:childTnLst>
+              </p:cTn>
+              <p:prevCondLst>
+                <p:cond evt="onPrev" delay="0">
+                  <p:tgtEl>
+                    <p:sldTgt/>
+                  </p:tgtEl>
+                </p:cond>
+              </p:prevCondLst>
+              <p:nextCondLst>
+                <p:cond evt="onNext" delay="0">
+                  <p:tgtEl>
+                    <p:sldTgt/>
+                  </p:tgtEl>
+                </p:cond>
+              </p:nextCondLst>
+            </p:seq>
+          </p:childTnLst>
+        </p:cTn>
+      </p:par>
+    </p:tnLst>
+    <p:bldLst>
+      <p:bldP spid="3" grpId="0" build="p"/>
+    </p:bldLst>
+  </p:timing>
 </p:sld>
 </file>
 
@@ -3478,37 +7167,23 @@
             <p:ph type="title"/>
           </p:nvPr>
         </p:nvSpPr>
-        <p:spPr/>
+        <p:spPr>
+          <a:xfrm>
+            <a:off x="934815" y="2638096"/>
+            <a:ext cx="10353761" cy="1326321"/>
+          </a:xfrm>
+        </p:spPr>
         <p:txBody>
           <a:bodyPr/>
           <a:lstStyle/>
           <a:p>
             <a:r>
               <a:rPr lang="en-US" dirty="0" smtClean="0"/>
-              <a:t>Live Demo: [Topic of Fourth Person]</a:t>
-            </a:r>
-            <a:endParaRPr lang="en-US" dirty="0"/>
-          </a:p>
-        </p:txBody>
-      </p:sp>
-      <p:sp>
-        <p:nvSpPr>
-          <p:cNvPr id="3" name="Content Placeholder 2"/>
-          <p:cNvSpPr>
-            <a:spLocks noGrp="1"/>
-          </p:cNvSpPr>
-          <p:nvPr>
-            <p:ph idx="1"/>
-          </p:nvPr>
-        </p:nvSpPr>
-        <p:spPr/>
-        <p:txBody>
-          <a:bodyPr/>
-          <a:lstStyle/>
-          <a:p>
+              <a:t>Live </a:t>
+            </a:r>
             <a:r>
               <a:rPr lang="en-US" dirty="0" smtClean="0"/>
-              <a:t>[Things to include in Demo]</a:t>
+              <a:t>Demo</a:t>
             </a:r>
             <a:endParaRPr lang="en-US" dirty="0"/>
           </a:p>
@@ -3517,13 +7192,32 @@
     </p:spTree>
     <p:extLst>
       <p:ext uri="{BB962C8B-B14F-4D97-AF65-F5344CB8AC3E}">
-        <p14:creationId xmlns:p14="http://schemas.microsoft.com/office/powerpoint/2010/main" val="3833177380"/>
+        <p14:creationId xmlns:p14="http://schemas.microsoft.com/office/powerpoint/2010/main" val="1067622391"/>
       </p:ext>
     </p:extLst>
   </p:cSld>
   <p:clrMapOvr>
     <a:masterClrMapping/>
   </p:clrMapOvr>
+  <mc:AlternateContent xmlns:mc="http://schemas.openxmlformats.org/markup-compatibility/2006">
+    <mc:Choice xmlns:p14="http://schemas.microsoft.com/office/powerpoint/2010/main" Requires="p14">
+      <p:transition spd="med" p14:dur="700">
+        <p:fade/>
+      </p:transition>
+    </mc:Choice>
+    <mc:Fallback>
+      <p:transition spd="med">
+        <p:fade/>
+      </p:transition>
+    </mc:Fallback>
+  </mc:AlternateContent>
+  <p:timing>
+    <p:tnLst>
+      <p:par>
+        <p:cTn id="1" dur="indefinite" restart="never" nodeType="tmRoot"/>
+      </p:par>
+    </p:tnLst>
+  </p:timing>
 </p:sld>
 </file>
 
@@ -3592,14 +7286,44 @@
             </a:r>
             <a:r>
               <a:rPr lang="en-US" dirty="0" smtClean="0"/>
-              <a:t> ()</a:t>
-            </a:r>
-          </a:p>
-          <a:p>
+              <a:t> </a:t>
+            </a:r>
             <a:r>
               <a:rPr lang="en-US" dirty="0" smtClean="0"/>
-              <a:t>Stephen Lin ()</a:t>
-            </a:r>
+              <a:t>(</a:t>
+            </a:r>
+            <a:r>
+              <a:rPr lang="en-US" dirty="0">
+                <a:effectLst/>
+              </a:rPr>
+              <a:t>yiguo1@umbc.edu</a:t>
+            </a:r>
+            <a:r>
+              <a:rPr lang="en-US" dirty="0" smtClean="0"/>
+              <a:t>)</a:t>
+            </a:r>
+            <a:endParaRPr lang="en-US" dirty="0" smtClean="0"/>
+          </a:p>
+          <a:p>
+            <a:r>
+              <a:rPr lang="en-US" dirty="0" smtClean="0"/>
+              <a:t>Stephen Lin </a:t>
+            </a:r>
+            <a:r>
+              <a:rPr lang="en-US" dirty="0" smtClean="0"/>
+              <a:t>(</a:t>
+            </a:r>
+            <a:r>
+              <a:rPr lang="en-US" dirty="0">
+                <a:effectLst/>
+              </a:rPr>
+              <a:t>lin14@umbc.edu</a:t>
+            </a:r>
+            <a:r>
+              <a:rPr lang="en-US" dirty="0" smtClean="0"/>
+              <a:t>)</a:t>
+            </a:r>
+            <a:endParaRPr lang="en-US" dirty="0" smtClean="0"/>
           </a:p>
           <a:p>
             <a:r>
@@ -3612,8 +7336,23 @@
             </a:r>
             <a:r>
               <a:rPr lang="en-US" dirty="0" smtClean="0"/>
-              <a:t> ()</a:t>
-            </a:r>
+              <a:t> </a:t>
+            </a:r>
+            <a:r>
+              <a:rPr lang="en-US" dirty="0" smtClean="0"/>
+              <a:t>(</a:t>
+            </a:r>
+            <a:r>
+              <a:rPr lang="en-US" dirty="0">
+                <a:effectLst/>
+              </a:rPr>
+              <a:t>andrew56@umbc.edu</a:t>
+            </a:r>
+            <a:r>
+              <a:rPr lang="en-US" dirty="0" smtClean="0"/>
+              <a:t>)</a:t>
+            </a:r>
+            <a:endParaRPr lang="en-US" dirty="0" smtClean="0"/>
           </a:p>
           <a:p>
             <a:r>
@@ -3632,13 +7371,8 @@
           <a:p>
             <a:r>
               <a:rPr lang="en-US" dirty="0" smtClean="0"/>
-              <a:t>Sarah Yake </a:t>
-            </a:r>
-            <a:r>
-              <a:rPr lang="en-US" smtClean="0"/>
-              <a:t>(syake1@umbc.edu)</a:t>
-            </a:r>
-            <a:endParaRPr lang="en-US" dirty="0" smtClean="0"/>
+              <a:t>Sarah Yake (syake1@umbc.edu)</a:t>
+            </a:r>
           </a:p>
           <a:p>
             <a:endParaRPr lang="en-US" dirty="0"/>
@@ -3655,13 +7389,32 @@
   <p:clrMapOvr>
     <a:masterClrMapping/>
   </p:clrMapOvr>
+  <mc:AlternateContent xmlns:mc="http://schemas.openxmlformats.org/markup-compatibility/2006">
+    <mc:Choice xmlns:p15="http://schemas.microsoft.com/office/powerpoint/2012/main" Requires="p15">
+      <p:transition xmlns:p14="http://schemas.microsoft.com/office/powerpoint/2010/main" spd="slow" p14:dur="2000">
+        <p15:prstTrans prst="fallOver"/>
+      </p:transition>
+    </mc:Choice>
+    <mc:Fallback>
+      <p:transition spd="slow">
+        <p:fade/>
+      </p:transition>
+    </mc:Fallback>
+  </mc:AlternateContent>
+  <p:timing>
+    <p:tnLst>
+      <p:par>
+        <p:cTn id="1" dur="indefinite" restart="never" nodeType="tmRoot"/>
+      </p:par>
+    </p:tnLst>
+  </p:timing>
 </p:sld>
 </file>
 
 <file path=ppt/theme/theme1.xml><?xml version="1.0" encoding="utf-8"?>
-<a:theme xmlns:a="http://schemas.openxmlformats.org/drawingml/2006/main" name="Office Theme">
+<a:theme xmlns:a="http://schemas.openxmlformats.org/drawingml/2006/main" name="Damask">
   <a:themeElements>
-    <a:clrScheme name="Office">
+    <a:clrScheme name="Damask">
       <a:dk1>
         <a:sysClr val="windowText" lastClr="000000"/>
       </a:dk1>
@@ -3669,39 +7422,39 @@
         <a:sysClr val="window" lastClr="FFFFFF"/>
       </a:lt1>
       <a:dk2>
-        <a:srgbClr val="44546A"/>
+        <a:srgbClr val="2A5B7F"/>
       </a:dk2>
       <a:lt2>
-        <a:srgbClr val="E7E6E6"/>
+        <a:srgbClr val="ABDAFC"/>
       </a:lt2>
       <a:accent1>
-        <a:srgbClr val="5B9BD5"/>
+        <a:srgbClr val="9EC544"/>
       </a:accent1>
       <a:accent2>
-        <a:srgbClr val="ED7D31"/>
+        <a:srgbClr val="50BEA3"/>
       </a:accent2>
       <a:accent3>
-        <a:srgbClr val="A5A5A5"/>
+        <a:srgbClr val="4A9CCC"/>
       </a:accent3>
       <a:accent4>
-        <a:srgbClr val="FFC000"/>
+        <a:srgbClr val="9A66CA"/>
       </a:accent4>
       <a:accent5>
-        <a:srgbClr val="4472C4"/>
+        <a:srgbClr val="C54F71"/>
       </a:accent5>
       <a:accent6>
-        <a:srgbClr val="70AD47"/>
+        <a:srgbClr val="DE9C3C"/>
       </a:accent6>
       <a:hlink>
-        <a:srgbClr val="0563C1"/>
+        <a:srgbClr val="6BA9DA"/>
       </a:hlink>
       <a:folHlink>
-        <a:srgbClr val="954F72"/>
+        <a:srgbClr val="A0BCD3"/>
       </a:folHlink>
     </a:clrScheme>
-    <a:fontScheme name="Office">
+    <a:fontScheme name="Damask">
       <a:majorFont>
-        <a:latin typeface="Calibri Light" panose="020F0302020204030204"/>
+        <a:latin typeface="Bookman Old Style" panose="02050604050505020204"/>
         <a:ea typeface=""/>
         <a:cs typeface=""/>
         <a:font script="Jpan" typeface="ＭＳ Ｐゴシック"/>
@@ -3736,7 +7489,7 @@
         <a:font script="Geor" typeface="Sylfaen"/>
       </a:majorFont>
       <a:minorFont>
-        <a:latin typeface="Calibri" panose="020F0502020204030204"/>
+        <a:latin typeface="Rockwell" panose="02060603020205020403"/>
         <a:ea typeface=""/>
         <a:cs typeface=""/>
         <a:font script="Jpan" typeface="ＭＳ Ｐゴシック"/>
@@ -3771,7 +7524,7 @@
         <a:font script="Geor" typeface="Sylfaen"/>
       </a:minorFont>
     </a:fontScheme>
-    <a:fmtScheme name="Office">
+    <a:fmtScheme name="Damask">
       <a:fillStyleLst>
         <a:solidFill>
           <a:schemeClr val="phClr"/>
@@ -3780,23 +7533,16 @@
           <a:gsLst>
             <a:gs pos="0">
               <a:schemeClr val="phClr">
+                <a:tint val="48000"/>
+                <a:satMod val="105000"/>
                 <a:lumMod val="110000"/>
-                <a:satMod val="105000"/>
-                <a:tint val="67000"/>
-              </a:schemeClr>
-            </a:gs>
-            <a:gs pos="50000">
-              <a:schemeClr val="phClr">
-                <a:lumMod val="105000"/>
-                <a:satMod val="103000"/>
-                <a:tint val="73000"/>
               </a:schemeClr>
             </a:gs>
             <a:gs pos="100000">
               <a:schemeClr val="phClr">
-                <a:lumMod val="105000"/>
+                <a:tint val="78000"/>
                 <a:satMod val="109000"/>
-                <a:tint val="81000"/>
+                <a:lumMod val="100000"/>
               </a:schemeClr>
             </a:gs>
           </a:gsLst>
@@ -3806,23 +7552,23 @@
           <a:gsLst>
             <a:gs pos="0">
               <a:schemeClr val="phClr">
-                <a:satMod val="103000"/>
-                <a:lumMod val="102000"/>
                 <a:tint val="94000"/>
+                <a:satMod val="100000"/>
+                <a:lumMod val="104000"/>
               </a:schemeClr>
             </a:gs>
-            <a:gs pos="50000">
+            <a:gs pos="69000">
               <a:schemeClr val="phClr">
-                <a:satMod val="110000"/>
-                <a:lumMod val="100000"/>
-                <a:shade val="100000"/>
+                <a:shade val="86000"/>
+                <a:satMod val="130000"/>
+                <a:lumMod val="102000"/>
               </a:schemeClr>
             </a:gs>
             <a:gs pos="100000">
               <a:schemeClr val="phClr">
-                <a:lumMod val="99000"/>
-                <a:satMod val="120000"/>
-                <a:shade val="78000"/>
+                <a:shade val="72000"/>
+                <a:satMod val="130000"/>
+                <a:lumMod val="100000"/>
               </a:schemeClr>
             </a:gs>
           </a:gsLst>
@@ -3830,26 +7576,23 @@
         </a:gradFill>
       </a:fillStyleLst>
       <a:lnStyleLst>
-        <a:ln w="6350" cap="flat" cmpd="sng" algn="ctr">
-          <a:solidFill>
-            <a:schemeClr val="phClr"/>
-          </a:solidFill>
-          <a:prstDash val="solid"/>
-          <a:miter lim="800000"/>
-        </a:ln>
         <a:ln w="12700" cap="flat" cmpd="sng" algn="ctr">
           <a:solidFill>
             <a:schemeClr val="phClr"/>
           </a:solidFill>
           <a:prstDash val="solid"/>
-          <a:miter lim="800000"/>
         </a:ln>
         <a:ln w="19050" cap="flat" cmpd="sng" algn="ctr">
           <a:solidFill>
             <a:schemeClr val="phClr"/>
           </a:solidFill>
           <a:prstDash val="solid"/>
-          <a:miter lim="800000"/>
+        </a:ln>
+        <a:ln w="25400" cap="flat" cmpd="sng" algn="ctr">
+          <a:solidFill>
+            <a:schemeClr val="phClr"/>
+          </a:solidFill>
+          <a:prstDash val="solid"/>
         </a:ln>
       </a:lnStyleLst>
       <a:effectStyleLst>
@@ -3857,16 +7600,31 @@
           <a:effectLst/>
         </a:effectStyle>
         <a:effectStyle>
-          <a:effectLst/>
+          <a:effectLst>
+            <a:outerShdw blurRad="50800" dist="38100" dir="5400000" sy="96000" rotWithShape="0">
+              <a:srgbClr val="000000">
+                <a:alpha val="54000"/>
+              </a:srgbClr>
+            </a:outerShdw>
+          </a:effectLst>
         </a:effectStyle>
         <a:effectStyle>
           <a:effectLst>
-            <a:outerShdw blurRad="57150" dist="19050" dir="5400000" algn="ctr" rotWithShape="0">
+            <a:outerShdw blurRad="76200" dist="38100" dir="5400000" algn="ctr" rotWithShape="0">
               <a:srgbClr val="000000">
-                <a:alpha val="63000"/>
+                <a:alpha val="76000"/>
               </a:srgbClr>
             </a:outerShdw>
           </a:effectLst>
+          <a:scene3d>
+            <a:camera prst="orthographicFront">
+              <a:rot lat="0" lon="0" rev="0"/>
+            </a:camera>
+            <a:lightRig rig="balanced" dir="t"/>
+          </a:scene3d>
+          <a:sp3d prstMaterial="matte">
+            <a:bevelT w="25400" h="25400" prst="relaxedInset"/>
+          </a:sp3d>
         </a:effectStyle>
       </a:effectStyleLst>
       <a:bgFillStyleLst>
@@ -3879,33 +7637,23 @@
             <a:satMod val="170000"/>
           </a:schemeClr>
         </a:solidFill>
-        <a:gradFill rotWithShape="1">
-          <a:gsLst>
-            <a:gs pos="0">
+        <a:blipFill rotWithShape="1">
+          <a:blip xmlns:r="http://schemas.openxmlformats.org/officeDocument/2006/relationships" r:embed="rId1">
+            <a:duotone>
               <a:schemeClr val="phClr">
-                <a:tint val="93000"/>
-                <a:satMod val="150000"/>
-                <a:shade val="98000"/>
-                <a:lumMod val="102000"/>
+                <a:shade val="18000"/>
+                <a:satMod val="160000"/>
+                <a:lumMod val="28000"/>
               </a:schemeClr>
-            </a:gs>
-            <a:gs pos="50000">
               <a:schemeClr val="phClr">
-                <a:tint val="98000"/>
-                <a:satMod val="130000"/>
-                <a:shade val="90000"/>
-                <a:lumMod val="103000"/>
+                <a:tint val="95000"/>
+                <a:satMod val="160000"/>
+                <a:lumMod val="116000"/>
               </a:schemeClr>
-            </a:gs>
-            <a:gs pos="100000">
-              <a:schemeClr val="phClr">
-                <a:shade val="63000"/>
-                <a:satMod val="120000"/>
-              </a:schemeClr>
-            </a:gs>
-          </a:gsLst>
-          <a:lin ang="5400000" scaled="0"/>
-        </a:gradFill>
+            </a:duotone>
+          </a:blip>
+          <a:stretch/>
+        </a:blipFill>
       </a:bgFillStyleLst>
     </a:fmtScheme>
   </a:themeElements>
@@ -3913,7 +7661,7 @@
   <a:extraClrSchemeLst/>
   <a:extLst>
     <a:ext uri="{05A4C25C-085E-4340-85A3-A5531E510DB2}">
-      <thm15:themeFamily xmlns:thm15="http://schemas.microsoft.com/office/thememl/2012/main" name="Office Theme" id="{62F939B6-93AF-4DB8-9C6B-D6C7DFDC589F}" vid="{4A3C46E8-61CC-4603-A589-7422A47A8E4A}"/>
+      <thm15:themeFamily xmlns:thm15="http://schemas.microsoft.com/office/thememl/2012/main" name="Damask" id="{F9A299A0-33D0-4E0F-9F3F-7163E3744208}" vid="{746EEEEA-FB6A-406B-B510-531588D54811}"/>
     </a:ext>
   </a:extLst>
 </a:theme>
